--- a/intermediate-front-end/slides/powerpoint/day3.pptx
+++ b/intermediate-front-end/slides/powerpoint/day3.pptx
@@ -17,6 +17,45 @@
     <p:sldId id="262" r:id="rId14"/>
     <p:sldId id="263" r:id="rId15"/>
     <p:sldId id="264" r:id="rId16"/>
+    <p:sldId id="265" r:id="rId17"/>
+    <p:sldId id="266" r:id="rId18"/>
+    <p:sldId id="267" r:id="rId19"/>
+    <p:sldId id="268" r:id="rId20"/>
+    <p:sldId id="269" r:id="rId21"/>
+    <p:sldId id="270" r:id="rId22"/>
+    <p:sldId id="271" r:id="rId23"/>
+    <p:sldId id="272" r:id="rId24"/>
+    <p:sldId id="273" r:id="rId25"/>
+    <p:sldId id="274" r:id="rId26"/>
+    <p:sldId id="275" r:id="rId27"/>
+    <p:sldId id="276" r:id="rId28"/>
+    <p:sldId id="277" r:id="rId29"/>
+    <p:sldId id="278" r:id="rId30"/>
+    <p:sldId id="279" r:id="rId31"/>
+    <p:sldId id="280" r:id="rId32"/>
+    <p:sldId id="281" r:id="rId33"/>
+    <p:sldId id="282" r:id="rId34"/>
+    <p:sldId id="283" r:id="rId35"/>
+    <p:sldId id="284" r:id="rId36"/>
+    <p:sldId id="285" r:id="rId37"/>
+    <p:sldId id="286" r:id="rId38"/>
+    <p:sldId id="287" r:id="rId39"/>
+    <p:sldId id="288" r:id="rId40"/>
+    <p:sldId id="289" r:id="rId41"/>
+    <p:sldId id="290" r:id="rId42"/>
+    <p:sldId id="291" r:id="rId43"/>
+    <p:sldId id="292" r:id="rId44"/>
+    <p:sldId id="293" r:id="rId45"/>
+    <p:sldId id="294" r:id="rId46"/>
+    <p:sldId id="295" r:id="rId47"/>
+    <p:sldId id="296" r:id="rId48"/>
+    <p:sldId id="297" r:id="rId49"/>
+    <p:sldId id="298" r:id="rId50"/>
+    <p:sldId id="299" r:id="rId51"/>
+    <p:sldId id="300" r:id="rId52"/>
+    <p:sldId id="301" r:id="rId53"/>
+    <p:sldId id="302" r:id="rId54"/>
+    <p:sldId id="303" r:id="rId55"/>
   </p:sldIdLst>
   <p:sldSz cx="13004800" cy="9753600"/>
   <p:notesSz cx="6858000" cy="9144000"/>
@@ -3189,6 +3228,1399 @@
 </p:sld>
 </file>
 
+<file path=ppt/slides/slide10.xml><?xml version="1.0" encoding="utf-8"?>
+<p:sld xmlns:a="http://schemas.openxmlformats.org/drawingml/2006/main" xmlns:r="http://schemas.openxmlformats.org/officeDocument/2006/relationships" xmlns:p="http://schemas.openxmlformats.org/presentationml/2006/main" showMasterSp="1" showMasterPhAnim="1">
+  <p:cSld>
+    <p:spTree>
+      <p:nvGrpSpPr>
+        <p:cNvPr id="1" name=""/>
+        <p:cNvGrpSpPr/>
+        <p:nvPr/>
+      </p:nvGrpSpPr>
+      <p:grpSpPr>
+        <a:xfrm>
+          <a:off x="0" y="0"/>
+          <a:ext cx="0" cy="0"/>
+          <a:chOff x="0" y="0"/>
+          <a:chExt cx="0" cy="0"/>
+        </a:xfrm>
+      </p:grpSpPr>
+      <p:sp>
+        <p:nvSpPr>
+          <p:cNvPr id="159" name="Accessibility"/>
+          <p:cNvSpPr txBox="1"/>
+          <p:nvPr>
+            <p:ph type="title"/>
+          </p:nvPr>
+        </p:nvSpPr>
+        <p:spPr>
+          <a:prstGeom prst="rect">
+            <a:avLst/>
+          </a:prstGeom>
+        </p:spPr>
+        <p:txBody>
+          <a:bodyPr/>
+          <a:lstStyle/>
+          <a:p>
+            <a:pPr/>
+            <a:r>
+              <a:t>Accessibility</a:t>
+            </a:r>
+          </a:p>
+        </p:txBody>
+      </p:sp>
+      <p:sp>
+        <p:nvSpPr>
+          <p:cNvPr id="160" name="Review accessibility checklist…"/>
+          <p:cNvSpPr txBox="1"/>
+          <p:nvPr>
+            <p:ph type="body" idx="1"/>
+          </p:nvPr>
+        </p:nvSpPr>
+        <p:spPr>
+          <a:prstGeom prst="rect">
+            <a:avLst/>
+          </a:prstGeom>
+        </p:spPr>
+        <p:txBody>
+          <a:bodyPr anchor="t"/>
+          <a:lstStyle/>
+          <a:p>
+            <a:pPr/>
+            <a:r>
+              <a:t>Review accessibility checklist</a:t>
+            </a:r>
+          </a:p>
+          <a:p>
+            <a:pPr/>
+            <a:r>
+              <a:t>https://www.hhs.gov/web/section-508/making-files-accessible/checklist/html/index.html</a:t>
+            </a:r>
+          </a:p>
+        </p:txBody>
+      </p:sp>
+    </p:spTree>
+  </p:cSld>
+  <p:clrMapOvr>
+    <a:masterClrMapping/>
+  </p:clrMapOvr>
+  <p:transition xmlns:p14="http://schemas.microsoft.com/office/powerpoint/2010/main" spd="med" advClick="1"/>
+</p:sld>
+</file>
+
+<file path=ppt/slides/slide11.xml><?xml version="1.0" encoding="utf-8"?>
+<p:sld xmlns:a="http://schemas.openxmlformats.org/drawingml/2006/main" xmlns:r="http://schemas.openxmlformats.org/officeDocument/2006/relationships" xmlns:p="http://schemas.openxmlformats.org/presentationml/2006/main" showMasterSp="1" showMasterPhAnim="1">
+  <p:cSld>
+    <p:spTree>
+      <p:nvGrpSpPr>
+        <p:cNvPr id="1" name=""/>
+        <p:cNvGrpSpPr/>
+        <p:nvPr/>
+      </p:nvGrpSpPr>
+      <p:grpSpPr>
+        <a:xfrm>
+          <a:off x="0" y="0"/>
+          <a:ext cx="0" cy="0"/>
+          <a:chOff x="0" y="0"/>
+          <a:chExt cx="0" cy="0"/>
+        </a:xfrm>
+      </p:grpSpPr>
+      <p:sp>
+        <p:nvSpPr>
+          <p:cNvPr id="162" name="Chrome emulator"/>
+          <p:cNvSpPr txBox="1"/>
+          <p:nvPr>
+            <p:ph type="title"/>
+          </p:nvPr>
+        </p:nvSpPr>
+        <p:spPr>
+          <a:prstGeom prst="rect">
+            <a:avLst/>
+          </a:prstGeom>
+        </p:spPr>
+        <p:txBody>
+          <a:bodyPr/>
+          <a:lstStyle/>
+          <a:p>
+            <a:pPr/>
+            <a:r>
+              <a:t>Chrome emulator</a:t>
+            </a:r>
+          </a:p>
+        </p:txBody>
+      </p:sp>
+      <p:sp>
+        <p:nvSpPr>
+          <p:cNvPr id="163" name="Open Dev Tools…"/>
+          <p:cNvSpPr txBox="1"/>
+          <p:nvPr>
+            <p:ph type="body" idx="1"/>
+          </p:nvPr>
+        </p:nvSpPr>
+        <p:spPr>
+          <a:prstGeom prst="rect">
+            <a:avLst/>
+          </a:prstGeom>
+        </p:spPr>
+        <p:txBody>
+          <a:bodyPr anchor="t"/>
+          <a:lstStyle/>
+          <a:p>
+            <a:pPr/>
+            <a:r>
+              <a:t>Open Dev Tools</a:t>
+            </a:r>
+          </a:p>
+          <a:p>
+            <a:pPr/>
+            <a:r>
+              <a:t>Open Device Toolbar</a:t>
+            </a:r>
+          </a:p>
+          <a:p>
+            <a:pPr/>
+            <a:r>
+              <a:t>Examine common sizes</a:t>
+            </a:r>
+          </a:p>
+          <a:p>
+            <a:pPr/>
+            <a:r>
+              <a:t>…and some uncommon ones:</a:t>
+            </a:r>
+          </a:p>
+          <a:p>
+            <a:pPr/>
+            <a:r>
+              <a:t>Device list &gt; edit… &gt; Emulated Devices</a:t>
+            </a:r>
+          </a:p>
+        </p:txBody>
+      </p:sp>
+      <p:pic>
+        <p:nvPicPr>
+          <p:cNvPr id="164" name="Screen Shot 2017-03-14 at 12.15.08 PM.png" descr="Screen Shot 2017-03-14 at 12.15.08 PM.png"/>
+          <p:cNvPicPr>
+            <a:picLocks noChangeAspect="1"/>
+          </p:cNvPicPr>
+          <p:nvPr/>
+        </p:nvPicPr>
+        <p:blipFill>
+          <a:blip r:embed="rId2">
+            <a:extLst/>
+          </a:blip>
+          <a:stretch>
+            <a:fillRect/>
+          </a:stretch>
+        </p:blipFill>
+        <p:spPr>
+          <a:xfrm>
+            <a:off x="6732637" y="4702026"/>
+            <a:ext cx="2755901" cy="965201"/>
+          </a:xfrm>
+          <a:prstGeom prst="rect">
+            <a:avLst/>
+          </a:prstGeom>
+          <a:ln w="12700">
+            <a:miter lim="400000"/>
+          </a:ln>
+        </p:spPr>
+      </p:pic>
+    </p:spTree>
+  </p:cSld>
+  <p:clrMapOvr>
+    <a:masterClrMapping/>
+  </p:clrMapOvr>
+  <p:transition xmlns:p14="http://schemas.microsoft.com/office/powerpoint/2010/main" spd="med" advClick="1"/>
+</p:sld>
+</file>
+
+<file path=ppt/slides/slide12.xml><?xml version="1.0" encoding="utf-8"?>
+<p:sld xmlns:a="http://schemas.openxmlformats.org/drawingml/2006/main" xmlns:r="http://schemas.openxmlformats.org/officeDocument/2006/relationships" xmlns:p="http://schemas.openxmlformats.org/presentationml/2006/main" showMasterSp="1" showMasterPhAnim="1">
+  <p:cSld>
+    <p:spTree>
+      <p:nvGrpSpPr>
+        <p:cNvPr id="1" name=""/>
+        <p:cNvGrpSpPr/>
+        <p:nvPr/>
+      </p:nvGrpSpPr>
+      <p:grpSpPr>
+        <a:xfrm>
+          <a:off x="0" y="0"/>
+          <a:ext cx="0" cy="0"/>
+          <a:chOff x="0" y="0"/>
+          <a:chExt cx="0" cy="0"/>
+        </a:xfrm>
+      </p:grpSpPr>
+      <p:sp>
+        <p:nvSpPr>
+          <p:cNvPr id="166" name="Lab: View on Device"/>
+          <p:cNvSpPr txBox="1"/>
+          <p:nvPr>
+            <p:ph type="title"/>
+          </p:nvPr>
+        </p:nvSpPr>
+        <p:spPr>
+          <a:prstGeom prst="rect">
+            <a:avLst/>
+          </a:prstGeom>
+        </p:spPr>
+        <p:txBody>
+          <a:bodyPr/>
+          <a:lstStyle/>
+          <a:p>
+            <a:pPr/>
+            <a:r>
+              <a:t>Lab: View on Device</a:t>
+            </a:r>
+          </a:p>
+        </p:txBody>
+      </p:sp>
+      <p:sp>
+        <p:nvSpPr>
+          <p:cNvPr id="167" name="Start web server in directory…"/>
+          <p:cNvSpPr txBox="1"/>
+          <p:nvPr>
+            <p:ph type="body" idx="1"/>
+          </p:nvPr>
+        </p:nvSpPr>
+        <p:spPr>
+          <a:prstGeom prst="rect">
+            <a:avLst/>
+          </a:prstGeom>
+        </p:spPr>
+        <p:txBody>
+          <a:bodyPr anchor="t"/>
+          <a:lstStyle/>
+          <a:p>
+            <a:pPr marL="377825" indent="-377825" defTabSz="496570">
+              <a:spcBef>
+                <a:spcPts val="3500"/>
+              </a:spcBef>
+              <a:defRPr sz="3230"/>
+            </a:pPr>
+            <a:r>
+              <a:t>Start web server in directory</a:t>
+            </a:r>
+          </a:p>
+          <a:p>
+            <a:pPr lvl="1" marL="755650" indent="-377825" defTabSz="496570">
+              <a:spcBef>
+                <a:spcPts val="3500"/>
+              </a:spcBef>
+              <a:defRPr sz="3230"/>
+            </a:pPr>
+            <a:r>
+              <a:t>Mac: python -m SimpleHTTPServer</a:t>
+            </a:r>
+          </a:p>
+          <a:p>
+            <a:pPr lvl="1" marL="755650" indent="-377825" defTabSz="496570">
+              <a:spcBef>
+                <a:spcPts val="3500"/>
+              </a:spcBef>
+              <a:defRPr sz="3230"/>
+            </a:pPr>
+            <a:r>
+              <a:t>Win: Use node server from previous example</a:t>
+            </a:r>
+          </a:p>
+          <a:p>
+            <a:pPr marL="377825" indent="-377825" defTabSz="496570">
+              <a:spcBef>
+                <a:spcPts val="3500"/>
+              </a:spcBef>
+              <a:defRPr sz="3230"/>
+            </a:pPr>
+            <a:r>
+              <a:t>Find IP</a:t>
+            </a:r>
+          </a:p>
+          <a:p>
+            <a:pPr lvl="1" marL="755650" indent="-377825" defTabSz="496570">
+              <a:spcBef>
+                <a:spcPts val="3500"/>
+              </a:spcBef>
+              <a:defRPr sz="3230"/>
+            </a:pPr>
+            <a:r>
+              <a:t>Mac: System Preferences &gt; Network</a:t>
+            </a:r>
+          </a:p>
+          <a:p>
+            <a:pPr lvl="1" marL="755650" indent="-377825" defTabSz="496570">
+              <a:spcBef>
+                <a:spcPts val="3500"/>
+              </a:spcBef>
+              <a:defRPr sz="3230"/>
+            </a:pPr>
+            <a:r>
+              <a:t>Win: cmd.exe &gt; 'ipconfig'</a:t>
+            </a:r>
+          </a:p>
+          <a:p>
+            <a:pPr marL="377825" indent="-377825" defTabSz="496570">
+              <a:spcBef>
+                <a:spcPts val="3500"/>
+              </a:spcBef>
+              <a:defRPr sz="3230"/>
+            </a:pPr>
+            <a:r>
+              <a:t>On device, open "http://[IP address]]/"</a:t>
+            </a:r>
+          </a:p>
+        </p:txBody>
+      </p:sp>
+    </p:spTree>
+  </p:cSld>
+  <p:clrMapOvr>
+    <a:masterClrMapping/>
+  </p:clrMapOvr>
+  <p:transition xmlns:p14="http://schemas.microsoft.com/office/powerpoint/2010/main" spd="med" advClick="1"/>
+</p:sld>
+</file>
+
+<file path=ppt/slides/slide13.xml><?xml version="1.0" encoding="utf-8"?>
+<p:sld xmlns:a="http://schemas.openxmlformats.org/drawingml/2006/main" xmlns:r="http://schemas.openxmlformats.org/officeDocument/2006/relationships" xmlns:p="http://schemas.openxmlformats.org/presentationml/2006/main" showMasterSp="1" showMasterPhAnim="1">
+  <p:cSld>
+    <p:spTree>
+      <p:nvGrpSpPr>
+        <p:cNvPr id="1" name=""/>
+        <p:cNvGrpSpPr/>
+        <p:nvPr/>
+      </p:nvGrpSpPr>
+      <p:grpSpPr>
+        <a:xfrm>
+          <a:off x="0" y="0"/>
+          <a:ext cx="0" cy="0"/>
+          <a:chOff x="0" y="0"/>
+          <a:chExt cx="0" cy="0"/>
+        </a:xfrm>
+      </p:grpSpPr>
+      <p:sp>
+        <p:nvSpPr>
+          <p:cNvPr id="169" name="Lab: Fluid"/>
+          <p:cNvSpPr txBox="1"/>
+          <p:nvPr>
+            <p:ph type="title"/>
+          </p:nvPr>
+        </p:nvSpPr>
+        <p:spPr>
+          <a:prstGeom prst="rect">
+            <a:avLst/>
+          </a:prstGeom>
+        </p:spPr>
+        <p:txBody>
+          <a:bodyPr/>
+          <a:lstStyle/>
+          <a:p>
+            <a:pPr/>
+            <a:r>
+              <a:t>Lab: Fluid</a:t>
+            </a:r>
+          </a:p>
+        </p:txBody>
+      </p:sp>
+      <p:sp>
+        <p:nvSpPr>
+          <p:cNvPr id="170" name="examples/day3/am-responsive/01-fluid/01-fluid.html…"/>
+          <p:cNvSpPr txBox="1"/>
+          <p:nvPr>
+            <p:ph type="body" idx="1"/>
+          </p:nvPr>
+        </p:nvSpPr>
+        <p:spPr>
+          <a:prstGeom prst="rect">
+            <a:avLst/>
+          </a:prstGeom>
+        </p:spPr>
+        <p:txBody>
+          <a:bodyPr anchor="t"/>
+          <a:lstStyle/>
+          <a:p>
+            <a:pPr marL="417830" indent="-417830" defTabSz="549148">
+              <a:spcBef>
+                <a:spcPts val="3900"/>
+              </a:spcBef>
+              <a:defRPr sz="3572"/>
+            </a:pPr>
+            <a:r>
+              <a:t>examples/day3/am-responsive/01-fluid/01-fluid.html</a:t>
+            </a:r>
+          </a:p>
+          <a:p>
+            <a:pPr marL="417830" indent="-417830" defTabSz="549148">
+              <a:spcBef>
+                <a:spcPts val="3900"/>
+              </a:spcBef>
+              <a:defRPr sz="3572"/>
+            </a:pPr>
+            <a:r>
+              <a:t>Layout should look good at all sizes</a:t>
+            </a:r>
+          </a:p>
+          <a:p>
+            <a:pPr marL="417830" indent="-417830" defTabSz="549148">
+              <a:spcBef>
+                <a:spcPts val="3900"/>
+              </a:spcBef>
+              <a:defRPr sz="3572"/>
+            </a:pPr>
+            <a:r>
+              <a:t>Use ems for relative measurements</a:t>
+            </a:r>
+          </a:p>
+          <a:p>
+            <a:pPr marL="417830" indent="-417830" defTabSz="549148">
+              <a:spcBef>
+                <a:spcPts val="3900"/>
+              </a:spcBef>
+              <a:defRPr sz="3572"/>
+            </a:pPr>
+            <a:r>
+              <a:t>Center content within containers</a:t>
+            </a:r>
+          </a:p>
+          <a:p>
+            <a:pPr lvl="1" marL="835660" indent="-417830" defTabSz="549148">
+              <a:spcBef>
+                <a:spcPts val="3900"/>
+              </a:spcBef>
+              <a:defRPr sz="3572"/>
+            </a:pPr>
+            <a:r>
+              <a:t>Use % width and margin: auto for blocks</a:t>
+            </a:r>
+          </a:p>
+          <a:p>
+            <a:pPr lvl="1" marL="835660" indent="-417830" defTabSz="549148">
+              <a:spcBef>
+                <a:spcPts val="3900"/>
+              </a:spcBef>
+              <a:defRPr sz="3572"/>
+            </a:pPr>
+            <a:r>
+              <a:t>Add padding to inline content </a:t>
+            </a:r>
+          </a:p>
+        </p:txBody>
+      </p:sp>
+    </p:spTree>
+  </p:cSld>
+  <p:clrMapOvr>
+    <a:masterClrMapping/>
+  </p:clrMapOvr>
+  <p:transition xmlns:p14="http://schemas.microsoft.com/office/powerpoint/2010/main" spd="med" advClick="1"/>
+</p:sld>
+</file>
+
+<file path=ppt/slides/slide14.xml><?xml version="1.0" encoding="utf-8"?>
+<p:sld xmlns:a="http://schemas.openxmlformats.org/drawingml/2006/main" xmlns:r="http://schemas.openxmlformats.org/officeDocument/2006/relationships" xmlns:p="http://schemas.openxmlformats.org/presentationml/2006/main" showMasterSp="1" showMasterPhAnim="1">
+  <p:cSld>
+    <p:spTree>
+      <p:nvGrpSpPr>
+        <p:cNvPr id="1" name=""/>
+        <p:cNvGrpSpPr/>
+        <p:nvPr/>
+      </p:nvGrpSpPr>
+      <p:grpSpPr>
+        <a:xfrm>
+          <a:off x="0" y="0"/>
+          <a:ext cx="0" cy="0"/>
+          <a:chOff x="0" y="0"/>
+          <a:chExt cx="0" cy="0"/>
+        </a:xfrm>
+      </p:grpSpPr>
+      <p:sp>
+        <p:nvSpPr>
+          <p:cNvPr id="172" name="Media Queries"/>
+          <p:cNvSpPr txBox="1"/>
+          <p:nvPr>
+            <p:ph type="title"/>
+          </p:nvPr>
+        </p:nvSpPr>
+        <p:spPr>
+          <a:prstGeom prst="rect">
+            <a:avLst/>
+          </a:prstGeom>
+        </p:spPr>
+        <p:txBody>
+          <a:bodyPr/>
+          <a:lstStyle/>
+          <a:p>
+            <a:pPr/>
+            <a:r>
+              <a:t>Media Queries</a:t>
+            </a:r>
+          </a:p>
+        </p:txBody>
+      </p:sp>
+      <p:sp>
+        <p:nvSpPr>
+          <p:cNvPr id="173" name="Target rules based on device capability…"/>
+          <p:cNvSpPr txBox="1"/>
+          <p:nvPr>
+            <p:ph type="body" idx="1"/>
+          </p:nvPr>
+        </p:nvSpPr>
+        <p:spPr>
+          <a:prstGeom prst="rect">
+            <a:avLst/>
+          </a:prstGeom>
+        </p:spPr>
+        <p:txBody>
+          <a:bodyPr anchor="t"/>
+          <a:lstStyle/>
+          <a:p>
+            <a:pPr/>
+            <a:r>
+              <a:t>Target rules based on device capability</a:t>
+            </a:r>
+          </a:p>
+          <a:p>
+            <a:pPr/>
+            <a:r>
+              <a:t>Most commonly min- and max- width</a:t>
+            </a:r>
+          </a:p>
+          <a:p>
+            <a:pPr/>
+            <a:r>
+              <a:t>Transitions ranges are called "breakpoints"</a:t>
+            </a:r>
+          </a:p>
+          <a:p>
+            <a:pPr/>
+            <a:r>
+              <a:t>Think "ranges" or "uses" instead of "devices"</a:t>
+            </a:r>
+          </a:p>
+          <a:p>
+            <a:pPr/>
+            <a:r>
+              <a:t>2 may be enough. More than 5 prob too many</a:t>
+            </a:r>
+          </a:p>
+        </p:txBody>
+      </p:sp>
+    </p:spTree>
+  </p:cSld>
+  <p:clrMapOvr>
+    <a:masterClrMapping/>
+  </p:clrMapOvr>
+  <p:transition xmlns:p14="http://schemas.microsoft.com/office/powerpoint/2010/main" spd="med" advClick="1"/>
+</p:sld>
+</file>
+
+<file path=ppt/slides/slide15.xml><?xml version="1.0" encoding="utf-8"?>
+<p:sld xmlns:a="http://schemas.openxmlformats.org/drawingml/2006/main" xmlns:r="http://schemas.openxmlformats.org/officeDocument/2006/relationships" xmlns:p="http://schemas.openxmlformats.org/presentationml/2006/main" showMasterSp="1" showMasterPhAnim="1">
+  <p:cSld>
+    <p:spTree>
+      <p:nvGrpSpPr>
+        <p:cNvPr id="1" name=""/>
+        <p:cNvGrpSpPr/>
+        <p:nvPr/>
+      </p:nvGrpSpPr>
+      <p:grpSpPr>
+        <a:xfrm>
+          <a:off x="0" y="0"/>
+          <a:ext cx="0" cy="0"/>
+          <a:chOff x="0" y="0"/>
+          <a:chExt cx="0" cy="0"/>
+        </a:xfrm>
+      </p:grpSpPr>
+      <p:sp>
+        <p:nvSpPr>
+          <p:cNvPr id="175" name="Media Queries"/>
+          <p:cNvSpPr txBox="1"/>
+          <p:nvPr>
+            <p:ph type="title"/>
+          </p:nvPr>
+        </p:nvSpPr>
+        <p:spPr>
+          <a:prstGeom prst="rect">
+            <a:avLst/>
+          </a:prstGeom>
+        </p:spPr>
+        <p:txBody>
+          <a:bodyPr/>
+          <a:lstStyle/>
+          <a:p>
+            <a:pPr/>
+            <a:r>
+              <a:t>Media Queries</a:t>
+            </a:r>
+          </a:p>
+        </p:txBody>
+      </p:sp>
+      <p:sp>
+        <p:nvSpPr>
+          <p:cNvPr id="176" name="Multiple Breakpoints…"/>
+          <p:cNvSpPr txBox="1"/>
+          <p:nvPr>
+            <p:ph type="body" idx="1"/>
+          </p:nvPr>
+        </p:nvSpPr>
+        <p:spPr>
+          <a:prstGeom prst="rect">
+            <a:avLst/>
+          </a:prstGeom>
+        </p:spPr>
+        <p:txBody>
+          <a:bodyPr anchor="t"/>
+          <a:lstStyle/>
+          <a:p>
+            <a:pPr/>
+            <a:r>
+              <a:t>Multiple Breakpoints</a:t>
+            </a:r>
+          </a:p>
+          <a:p>
+            <a:pPr/>
+            <a:r>
+              <a:t>Think of groups / categories of devices</a:t>
+            </a:r>
+          </a:p>
+          <a:p>
+            <a:pPr lvl="1"/>
+            <a:r>
+              <a:t>Mobile: bite sized info, 1 min</a:t>
+            </a:r>
+          </a:p>
+          <a:p>
+            <a:pPr lvl="1"/>
+            <a:r>
+              <a:t>Tablet: laying on the couch, 10 mins</a:t>
+            </a:r>
+          </a:p>
+          <a:p>
+            <a:pPr lvl="1"/>
+            <a:r>
+              <a:t>Desktop: long running sessions, 100 mins</a:t>
+            </a:r>
+          </a:p>
+        </p:txBody>
+      </p:sp>
+    </p:spTree>
+  </p:cSld>
+  <p:clrMapOvr>
+    <a:masterClrMapping/>
+  </p:clrMapOvr>
+  <p:transition xmlns:p14="http://schemas.microsoft.com/office/powerpoint/2010/main" spd="med" advClick="1"/>
+</p:sld>
+</file>
+
+<file path=ppt/slides/slide16.xml><?xml version="1.0" encoding="utf-8"?>
+<p:sld xmlns:a="http://schemas.openxmlformats.org/drawingml/2006/main" xmlns:r="http://schemas.openxmlformats.org/officeDocument/2006/relationships" xmlns:p="http://schemas.openxmlformats.org/presentationml/2006/main" showMasterSp="1" showMasterPhAnim="1">
+  <p:cSld>
+    <p:spTree>
+      <p:nvGrpSpPr>
+        <p:cNvPr id="1" name=""/>
+        <p:cNvGrpSpPr/>
+        <p:nvPr/>
+      </p:nvGrpSpPr>
+      <p:grpSpPr>
+        <a:xfrm>
+          <a:off x="0" y="0"/>
+          <a:ext cx="0" cy="0"/>
+          <a:chOff x="0" y="0"/>
+          <a:chExt cx="0" cy="0"/>
+        </a:xfrm>
+      </p:grpSpPr>
+      <p:sp>
+        <p:nvSpPr>
+          <p:cNvPr id="178" name="Media Queries"/>
+          <p:cNvSpPr txBox="1"/>
+          <p:nvPr>
+            <p:ph type="title"/>
+          </p:nvPr>
+        </p:nvSpPr>
+        <p:spPr>
+          <a:prstGeom prst="rect">
+            <a:avLst/>
+          </a:prstGeom>
+        </p:spPr>
+        <p:txBody>
+          <a:bodyPr/>
+          <a:lstStyle/>
+          <a:p>
+            <a:pPr/>
+            <a:r>
+              <a:t>Media Queries</a:t>
+            </a:r>
+          </a:p>
+        </p:txBody>
+      </p:sp>
+      <p:sp>
+        <p:nvSpPr>
+          <p:cNvPr id="179" name="Mobile: &lt;413px width…"/>
+          <p:cNvSpPr txBox="1"/>
+          <p:nvPr>
+            <p:ph type="body" idx="1"/>
+          </p:nvPr>
+        </p:nvSpPr>
+        <p:spPr>
+          <a:prstGeom prst="rect">
+            <a:avLst/>
+          </a:prstGeom>
+        </p:spPr>
+        <p:txBody>
+          <a:bodyPr anchor="t"/>
+          <a:lstStyle/>
+          <a:p>
+            <a:pPr/>
+            <a:r>
+              <a:t>Mobile: &lt;413px width</a:t>
+            </a:r>
+          </a:p>
+          <a:p>
+            <a:pPr lvl="1"/>
+            <a:r>
+              <a:t>Nexus 412px; iPhone 6 375px</a:t>
+            </a:r>
+          </a:p>
+          <a:p>
+            <a:pPr/>
+            <a:r>
+              <a:t>Phablet: &gt;412px &lt;768px width</a:t>
+            </a:r>
+          </a:p>
+          <a:p>
+            <a:pPr lvl="1"/>
+            <a:r>
+              <a:t>iPad portrait 768px;</a:t>
+            </a:r>
+          </a:p>
+          <a:p>
+            <a:pPr/>
+            <a:r>
+              <a:t>Desktop-capable: &gt;768px width</a:t>
+            </a:r>
+          </a:p>
+          <a:p>
+            <a:pPr lvl="1"/>
+            <a:r>
+              <a:t>Treat iPad landscape and up as Desktop-ish</a:t>
+            </a:r>
+          </a:p>
+        </p:txBody>
+      </p:sp>
+    </p:spTree>
+  </p:cSld>
+  <p:clrMapOvr>
+    <a:masterClrMapping/>
+  </p:clrMapOvr>
+  <p:transition xmlns:p14="http://schemas.microsoft.com/office/powerpoint/2010/main" spd="med" advClick="1"/>
+</p:sld>
+</file>
+
+<file path=ppt/slides/slide17.xml><?xml version="1.0" encoding="utf-8"?>
+<p:sld xmlns:a="http://schemas.openxmlformats.org/drawingml/2006/main" xmlns:r="http://schemas.openxmlformats.org/officeDocument/2006/relationships" xmlns:p="http://schemas.openxmlformats.org/presentationml/2006/main" showMasterSp="1" showMasterPhAnim="1">
+  <p:cSld>
+    <p:spTree>
+      <p:nvGrpSpPr>
+        <p:cNvPr id="1" name=""/>
+        <p:cNvGrpSpPr/>
+        <p:nvPr/>
+      </p:nvGrpSpPr>
+      <p:grpSpPr>
+        <a:xfrm>
+          <a:off x="0" y="0"/>
+          <a:ext cx="0" cy="0"/>
+          <a:chOff x="0" y="0"/>
+          <a:chExt cx="0" cy="0"/>
+        </a:xfrm>
+      </p:grpSpPr>
+      <p:sp>
+        <p:nvSpPr>
+          <p:cNvPr id="181" name="Media Queries"/>
+          <p:cNvSpPr txBox="1"/>
+          <p:nvPr>
+            <p:ph type="title"/>
+          </p:nvPr>
+        </p:nvSpPr>
+        <p:spPr>
+          <a:prstGeom prst="rect">
+            <a:avLst/>
+          </a:prstGeom>
+        </p:spPr>
+        <p:txBody>
+          <a:bodyPr/>
+          <a:lstStyle/>
+          <a:p>
+            <a:pPr/>
+            <a:r>
+              <a:t>Media Queries</a:t>
+            </a:r>
+          </a:p>
+        </p:txBody>
+      </p:sp>
+      <p:sp>
+        <p:nvSpPr>
+          <p:cNvPr id="182" name="@media screen and ( min-width: 320px ) and ( max-width: 500px ) {…"/>
+          <p:cNvSpPr txBox="1"/>
+          <p:nvPr>
+            <p:ph type="body" idx="1"/>
+          </p:nvPr>
+        </p:nvSpPr>
+        <p:spPr>
+          <a:prstGeom prst="rect">
+            <a:avLst/>
+          </a:prstGeom>
+          <a:solidFill>
+            <a:srgbClr val="232323"/>
+          </a:solidFill>
+        </p:spPr>
+        <p:txBody>
+          <a:bodyPr anchor="t"/>
+          <a:lstStyle/>
+          <a:p>
+            <a:pPr marL="0" indent="0" defTabSz="303783">
+              <a:spcBef>
+                <a:spcPts val="2100"/>
+              </a:spcBef>
+              <a:buSzTx/>
+              <a:buNone/>
+              <a:defRPr sz="1975"/>
+            </a:pPr>
+            <a:r>
+              <a:rPr>
+                <a:solidFill>
+                  <a:srgbClr val="ABA3E0"/>
+                </a:solidFill>
+              </a:rPr>
+              <a:t>@media</a:t>
+            </a:r>
+            <a:r>
+              <a:t> </a:t>
+            </a:r>
+            <a:r>
+              <a:rPr>
+                <a:solidFill>
+                  <a:srgbClr val="CB8C8B"/>
+                </a:solidFill>
+              </a:rPr>
+              <a:t>screen</a:t>
+            </a:r>
+            <a:r>
+              <a:t> and ( </a:t>
+            </a:r>
+            <a:r>
+              <a:rPr>
+                <a:solidFill>
+                  <a:srgbClr val="80B2E0"/>
+                </a:solidFill>
+              </a:rPr>
+              <a:t>min-width:</a:t>
+            </a:r>
+            <a:r>
+              <a:t> </a:t>
+            </a:r>
+            <a:r>
+              <a:rPr>
+                <a:solidFill>
+                  <a:srgbClr val="98C58B"/>
+                </a:solidFill>
+              </a:rPr>
+              <a:t>320px</a:t>
+            </a:r>
+            <a:r>
+              <a:t> ) and ( </a:t>
+            </a:r>
+            <a:r>
+              <a:rPr>
+                <a:solidFill>
+                  <a:srgbClr val="80B2E0"/>
+                </a:solidFill>
+              </a:rPr>
+              <a:t>max-width:</a:t>
+            </a:r>
+            <a:r>
+              <a:t> </a:t>
+            </a:r>
+            <a:r>
+              <a:rPr>
+                <a:solidFill>
+                  <a:srgbClr val="98C58B"/>
+                </a:solidFill>
+              </a:rPr>
+              <a:t>500px</a:t>
+            </a:r>
+            <a:r>
+              <a:t> ) {</a:t>
+            </a:r>
+          </a:p>
+          <a:p>
+            <a:pPr marL="0" indent="0" defTabSz="303783">
+              <a:spcBef>
+                <a:spcPts val="2100"/>
+              </a:spcBef>
+              <a:buSzTx/>
+              <a:buNone/>
+              <a:defRPr sz="1975"/>
+            </a:pPr>
+            <a:r>
+              <a:t>  </a:t>
+            </a:r>
+            <a:r>
+              <a:rPr>
+                <a:solidFill>
+                  <a:srgbClr val="DEC093"/>
+                </a:solidFill>
+              </a:rPr>
+              <a:t>nav h2</a:t>
+            </a:r>
+            <a:r>
+              <a:t> {</a:t>
+            </a:r>
+          </a:p>
+          <a:p>
+            <a:pPr marL="0" indent="0" defTabSz="303783">
+              <a:spcBef>
+                <a:spcPts val="2100"/>
+              </a:spcBef>
+              <a:buSzTx/>
+              <a:buNone/>
+              <a:defRPr sz="1975"/>
+            </a:pPr>
+            <a:r>
+              <a:t>    </a:t>
+            </a:r>
+            <a:r>
+              <a:rPr>
+                <a:solidFill>
+                  <a:srgbClr val="80B2E0"/>
+                </a:solidFill>
+              </a:rPr>
+              <a:t>margin-left:</a:t>
+            </a:r>
+            <a:r>
+              <a:t> </a:t>
+            </a:r>
+            <a:r>
+              <a:rPr>
+                <a:solidFill>
+                  <a:srgbClr val="98C58B"/>
+                </a:solidFill>
+              </a:rPr>
+              <a:t>-10em;</a:t>
+            </a:r>
+          </a:p>
+          <a:p>
+            <a:pPr marL="0" indent="0" defTabSz="303783">
+              <a:spcBef>
+                <a:spcPts val="2100"/>
+              </a:spcBef>
+              <a:buSzTx/>
+              <a:buNone/>
+              <a:defRPr sz="1975"/>
+            </a:pPr>
+            <a:r>
+              <a:t>  }</a:t>
+            </a:r>
+          </a:p>
+          <a:p>
+            <a:pPr marL="0" indent="0" defTabSz="303783">
+              <a:spcBef>
+                <a:spcPts val="2100"/>
+              </a:spcBef>
+              <a:buSzTx/>
+              <a:buNone/>
+              <a:defRPr sz="1975"/>
+            </a:pPr>
+            <a:r>
+              <a:t>}</a:t>
+            </a:r>
+          </a:p>
+          <a:p>
+            <a:pPr marL="0" indent="0" defTabSz="303783">
+              <a:spcBef>
+                <a:spcPts val="2100"/>
+              </a:spcBef>
+              <a:buSzTx/>
+              <a:buNone/>
+              <a:defRPr sz="1975"/>
+            </a:pPr>
+            <a:r>
+              <a:rPr>
+                <a:solidFill>
+                  <a:srgbClr val="ABA3E0"/>
+                </a:solidFill>
+              </a:rPr>
+              <a:t>@media</a:t>
+            </a:r>
+            <a:r>
+              <a:t> </a:t>
+            </a:r>
+            <a:r>
+              <a:rPr>
+                <a:solidFill>
+                  <a:srgbClr val="CB8C8B"/>
+                </a:solidFill>
+              </a:rPr>
+              <a:t>screen</a:t>
+            </a:r>
+            <a:r>
+              <a:t> and ( </a:t>
+            </a:r>
+            <a:r>
+              <a:rPr>
+                <a:solidFill>
+                  <a:srgbClr val="80B2E0"/>
+                </a:solidFill>
+              </a:rPr>
+              <a:t>max-width:</a:t>
+            </a:r>
+            <a:r>
+              <a:t> </a:t>
+            </a:r>
+            <a:r>
+              <a:rPr>
+                <a:solidFill>
+                  <a:srgbClr val="98C58B"/>
+                </a:solidFill>
+              </a:rPr>
+              <a:t>320px</a:t>
+            </a:r>
+            <a:r>
+              <a:t> ) {</a:t>
+            </a:r>
+          </a:p>
+          <a:p>
+            <a:pPr marL="0" indent="0" defTabSz="303783">
+              <a:spcBef>
+                <a:spcPts val="2100"/>
+              </a:spcBef>
+              <a:buSzTx/>
+              <a:buNone/>
+              <a:defRPr sz="1975"/>
+            </a:pPr>
+            <a:r>
+              <a:t>  </a:t>
+            </a:r>
+            <a:r>
+              <a:rPr>
+                <a:solidFill>
+                  <a:srgbClr val="DEC093"/>
+                </a:solidFill>
+              </a:rPr>
+              <a:t>main, nav</a:t>
+            </a:r>
+            <a:r>
+              <a:t> {</a:t>
+            </a:r>
+          </a:p>
+          <a:p>
+            <a:pPr marL="0" indent="0" defTabSz="303783">
+              <a:spcBef>
+                <a:spcPts val="2100"/>
+              </a:spcBef>
+              <a:buSzTx/>
+              <a:buNone/>
+              <a:defRPr sz="1975"/>
+            </a:pPr>
+            <a:r>
+              <a:t>    </a:t>
+            </a:r>
+            <a:r>
+              <a:rPr>
+                <a:solidFill>
+                  <a:srgbClr val="80B2E0"/>
+                </a:solidFill>
+              </a:rPr>
+              <a:t>min-width:</a:t>
+            </a:r>
+            <a:r>
+              <a:t> </a:t>
+            </a:r>
+            <a:r>
+              <a:rPr>
+                <a:solidFill>
+                  <a:srgbClr val="98C58B"/>
+                </a:solidFill>
+              </a:rPr>
+              <a:t>320px;</a:t>
+            </a:r>
+          </a:p>
+          <a:p>
+            <a:pPr marL="0" indent="0" defTabSz="303783">
+              <a:spcBef>
+                <a:spcPts val="2100"/>
+              </a:spcBef>
+              <a:buSzTx/>
+              <a:buNone/>
+              <a:defRPr sz="1975"/>
+            </a:pPr>
+            <a:r>
+              <a:t>  }</a:t>
+            </a:r>
+          </a:p>
+          <a:p>
+            <a:pPr marL="0" indent="0" defTabSz="303783">
+              <a:spcBef>
+                <a:spcPts val="2100"/>
+              </a:spcBef>
+              <a:buSzTx/>
+              <a:buNone/>
+              <a:defRPr sz="1975"/>
+            </a:pPr>
+            <a:r>
+              <a:t>  </a:t>
+            </a:r>
+            <a:r>
+              <a:rPr>
+                <a:solidFill>
+                  <a:srgbClr val="DEC093"/>
+                </a:solidFill>
+              </a:rPr>
+              <a:t>.pl-items-wrapper ul li </a:t>
+            </a:r>
+            <a:r>
+              <a:t>{</a:t>
+            </a:r>
+          </a:p>
+          <a:p>
+            <a:pPr marL="0" indent="0" defTabSz="303783">
+              <a:spcBef>
+                <a:spcPts val="2100"/>
+              </a:spcBef>
+              <a:buSzTx/>
+              <a:buNone/>
+              <a:defRPr sz="1975"/>
+            </a:pPr>
+            <a:r>
+              <a:t>    </a:t>
+            </a:r>
+            <a:r>
+              <a:rPr>
+                <a:solidFill>
+                  <a:srgbClr val="80B2E0"/>
+                </a:solidFill>
+              </a:rPr>
+              <a:t>border:</a:t>
+            </a:r>
+            <a:r>
+              <a:t> </a:t>
+            </a:r>
+            <a:r>
+              <a:rPr>
+                <a:solidFill>
+                  <a:srgbClr val="CB8C8B"/>
+                </a:solidFill>
+              </a:rPr>
+              <a:t>none;</a:t>
+            </a:r>
+          </a:p>
+        </p:txBody>
+      </p:sp>
+    </p:spTree>
+  </p:cSld>
+  <p:clrMapOvr>
+    <a:masterClrMapping/>
+  </p:clrMapOvr>
+  <p:transition xmlns:p14="http://schemas.microsoft.com/office/powerpoint/2010/main" spd="med" advClick="1"/>
+</p:sld>
+</file>
+
+<file path=ppt/slides/slide18.xml><?xml version="1.0" encoding="utf-8"?>
+<p:sld xmlns:a="http://schemas.openxmlformats.org/drawingml/2006/main" xmlns:r="http://schemas.openxmlformats.org/officeDocument/2006/relationships" xmlns:p="http://schemas.openxmlformats.org/presentationml/2006/main" showMasterSp="1" showMasterPhAnim="1">
+  <p:cSld>
+    <p:spTree>
+      <p:nvGrpSpPr>
+        <p:cNvPr id="1" name=""/>
+        <p:cNvGrpSpPr/>
+        <p:nvPr/>
+      </p:nvGrpSpPr>
+      <p:grpSpPr>
+        <a:xfrm>
+          <a:off x="0" y="0"/>
+          <a:ext cx="0" cy="0"/>
+          <a:chOff x="0" y="0"/>
+          <a:chExt cx="0" cy="0"/>
+        </a:xfrm>
+      </p:grpSpPr>
+      <p:sp>
+        <p:nvSpPr>
+          <p:cNvPr id="184" name="Media Queries"/>
+          <p:cNvSpPr txBox="1"/>
+          <p:nvPr>
+            <p:ph type="title"/>
+          </p:nvPr>
+        </p:nvSpPr>
+        <p:spPr>
+          <a:prstGeom prst="rect">
+            <a:avLst/>
+          </a:prstGeom>
+        </p:spPr>
+        <p:txBody>
+          <a:bodyPr/>
+          <a:lstStyle/>
+          <a:p>
+            <a:pPr/>
+            <a:r>
+              <a:t>Media Queries</a:t>
+            </a:r>
+          </a:p>
+        </p:txBody>
+      </p:sp>
+      <p:sp>
+        <p:nvSpPr>
+          <p:cNvPr id="185" name="&lt;link rel=&quot;stylesheet&quot; media=&quot;screen and (max-width: 400px)&quot; href=&quot;small-sized-styles.css&quot; /&gt;…"/>
+          <p:cNvSpPr txBox="1"/>
+          <p:nvPr>
+            <p:ph type="body" idx="1"/>
+          </p:nvPr>
+        </p:nvSpPr>
+        <p:spPr>
+          <a:prstGeom prst="rect">
+            <a:avLst/>
+          </a:prstGeom>
+          <a:solidFill>
+            <a:srgbClr val="232323"/>
+          </a:solidFill>
+        </p:spPr>
+        <p:txBody>
+          <a:bodyPr anchor="t"/>
+          <a:lstStyle/>
+          <a:p>
+            <a:pPr marL="0" indent="0">
+              <a:buSzTx/>
+              <a:buNone/>
+              <a:defRPr sz="2900"/>
+            </a:pPr>
+            <a:r>
+              <a:t>  &lt;link rel="stylesheet" media="screen and (max-width: 400px)" href="small-sized-styles.css" /&gt;</a:t>
+            </a:r>
+          </a:p>
+          <a:p>
+            <a:pPr marL="0" indent="0">
+              <a:buSzTx/>
+              <a:buNone/>
+              <a:defRPr sz="2900"/>
+            </a:pPr>
+            <a:r>
+              <a:t>  &lt;link rel="stylesheet" media="screen and (min-width: 701px) and (max-width: 900px)" href="medium-sized-styles.css" /&gt;</a:t>
+            </a:r>
+          </a:p>
+          <a:p>
+            <a:pPr marL="0" indent="0">
+              <a:buSzTx/>
+              <a:buNone/>
+              <a:defRPr sz="2900"/>
+            </a:pPr>
+            <a:r>
+              <a:t>  &lt;link rel="stylesheet" media="screen and (min-width: 900px)" href="large-sized-styles.css" /&gt;</a:t>
+            </a:r>
+          </a:p>
+        </p:txBody>
+      </p:sp>
+    </p:spTree>
+  </p:cSld>
+  <p:clrMapOvr>
+    <a:masterClrMapping/>
+  </p:clrMapOvr>
+  <p:transition xmlns:p14="http://schemas.microsoft.com/office/powerpoint/2010/main" spd="med" advClick="1"/>
+</p:sld>
+</file>
+
+<file path=ppt/slides/slide19.xml><?xml version="1.0" encoding="utf-8"?>
+<p:sld xmlns:a="http://schemas.openxmlformats.org/drawingml/2006/main" xmlns:r="http://schemas.openxmlformats.org/officeDocument/2006/relationships" xmlns:p="http://schemas.openxmlformats.org/presentationml/2006/main" showMasterSp="1" showMasterPhAnim="1">
+  <p:cSld>
+    <p:spTree>
+      <p:nvGrpSpPr>
+        <p:cNvPr id="1" name=""/>
+        <p:cNvGrpSpPr/>
+        <p:nvPr/>
+      </p:nvGrpSpPr>
+      <p:grpSpPr>
+        <a:xfrm>
+          <a:off x="0" y="0"/>
+          <a:ext cx="0" cy="0"/>
+          <a:chOff x="0" y="0"/>
+          <a:chExt cx="0" cy="0"/>
+        </a:xfrm>
+      </p:grpSpPr>
+      <p:sp>
+        <p:nvSpPr>
+          <p:cNvPr id="187" name="Lab: Breakpoints"/>
+          <p:cNvSpPr txBox="1"/>
+          <p:nvPr>
+            <p:ph type="title"/>
+          </p:nvPr>
+        </p:nvSpPr>
+        <p:spPr>
+          <a:prstGeom prst="rect">
+            <a:avLst/>
+          </a:prstGeom>
+        </p:spPr>
+        <p:txBody>
+          <a:bodyPr/>
+          <a:lstStyle/>
+          <a:p>
+            <a:pPr/>
+            <a:r>
+              <a:t>Lab: Breakpoints</a:t>
+            </a:r>
+          </a:p>
+        </p:txBody>
+      </p:sp>
+      <p:sp>
+        <p:nvSpPr>
+          <p:cNvPr id="188" name="examples/day3/am-responsive/02-media-queries/02-media-query.html…"/>
+          <p:cNvSpPr txBox="1"/>
+          <p:nvPr>
+            <p:ph type="body" idx="1"/>
+          </p:nvPr>
+        </p:nvSpPr>
+        <p:spPr>
+          <a:prstGeom prst="rect">
+            <a:avLst/>
+          </a:prstGeom>
+        </p:spPr>
+        <p:txBody>
+          <a:bodyPr anchor="t"/>
+          <a:lstStyle/>
+          <a:p>
+            <a:pPr/>
+            <a:r>
+              <a:t>examples/day3/am-responsive/02-media-queries/02-media-query.html</a:t>
+            </a:r>
+          </a:p>
+          <a:p>
+            <a:pPr/>
+            <a:r>
+              <a:t>Add rules to any page's CSS </a:t>
+            </a:r>
+          </a:p>
+          <a:p>
+            <a:pPr/>
+            <a:r>
+              <a:t>&lt;412px, 413px - 768px, &gt;768px</a:t>
+            </a:r>
+          </a:p>
+          <a:p>
+            <a:pPr/>
+            <a:r>
+              <a:t>Change font color at each break to verify</a:t>
+            </a:r>
+          </a:p>
+          <a:p>
+            <a:pPr/>
+            <a:r>
+              <a:t>Then reduce font-size by 0.1em at each</a:t>
+            </a:r>
+          </a:p>
+        </p:txBody>
+      </p:sp>
+    </p:spTree>
+  </p:cSld>
+  <p:clrMapOvr>
+    <a:masterClrMapping/>
+  </p:clrMapOvr>
+  <p:transition xmlns:p14="http://schemas.microsoft.com/office/powerpoint/2010/main" spd="med" advClick="1"/>
+</p:sld>
+</file>
+
 <file path=ppt/slides/slide2.xml><?xml version="1.0" encoding="utf-8"?>
 <p:sld xmlns:a="http://schemas.openxmlformats.org/drawingml/2006/main" xmlns:r="http://schemas.openxmlformats.org/officeDocument/2006/relationships" xmlns:p="http://schemas.openxmlformats.org/presentationml/2006/main" showMasterSp="1" showMasterPhAnim="1">
   <p:cSld>
@@ -3258,6 +4690,18 @@
           <a:p>
             <a:pPr/>
             <a:r>
+              <a:t>Responsive Design &amp; Grids</a:t>
+            </a:r>
+          </a:p>
+          <a:p>
+            <a:pPr/>
+            <a:r>
+              <a:t>CSS3 Overview</a:t>
+            </a:r>
+          </a:p>
+          <a:p>
+            <a:pPr/>
+            <a:r>
               <a:t>Foundation 5 CSS &amp; Sass</a:t>
             </a:r>
           </a:p>
@@ -3267,16 +4711,1204 @@
               <a:t>Foundation 5 JS</a:t>
             </a:r>
           </a:p>
-          <a:p>
-            <a:pPr/>
-            <a:r>
-              <a:t>Responsive Design &amp; Grids</a:t>
-            </a:r>
-          </a:p>
-          <a:p>
-            <a:pPr/>
-            <a:r>
-              <a:t>Icon &amp; Web fonts</a:t>
+        </p:txBody>
+      </p:sp>
+    </p:spTree>
+  </p:cSld>
+  <p:clrMapOvr>
+    <a:masterClrMapping/>
+  </p:clrMapOvr>
+  <p:transition xmlns:p14="http://schemas.microsoft.com/office/powerpoint/2010/main" spd="med" advClick="1"/>
+</p:sld>
+</file>
+
+<file path=ppt/slides/slide20.xml><?xml version="1.0" encoding="utf-8"?>
+<p:sld xmlns:a="http://schemas.openxmlformats.org/drawingml/2006/main" xmlns:r="http://schemas.openxmlformats.org/officeDocument/2006/relationships" xmlns:p="http://schemas.openxmlformats.org/presentationml/2006/main" showMasterSp="1" showMasterPhAnim="1">
+  <p:cSld>
+    <p:spTree>
+      <p:nvGrpSpPr>
+        <p:cNvPr id="1" name=""/>
+        <p:cNvGrpSpPr/>
+        <p:nvPr/>
+      </p:nvGrpSpPr>
+      <p:grpSpPr>
+        <a:xfrm>
+          <a:off x="0" y="0"/>
+          <a:ext cx="0" cy="0"/>
+          <a:chOff x="0" y="0"/>
+          <a:chExt cx="0" cy="0"/>
+        </a:xfrm>
+      </p:grpSpPr>
+      <p:sp>
+        <p:nvSpPr>
+          <p:cNvPr id="190" name="Lab: Small Sizes"/>
+          <p:cNvSpPr txBox="1"/>
+          <p:nvPr>
+            <p:ph type="title"/>
+          </p:nvPr>
+        </p:nvSpPr>
+        <p:spPr>
+          <a:prstGeom prst="rect">
+            <a:avLst/>
+          </a:prstGeom>
+        </p:spPr>
+        <p:txBody>
+          <a:bodyPr/>
+          <a:lstStyle/>
+          <a:p>
+            <a:pPr/>
+            <a:r>
+              <a:t>Lab: Small Sizes</a:t>
+            </a:r>
+          </a:p>
+        </p:txBody>
+      </p:sp>
+      <p:sp>
+        <p:nvSpPr>
+          <p:cNvPr id="191" name="examples/day3/am-responsive/02-media-queries/03-single-column.html…"/>
+          <p:cNvSpPr txBox="1"/>
+          <p:nvPr>
+            <p:ph type="body" idx="1"/>
+          </p:nvPr>
+        </p:nvSpPr>
+        <p:spPr>
+          <a:xfrm>
+            <a:off x="952500" y="2590800"/>
+            <a:ext cx="12146558" cy="6286500"/>
+          </a:xfrm>
+          <a:prstGeom prst="rect">
+            <a:avLst/>
+          </a:prstGeom>
+        </p:spPr>
+        <p:txBody>
+          <a:bodyPr anchor="t"/>
+          <a:lstStyle/>
+          <a:p>
+            <a:pPr/>
+            <a:r>
+              <a:t>examples/day3/am-responsive/02-media-queries/03-single-column.html</a:t>
+            </a:r>
+          </a:p>
+          <a:p>
+            <a:pPr/>
+            <a:r>
+              <a:t>Alter layout at smallest size</a:t>
+            </a:r>
+          </a:p>
+          <a:p>
+            <a:pPr/>
+            <a:r>
+              <a:t>Single column</a:t>
+            </a:r>
+          </a:p>
+          <a:p>
+            <a:pPr lvl="1"/>
+            <a:r>
+              <a:t>Float sidebar left &amp; increase width to fill</a:t>
+            </a:r>
+          </a:p>
+          <a:p>
+            <a:pPr lvl="1"/>
+            <a:r>
+              <a:t>Increase main section to fill space sidebar left</a:t>
+            </a:r>
+          </a:p>
+        </p:txBody>
+      </p:sp>
+    </p:spTree>
+  </p:cSld>
+  <p:clrMapOvr>
+    <a:masterClrMapping/>
+  </p:clrMapOvr>
+  <p:transition xmlns:p14="http://schemas.microsoft.com/office/powerpoint/2010/main" spd="med" advClick="1"/>
+</p:sld>
+</file>
+
+<file path=ppt/slides/slide21.xml><?xml version="1.0" encoding="utf-8"?>
+<p:sld xmlns:a="http://schemas.openxmlformats.org/drawingml/2006/main" xmlns:r="http://schemas.openxmlformats.org/officeDocument/2006/relationships" xmlns:p="http://schemas.openxmlformats.org/presentationml/2006/main" showMasterSp="1" showMasterPhAnim="1">
+  <p:cSld>
+    <p:spTree>
+      <p:nvGrpSpPr>
+        <p:cNvPr id="1" name=""/>
+        <p:cNvGrpSpPr/>
+        <p:nvPr/>
+      </p:nvGrpSpPr>
+      <p:grpSpPr>
+        <a:xfrm>
+          <a:off x="0" y="0"/>
+          <a:ext cx="0" cy="0"/>
+          <a:chOff x="0" y="0"/>
+          <a:chExt cx="0" cy="0"/>
+        </a:xfrm>
+      </p:grpSpPr>
+      <p:sp>
+        <p:nvSpPr>
+          <p:cNvPr id="193" name="Viewport"/>
+          <p:cNvSpPr txBox="1"/>
+          <p:nvPr>
+            <p:ph type="title"/>
+          </p:nvPr>
+        </p:nvSpPr>
+        <p:spPr>
+          <a:prstGeom prst="rect">
+            <a:avLst/>
+          </a:prstGeom>
+        </p:spPr>
+        <p:txBody>
+          <a:bodyPr/>
+          <a:lstStyle/>
+          <a:p>
+            <a:pPr/>
+            <a:r>
+              <a:t>Viewport</a:t>
+            </a:r>
+          </a:p>
+        </p:txBody>
+      </p:sp>
+      <p:sp>
+        <p:nvSpPr>
+          <p:cNvPr id="194" name="Mobile browser has to be able to &quot;zoom&quot; pages"/>
+          <p:cNvSpPr txBox="1"/>
+          <p:nvPr>
+            <p:ph type="body" idx="1"/>
+          </p:nvPr>
+        </p:nvSpPr>
+        <p:spPr>
+          <a:prstGeom prst="rect">
+            <a:avLst/>
+          </a:prstGeom>
+        </p:spPr>
+        <p:txBody>
+          <a:bodyPr anchor="t"/>
+          <a:lstStyle/>
+          <a:p>
+            <a:pPr/>
+            <a:r>
+              <a:t>Mobile browser has to be able to "zoom" pages</a:t>
+            </a:r>
+          </a:p>
+        </p:txBody>
+      </p:sp>
+      <p:pic>
+        <p:nvPicPr>
+          <p:cNvPr id="195" name="Image" descr="Image"/>
+          <p:cNvPicPr>
+            <a:picLocks noChangeAspect="1"/>
+          </p:cNvPicPr>
+          <p:nvPr/>
+        </p:nvPicPr>
+        <p:blipFill>
+          <a:blip r:embed="rId2">
+            <a:extLst/>
+          </a:blip>
+          <a:stretch>
+            <a:fillRect/>
+          </a:stretch>
+        </p:blipFill>
+        <p:spPr>
+          <a:xfrm>
+            <a:off x="3469087" y="3478311"/>
+            <a:ext cx="2898586" cy="5144989"/>
+          </a:xfrm>
+          <a:prstGeom prst="rect">
+            <a:avLst/>
+          </a:prstGeom>
+          <a:ln w="12700">
+            <a:miter lim="400000"/>
+          </a:ln>
+        </p:spPr>
+      </p:pic>
+      <p:pic>
+        <p:nvPicPr>
+          <p:cNvPr id="196" name="Image" descr="Image"/>
+          <p:cNvPicPr>
+            <a:picLocks noChangeAspect="1"/>
+          </p:cNvPicPr>
+          <p:nvPr/>
+        </p:nvPicPr>
+        <p:blipFill>
+          <a:blip r:embed="rId3">
+            <a:extLst/>
+          </a:blip>
+          <a:stretch>
+            <a:fillRect/>
+          </a:stretch>
+        </p:blipFill>
+        <p:spPr>
+          <a:xfrm>
+            <a:off x="6637127" y="3452912"/>
+            <a:ext cx="2898586" cy="5144988"/>
+          </a:xfrm>
+          <a:prstGeom prst="rect">
+            <a:avLst/>
+          </a:prstGeom>
+          <a:ln w="12700">
+            <a:miter lim="400000"/>
+          </a:ln>
+        </p:spPr>
+      </p:pic>
+    </p:spTree>
+  </p:cSld>
+  <p:clrMapOvr>
+    <a:masterClrMapping/>
+  </p:clrMapOvr>
+  <p:transition xmlns:p14="http://schemas.microsoft.com/office/powerpoint/2010/main" spd="med" advClick="1"/>
+</p:sld>
+</file>
+
+<file path=ppt/slides/slide22.xml><?xml version="1.0" encoding="utf-8"?>
+<p:sld xmlns:a="http://schemas.openxmlformats.org/drawingml/2006/main" xmlns:r="http://schemas.openxmlformats.org/officeDocument/2006/relationships" xmlns:p="http://schemas.openxmlformats.org/presentationml/2006/main" showMasterSp="1" showMasterPhAnim="1">
+  <p:cSld>
+    <p:spTree>
+      <p:nvGrpSpPr>
+        <p:cNvPr id="1" name=""/>
+        <p:cNvGrpSpPr/>
+        <p:nvPr/>
+      </p:nvGrpSpPr>
+      <p:grpSpPr>
+        <a:xfrm>
+          <a:off x="0" y="0"/>
+          <a:ext cx="0" cy="0"/>
+          <a:chOff x="0" y="0"/>
+          <a:chExt cx="0" cy="0"/>
+        </a:xfrm>
+      </p:grpSpPr>
+      <p:sp>
+        <p:nvSpPr>
+          <p:cNvPr id="198" name="Viewport"/>
+          <p:cNvSpPr txBox="1"/>
+          <p:nvPr>
+            <p:ph type="title"/>
+          </p:nvPr>
+        </p:nvSpPr>
+        <p:spPr>
+          <a:prstGeom prst="rect">
+            <a:avLst/>
+          </a:prstGeom>
+        </p:spPr>
+        <p:txBody>
+          <a:bodyPr/>
+          <a:lstStyle/>
+          <a:p>
+            <a:pPr/>
+            <a:r>
+              <a:t>Viewport</a:t>
+            </a:r>
+          </a:p>
+        </p:txBody>
+      </p:sp>
+      <p:sp>
+        <p:nvSpPr>
+          <p:cNvPr id="199" name="&lt;!-- necessary --&gt;…"/>
+          <p:cNvSpPr txBox="1"/>
+          <p:nvPr>
+            <p:ph type="body" idx="1"/>
+          </p:nvPr>
+        </p:nvSpPr>
+        <p:spPr>
+          <a:xfrm>
+            <a:off x="952500" y="2590800"/>
+            <a:ext cx="11099800" cy="6718648"/>
+          </a:xfrm>
+          <a:prstGeom prst="rect">
+            <a:avLst/>
+          </a:prstGeom>
+        </p:spPr>
+        <p:txBody>
+          <a:bodyPr anchor="t"/>
+          <a:lstStyle/>
+          <a:p>
+            <a:pPr marL="0" indent="0" defTabSz="519937">
+              <a:spcBef>
+                <a:spcPts val="3700"/>
+              </a:spcBef>
+              <a:buSzTx/>
+              <a:buNone/>
+              <a:defRPr sz="2136">
+                <a:latin typeface="Monaco"/>
+                <a:ea typeface="Monaco"/>
+                <a:cs typeface="Monaco"/>
+                <a:sym typeface="Monaco"/>
+              </a:defRPr>
+            </a:pPr>
+            <a:r>
+              <a:t>&lt;!-- necessary --&gt;  </a:t>
+            </a:r>
+          </a:p>
+          <a:p>
+            <a:pPr marL="0" indent="0" defTabSz="519937">
+              <a:spcBef>
+                <a:spcPts val="3700"/>
+              </a:spcBef>
+              <a:buSzTx/>
+              <a:buNone/>
+              <a:defRPr sz="2136">
+                <a:latin typeface="Monaco"/>
+                <a:ea typeface="Monaco"/>
+                <a:cs typeface="Monaco"/>
+                <a:sym typeface="Monaco"/>
+              </a:defRPr>
+            </a:pPr>
+            <a:r>
+              <a:t>&lt;meta name="viewport" content="width=device-width, initial-scale=1"&gt;</a:t>
+            </a:r>
+          </a:p>
+          <a:p>
+            <a:pPr marL="0" indent="0" defTabSz="519937">
+              <a:spcBef>
+                <a:spcPts val="3700"/>
+              </a:spcBef>
+              <a:buSzTx/>
+              <a:buNone/>
+              <a:defRPr sz="2136">
+                <a:latin typeface="Monaco"/>
+                <a:ea typeface="Monaco"/>
+                <a:cs typeface="Monaco"/>
+                <a:sym typeface="Monaco"/>
+              </a:defRPr>
+            </a:pPr>
+            <a:r>
+              <a:t>&lt;!-- belt-and-suspenders --&gt;  </a:t>
+            </a:r>
+          </a:p>
+          <a:p>
+            <a:pPr marL="0" indent="0" defTabSz="519937">
+              <a:spcBef>
+                <a:spcPts val="3700"/>
+              </a:spcBef>
+              <a:buSzTx/>
+              <a:buNone/>
+              <a:defRPr sz="2136">
+                <a:latin typeface="Monaco"/>
+                <a:ea typeface="Monaco"/>
+                <a:cs typeface="Monaco"/>
+                <a:sym typeface="Monaco"/>
+              </a:defRPr>
+            </a:pPr>
+            <a:r>
+              <a:t>&lt;style&gt;</a:t>
+            </a:r>
+          </a:p>
+          <a:p>
+            <a:pPr marL="0" indent="0" defTabSz="519937">
+              <a:spcBef>
+                <a:spcPts val="3700"/>
+              </a:spcBef>
+              <a:buSzTx/>
+              <a:buNone/>
+              <a:defRPr sz="2136">
+                <a:latin typeface="Monaco"/>
+                <a:ea typeface="Monaco"/>
+                <a:cs typeface="Monaco"/>
+                <a:sym typeface="Monaco"/>
+              </a:defRPr>
+            </a:pPr>
+            <a:r>
+              <a:t>@-ms-viewport { width: device-width; }</a:t>
+            </a:r>
+          </a:p>
+          <a:p>
+            <a:pPr marL="0" indent="0" defTabSz="519937">
+              <a:spcBef>
+                <a:spcPts val="3700"/>
+              </a:spcBef>
+              <a:buSzTx/>
+              <a:buNone/>
+              <a:defRPr sz="2136">
+                <a:latin typeface="Monaco"/>
+                <a:ea typeface="Monaco"/>
+                <a:cs typeface="Monaco"/>
+                <a:sym typeface="Monaco"/>
+              </a:defRPr>
+            </a:pPr>
+            <a:r>
+              <a:t>@-o-viewport { width: device-width; }</a:t>
+            </a:r>
+          </a:p>
+          <a:p>
+            <a:pPr marL="0" indent="0" defTabSz="519937">
+              <a:spcBef>
+                <a:spcPts val="3700"/>
+              </a:spcBef>
+              <a:buSzTx/>
+              <a:buNone/>
+              <a:defRPr sz="2136">
+                <a:latin typeface="Monaco"/>
+                <a:ea typeface="Monaco"/>
+                <a:cs typeface="Monaco"/>
+                <a:sym typeface="Monaco"/>
+              </a:defRPr>
+            </a:pPr>
+            <a:r>
+              <a:t>@viewport { width: device-width; }</a:t>
+            </a:r>
+          </a:p>
+          <a:p>
+            <a:pPr marL="0" indent="0" defTabSz="519937">
+              <a:spcBef>
+                <a:spcPts val="3700"/>
+              </a:spcBef>
+              <a:buSzTx/>
+              <a:buNone/>
+              <a:defRPr sz="2136">
+                <a:latin typeface="Monaco"/>
+                <a:ea typeface="Monaco"/>
+                <a:cs typeface="Monaco"/>
+                <a:sym typeface="Monaco"/>
+              </a:defRPr>
+            </a:pPr>
+            <a:r>
+              <a:t>&lt;/style&gt;</a:t>
+            </a:r>
+          </a:p>
+        </p:txBody>
+      </p:sp>
+    </p:spTree>
+  </p:cSld>
+  <p:clrMapOvr>
+    <a:masterClrMapping/>
+  </p:clrMapOvr>
+  <p:transition xmlns:p14="http://schemas.microsoft.com/office/powerpoint/2010/main" spd="med" advClick="1"/>
+</p:sld>
+</file>
+
+<file path=ppt/slides/slide23.xml><?xml version="1.0" encoding="utf-8"?>
+<p:sld xmlns:a="http://schemas.openxmlformats.org/drawingml/2006/main" xmlns:r="http://schemas.openxmlformats.org/officeDocument/2006/relationships" xmlns:p="http://schemas.openxmlformats.org/presentationml/2006/main" showMasterSp="1" showMasterPhAnim="1">
+  <p:cSld>
+    <p:spTree>
+      <p:nvGrpSpPr>
+        <p:cNvPr id="1" name=""/>
+        <p:cNvGrpSpPr/>
+        <p:nvPr/>
+      </p:nvGrpSpPr>
+      <p:grpSpPr>
+        <a:xfrm>
+          <a:off x="0" y="0"/>
+          <a:ext cx="0" cy="0"/>
+          <a:chOff x="0" y="0"/>
+          <a:chExt cx="0" cy="0"/>
+        </a:xfrm>
+      </p:grpSpPr>
+      <p:sp>
+        <p:nvSpPr>
+          <p:cNvPr id="201" name="Grids"/>
+          <p:cNvSpPr txBox="1"/>
+          <p:nvPr>
+            <p:ph type="title"/>
+          </p:nvPr>
+        </p:nvSpPr>
+        <p:spPr>
+          <a:prstGeom prst="rect">
+            <a:avLst/>
+          </a:prstGeom>
+        </p:spPr>
+        <p:txBody>
+          <a:bodyPr/>
+          <a:lstStyle/>
+          <a:p>
+            <a:pPr/>
+            <a:r>
+              <a:t>Grids</a:t>
+            </a:r>
+          </a:p>
+        </p:txBody>
+      </p:sp>
+      <p:sp>
+        <p:nvSpPr>
+          <p:cNvPr id="202" name="Next step / improvement on floats &amp; widths…"/>
+          <p:cNvSpPr txBox="1"/>
+          <p:nvPr>
+            <p:ph type="body" idx="1"/>
+          </p:nvPr>
+        </p:nvSpPr>
+        <p:spPr>
+          <a:xfrm>
+            <a:off x="952500" y="2679700"/>
+            <a:ext cx="11099800" cy="6286500"/>
+          </a:xfrm>
+          <a:prstGeom prst="rect">
+            <a:avLst/>
+          </a:prstGeom>
+        </p:spPr>
+        <p:txBody>
+          <a:bodyPr anchor="t"/>
+          <a:lstStyle/>
+          <a:p>
+            <a:pPr/>
+            <a:r>
+              <a:t>Next step / improvement on floats &amp; widths</a:t>
+            </a:r>
+          </a:p>
+          <a:p>
+            <a:pPr/>
+            <a:r>
+              <a:t>In markup, use classes to designate rows</a:t>
+            </a:r>
+          </a:p>
+          <a:p>
+            <a:pPr/>
+            <a:r>
+              <a:t>Create several classes for various #s of columns</a:t>
+            </a:r>
+          </a:p>
+          <a:p>
+            <a:pPr/>
+            <a:r>
+              <a:t>Divide horizontal row area using percentages</a:t>
+            </a:r>
+          </a:p>
+          <a:p>
+            <a:pPr/>
+            <a:r>
+              <a:t>Nest rows to create more complex layouts</a:t>
+            </a:r>
+          </a:p>
+        </p:txBody>
+      </p:sp>
+    </p:spTree>
+  </p:cSld>
+  <p:clrMapOvr>
+    <a:masterClrMapping/>
+  </p:clrMapOvr>
+  <p:transition xmlns:p14="http://schemas.microsoft.com/office/powerpoint/2010/main" spd="med" advClick="1"/>
+</p:sld>
+</file>
+
+<file path=ppt/slides/slide24.xml><?xml version="1.0" encoding="utf-8"?>
+<p:sld xmlns:a="http://schemas.openxmlformats.org/drawingml/2006/main" xmlns:r="http://schemas.openxmlformats.org/officeDocument/2006/relationships" xmlns:p="http://schemas.openxmlformats.org/presentationml/2006/main" showMasterSp="1" showMasterPhAnim="1">
+  <p:cSld>
+    <p:spTree>
+      <p:nvGrpSpPr>
+        <p:cNvPr id="1" name=""/>
+        <p:cNvGrpSpPr/>
+        <p:nvPr/>
+      </p:nvGrpSpPr>
+      <p:grpSpPr>
+        <a:xfrm>
+          <a:off x="0" y="0"/>
+          <a:ext cx="0" cy="0"/>
+          <a:chOff x="0" y="0"/>
+          <a:chExt cx="0" cy="0"/>
+        </a:xfrm>
+      </p:grpSpPr>
+      <p:sp>
+        <p:nvSpPr>
+          <p:cNvPr id="204" name="Grids"/>
+          <p:cNvSpPr txBox="1"/>
+          <p:nvPr>
+            <p:ph type="title"/>
+          </p:nvPr>
+        </p:nvSpPr>
+        <p:spPr>
+          <a:prstGeom prst="rect">
+            <a:avLst/>
+          </a:prstGeom>
+        </p:spPr>
+        <p:txBody>
+          <a:bodyPr/>
+          <a:lstStyle/>
+          <a:p>
+            <a:pPr/>
+            <a:r>
+              <a:t>Grids</a:t>
+            </a:r>
+          </a:p>
+        </p:txBody>
+      </p:sp>
+      <p:pic>
+        <p:nvPicPr>
+          <p:cNvPr id="205" name="Screen Shot 2017-07-12 at 9.52.26 PM.png" descr="Screen Shot 2017-07-12 at 9.52.26 PM.png"/>
+          <p:cNvPicPr>
+            <a:picLocks noChangeAspect="1"/>
+          </p:cNvPicPr>
+          <p:nvPr/>
+        </p:nvPicPr>
+        <p:blipFill>
+          <a:blip r:embed="rId2">
+            <a:extLst/>
+          </a:blip>
+          <a:stretch>
+            <a:fillRect/>
+          </a:stretch>
+        </p:blipFill>
+        <p:spPr>
+          <a:xfrm>
+            <a:off x="1447800" y="2203450"/>
+            <a:ext cx="10109200" cy="3263900"/>
+          </a:xfrm>
+          <a:prstGeom prst="rect">
+            <a:avLst/>
+          </a:prstGeom>
+          <a:ln w="12700">
+            <a:miter lim="400000"/>
+          </a:ln>
+        </p:spPr>
+      </p:pic>
+      <p:pic>
+        <p:nvPicPr>
+          <p:cNvPr id="206" name="Image" descr="Image"/>
+          <p:cNvPicPr>
+            <a:picLocks noChangeAspect="1"/>
+          </p:cNvPicPr>
+          <p:nvPr/>
+        </p:nvPicPr>
+        <p:blipFill>
+          <a:blip r:embed="rId3">
+            <a:extLst/>
+          </a:blip>
+          <a:stretch>
+            <a:fillRect/>
+          </a:stretch>
+        </p:blipFill>
+        <p:spPr>
+          <a:xfrm>
+            <a:off x="7458394" y="5812689"/>
+            <a:ext cx="4158612" cy="2963011"/>
+          </a:xfrm>
+          <a:prstGeom prst="rect">
+            <a:avLst/>
+          </a:prstGeom>
+          <a:ln w="12700">
+            <a:miter lim="400000"/>
+          </a:ln>
+        </p:spPr>
+      </p:pic>
+      <p:sp>
+        <p:nvSpPr>
+          <p:cNvPr id="207" name="Nested grids can easily…"/>
+          <p:cNvSpPr txBox="1"/>
+          <p:nvPr/>
+        </p:nvSpPr>
+        <p:spPr>
+          <a:xfrm>
+            <a:off x="1440789" y="6697294"/>
+            <a:ext cx="5195622" cy="1193801"/>
+          </a:xfrm>
+          <a:prstGeom prst="rect">
+            <a:avLst/>
+          </a:prstGeom>
+          <a:ln w="12700">
+            <a:miter lim="400000"/>
+          </a:ln>
+          <a:extLst>
+            <a:ext uri="{C572A759-6A51-4108-AA02-DFA0A04FC94B}">
+              <ma14:wrappingTextBoxFlag xmlns:ma14="http://schemas.microsoft.com/office/mac/drawingml/2011/main" val="1"/>
+            </a:ext>
+          </a:extLst>
+        </p:spPr>
+        <p:txBody>
+          <a:bodyPr wrap="none" lIns="50800" tIns="50800" rIns="50800" bIns="50800" anchor="ctr">
+            <a:spAutoFit/>
+          </a:bodyPr>
+          <a:lstStyle/>
+          <a:p>
+            <a:pPr/>
+            <a:r>
+              <a:t>Nested grids can easily </a:t>
+            </a:r>
+          </a:p>
+          <a:p>
+            <a:pPr/>
+            <a:r>
+              <a:t>solve complex layouts</a:t>
+            </a:r>
+          </a:p>
+        </p:txBody>
+      </p:sp>
+    </p:spTree>
+  </p:cSld>
+  <p:clrMapOvr>
+    <a:masterClrMapping/>
+  </p:clrMapOvr>
+  <p:transition xmlns:p14="http://schemas.microsoft.com/office/powerpoint/2010/main" spd="med" advClick="1"/>
+</p:sld>
+</file>
+
+<file path=ppt/slides/slide25.xml><?xml version="1.0" encoding="utf-8"?>
+<p:sld xmlns:a="http://schemas.openxmlformats.org/drawingml/2006/main" xmlns:r="http://schemas.openxmlformats.org/officeDocument/2006/relationships" xmlns:p="http://schemas.openxmlformats.org/presentationml/2006/main" showMasterSp="1" showMasterPhAnim="1">
+  <p:cSld>
+    <p:spTree>
+      <p:nvGrpSpPr>
+        <p:cNvPr id="1" name=""/>
+        <p:cNvGrpSpPr/>
+        <p:nvPr/>
+      </p:nvGrpSpPr>
+      <p:grpSpPr>
+        <a:xfrm>
+          <a:off x="0" y="0"/>
+          <a:ext cx="0" cy="0"/>
+          <a:chOff x="0" y="0"/>
+          <a:chExt cx="0" cy="0"/>
+        </a:xfrm>
+      </p:grpSpPr>
+      <p:sp>
+        <p:nvSpPr>
+          <p:cNvPr id="209" name="Lab: Grids"/>
+          <p:cNvSpPr txBox="1"/>
+          <p:nvPr>
+            <p:ph type="title"/>
+          </p:nvPr>
+        </p:nvSpPr>
+        <p:spPr>
+          <a:prstGeom prst="rect">
+            <a:avLst/>
+          </a:prstGeom>
+        </p:spPr>
+        <p:txBody>
+          <a:bodyPr/>
+          <a:lstStyle/>
+          <a:p>
+            <a:pPr/>
+            <a:r>
+              <a:t>Lab: Grids</a:t>
+            </a:r>
+          </a:p>
+        </p:txBody>
+      </p:sp>
+      <p:sp>
+        <p:nvSpPr>
+          <p:cNvPr id="210" name="examples/day3/am-responsive/03-grids/index.html…"/>
+          <p:cNvSpPr txBox="1"/>
+          <p:nvPr>
+            <p:ph type="body" idx="1"/>
+          </p:nvPr>
+        </p:nvSpPr>
+        <p:spPr>
+          <a:xfrm>
+            <a:off x="952500" y="2679700"/>
+            <a:ext cx="11099800" cy="6286500"/>
+          </a:xfrm>
+          <a:prstGeom prst="rect">
+            <a:avLst/>
+          </a:prstGeom>
+        </p:spPr>
+        <p:txBody>
+          <a:bodyPr anchor="t"/>
+          <a:lstStyle/>
+          <a:p>
+            <a:pPr/>
+            <a:r>
+              <a:t>examples/day3/am-responsive/03-grids/index.html</a:t>
+            </a:r>
+          </a:p>
+          <a:p>
+            <a:pPr/>
+            <a:r>
+              <a:t>Create grid classes</a:t>
+            </a:r>
+          </a:p>
+          <a:p>
+            <a:pPr/>
+            <a:r>
+              <a:t>2, 3, and 4 columns</a:t>
+            </a:r>
+          </a:p>
+          <a:p>
+            <a:pPr/>
+            <a:r>
+              <a:t>Overlap columns: 1/2, 1/3 and 2/3, 1/4 2/4 3/4</a:t>
+            </a:r>
+          </a:p>
+          <a:p>
+            <a:pPr/>
+            <a:r>
+              <a:t>Nest rows within columns</a:t>
+            </a:r>
+          </a:p>
+        </p:txBody>
+      </p:sp>
+    </p:spTree>
+  </p:cSld>
+  <p:clrMapOvr>
+    <a:masterClrMapping/>
+  </p:clrMapOvr>
+  <p:transition xmlns:p14="http://schemas.microsoft.com/office/powerpoint/2010/main" spd="med" advClick="1"/>
+</p:sld>
+</file>
+
+<file path=ppt/slides/slide26.xml><?xml version="1.0" encoding="utf-8"?>
+<p:sld xmlns:a="http://schemas.openxmlformats.org/drawingml/2006/main" xmlns:r="http://schemas.openxmlformats.org/officeDocument/2006/relationships" xmlns:p="http://schemas.openxmlformats.org/presentationml/2006/main" showMasterSp="1" showMasterPhAnim="1">
+  <p:cSld>
+    <p:spTree>
+      <p:nvGrpSpPr>
+        <p:cNvPr id="1" name=""/>
+        <p:cNvGrpSpPr/>
+        <p:nvPr/>
+      </p:nvGrpSpPr>
+      <p:grpSpPr>
+        <a:xfrm>
+          <a:off x="0" y="0"/>
+          <a:ext cx="0" cy="0"/>
+          <a:chOff x="0" y="0"/>
+          <a:chExt cx="0" cy="0"/>
+        </a:xfrm>
+      </p:grpSpPr>
+      <p:sp>
+        <p:nvSpPr>
+          <p:cNvPr id="212" name="Lab: Thinking Grids"/>
+          <p:cNvSpPr txBox="1"/>
+          <p:nvPr>
+            <p:ph type="title"/>
+          </p:nvPr>
+        </p:nvSpPr>
+        <p:spPr>
+          <a:prstGeom prst="rect">
+            <a:avLst/>
+          </a:prstGeom>
+        </p:spPr>
+        <p:txBody>
+          <a:bodyPr/>
+          <a:lstStyle/>
+          <a:p>
+            <a:pPr/>
+            <a:r>
+              <a:t>Lab: Thinking Grids</a:t>
+            </a:r>
+          </a:p>
+        </p:txBody>
+      </p:sp>
+      <p:sp>
+        <p:nvSpPr>
+          <p:cNvPr id="213" name="Review 3-4 popular websites…"/>
+          <p:cNvSpPr txBox="1"/>
+          <p:nvPr>
+            <p:ph type="body" idx="1"/>
+          </p:nvPr>
+        </p:nvSpPr>
+        <p:spPr>
+          <a:xfrm>
+            <a:off x="952500" y="2679700"/>
+            <a:ext cx="11430844" cy="6286500"/>
+          </a:xfrm>
+          <a:prstGeom prst="rect">
+            <a:avLst/>
+          </a:prstGeom>
+        </p:spPr>
+        <p:txBody>
+          <a:bodyPr anchor="t"/>
+          <a:lstStyle/>
+          <a:p>
+            <a:pPr/>
+            <a:r>
+              <a:t>Review 3-4 popular websites</a:t>
+            </a:r>
+          </a:p>
+          <a:p>
+            <a:pPr/>
+            <a:r>
+              <a:t>Break down their design </a:t>
+            </a:r>
+          </a:p>
+          <a:p>
+            <a:pPr/>
+            <a:r>
+              <a:t>How can it be done in nested rows and columns?</a:t>
+            </a:r>
+          </a:p>
+        </p:txBody>
+      </p:sp>
+    </p:spTree>
+  </p:cSld>
+  <p:clrMapOvr>
+    <a:masterClrMapping/>
+  </p:clrMapOvr>
+  <p:transition xmlns:p14="http://schemas.microsoft.com/office/powerpoint/2010/main" spd="med" advClick="1"/>
+</p:sld>
+</file>
+
+<file path=ppt/slides/slide27.xml><?xml version="1.0" encoding="utf-8"?>
+<p:sld xmlns:a="http://schemas.openxmlformats.org/drawingml/2006/main" xmlns:r="http://schemas.openxmlformats.org/officeDocument/2006/relationships" xmlns:p="http://schemas.openxmlformats.org/presentationml/2006/main" showMasterSp="1" showMasterPhAnim="1">
+  <p:cSld>
+    <p:spTree>
+      <p:nvGrpSpPr>
+        <p:cNvPr id="1" name=""/>
+        <p:cNvGrpSpPr/>
+        <p:nvPr/>
+      </p:nvGrpSpPr>
+      <p:grpSpPr>
+        <a:xfrm>
+          <a:off x="0" y="0"/>
+          <a:ext cx="0" cy="0"/>
+          <a:chOff x="0" y="0"/>
+          <a:chExt cx="0" cy="0"/>
+        </a:xfrm>
+      </p:grpSpPr>
+      <p:sp>
+        <p:nvSpPr>
+          <p:cNvPr id="215" name="CSS3"/>
+          <p:cNvSpPr txBox="1"/>
+          <p:nvPr>
+            <p:ph type="title"/>
+          </p:nvPr>
+        </p:nvSpPr>
+        <p:spPr>
+          <a:prstGeom prst="rect">
+            <a:avLst/>
+          </a:prstGeom>
+        </p:spPr>
+        <p:txBody>
+          <a:bodyPr/>
+          <a:lstStyle/>
+          <a:p>
+            <a:pPr/>
+            <a:r>
+              <a:t>CSS3</a:t>
+            </a:r>
+          </a:p>
+        </p:txBody>
+      </p:sp>
+      <p:sp>
+        <p:nvSpPr>
+          <p:cNvPr id="216" name="Like HTML5, a collection of APIs…"/>
+          <p:cNvSpPr txBox="1"/>
+          <p:nvPr>
+            <p:ph type="body" idx="1"/>
+          </p:nvPr>
+        </p:nvSpPr>
+        <p:spPr>
+          <a:xfrm>
+            <a:off x="952500" y="2679700"/>
+            <a:ext cx="11430844" cy="6286500"/>
+          </a:xfrm>
+          <a:prstGeom prst="rect">
+            <a:avLst/>
+          </a:prstGeom>
+        </p:spPr>
+        <p:txBody>
+          <a:bodyPr anchor="t"/>
+          <a:lstStyle/>
+          <a:p>
+            <a:pPr/>
+            <a:r>
+              <a:t>Like HTML5, a collection of APIs </a:t>
+            </a:r>
+          </a:p>
+          <a:p>
+            <a:pPr/>
+            <a:r>
+              <a:t>Check for browser support before using</a:t>
+            </a:r>
+          </a:p>
+          <a:p>
+            <a:pPr lvl="1"/>
+            <a:r>
+              <a:t>Transitions</a:t>
+            </a:r>
+          </a:p>
+          <a:p>
+            <a:pPr lvl="1"/>
+            <a:r>
+              <a:t>Flexbox</a:t>
+            </a:r>
+          </a:p>
+        </p:txBody>
+      </p:sp>
+    </p:spTree>
+  </p:cSld>
+  <p:clrMapOvr>
+    <a:masterClrMapping/>
+  </p:clrMapOvr>
+  <p:transition xmlns:p14="http://schemas.microsoft.com/office/powerpoint/2010/main" spd="med" advClick="1"/>
+</p:sld>
+</file>
+
+<file path=ppt/slides/slide28.xml><?xml version="1.0" encoding="utf-8"?>
+<p:sld xmlns:a="http://schemas.openxmlformats.org/drawingml/2006/main" xmlns:r="http://schemas.openxmlformats.org/officeDocument/2006/relationships" xmlns:p="http://schemas.openxmlformats.org/presentationml/2006/main" showMasterSp="1" showMasterPhAnim="1">
+  <p:cSld>
+    <p:spTree>
+      <p:nvGrpSpPr>
+        <p:cNvPr id="1" name=""/>
+        <p:cNvGrpSpPr/>
+        <p:nvPr/>
+      </p:nvGrpSpPr>
+      <p:grpSpPr>
+        <a:xfrm>
+          <a:off x="0" y="0"/>
+          <a:ext cx="0" cy="0"/>
+          <a:chOff x="0" y="0"/>
+          <a:chExt cx="0" cy="0"/>
+        </a:xfrm>
+      </p:grpSpPr>
+      <p:sp>
+        <p:nvSpPr>
+          <p:cNvPr id="218" name="Transitions"/>
+          <p:cNvSpPr txBox="1"/>
+          <p:nvPr>
+            <p:ph type="title"/>
+          </p:nvPr>
+        </p:nvSpPr>
+        <p:spPr>
+          <a:prstGeom prst="rect">
+            <a:avLst/>
+          </a:prstGeom>
+        </p:spPr>
+        <p:txBody>
+          <a:bodyPr/>
+          <a:lstStyle/>
+          <a:p>
+            <a:pPr/>
+            <a:r>
+              <a:t>Transitions</a:t>
+            </a:r>
+          </a:p>
+        </p:txBody>
+      </p:sp>
+      <p:sp>
+        <p:nvSpPr>
+          <p:cNvPr id="219" name="Tell CSS to smoothly alter certain properties…"/>
+          <p:cNvSpPr txBox="1"/>
+          <p:nvPr>
+            <p:ph type="body" idx="1"/>
+          </p:nvPr>
+        </p:nvSpPr>
+        <p:spPr>
+          <a:xfrm>
+            <a:off x="952500" y="2679700"/>
+            <a:ext cx="11099800" cy="6286500"/>
+          </a:xfrm>
+          <a:prstGeom prst="rect">
+            <a:avLst/>
+          </a:prstGeom>
+        </p:spPr>
+        <p:txBody>
+          <a:bodyPr anchor="t"/>
+          <a:lstStyle/>
+          <a:p>
+            <a:pPr/>
+            <a:r>
+              <a:t>Tell CSS to smoothly alter certain properties</a:t>
+            </a:r>
+          </a:p>
+          <a:p>
+            <a:pPr/>
+            <a:r>
+              <a:t>Instead of abruptly changing</a:t>
+            </a:r>
+          </a:p>
+          <a:p>
+            <a:pPr/>
+            <a:r>
+              <a:t>Can help ease breakpoint transitions</a:t>
+            </a:r>
+          </a:p>
+          <a:p>
+            <a:pPr/>
+            <a:r>
+              <a:t>Ex: font-size</a:t>
+            </a:r>
+          </a:p>
+          <a:p>
+            <a:pPr/>
+            <a:r>
+              <a:t>Not all properties can be transitioned</a:t>
+            </a:r>
+          </a:p>
+          <a:p>
+            <a:pPr/>
+            <a:r>
+              <a:t>Ex: display: none/block/inline</a:t>
+            </a:r>
+          </a:p>
+        </p:txBody>
+      </p:sp>
+    </p:spTree>
+  </p:cSld>
+  <p:clrMapOvr>
+    <a:masterClrMapping/>
+  </p:clrMapOvr>
+  <p:transition xmlns:p14="http://schemas.microsoft.com/office/powerpoint/2010/main" spd="med" advClick="1"/>
+</p:sld>
+</file>
+
+<file path=ppt/slides/slide29.xml><?xml version="1.0" encoding="utf-8"?>
+<p:sld xmlns:a="http://schemas.openxmlformats.org/drawingml/2006/main" xmlns:r="http://schemas.openxmlformats.org/officeDocument/2006/relationships" xmlns:p="http://schemas.openxmlformats.org/presentationml/2006/main" showMasterSp="1" showMasterPhAnim="1">
+  <p:cSld>
+    <p:spTree>
+      <p:nvGrpSpPr>
+        <p:cNvPr id="1" name=""/>
+        <p:cNvGrpSpPr/>
+        <p:nvPr/>
+      </p:nvGrpSpPr>
+      <p:grpSpPr>
+        <a:xfrm>
+          <a:off x="0" y="0"/>
+          <a:ext cx="0" cy="0"/>
+          <a:chOff x="0" y="0"/>
+          <a:chExt cx="0" cy="0"/>
+        </a:xfrm>
+      </p:grpSpPr>
+      <p:sp>
+        <p:nvSpPr>
+          <p:cNvPr id="221" name="Transitions"/>
+          <p:cNvSpPr txBox="1"/>
+          <p:nvPr>
+            <p:ph type="title"/>
+          </p:nvPr>
+        </p:nvSpPr>
+        <p:spPr>
+          <a:prstGeom prst="rect">
+            <a:avLst/>
+          </a:prstGeom>
+        </p:spPr>
+        <p:txBody>
+          <a:bodyPr/>
+          <a:lstStyle/>
+          <a:p>
+            <a:pPr/>
+            <a:r>
+              <a:t>Transitions</a:t>
+            </a:r>
+          </a:p>
+        </p:txBody>
+      </p:sp>
+      <p:sp>
+        <p:nvSpPr>
+          <p:cNvPr id="222" name="Multiple transition- settings…"/>
+          <p:cNvSpPr txBox="1"/>
+          <p:nvPr>
+            <p:ph type="body" idx="1"/>
+          </p:nvPr>
+        </p:nvSpPr>
+        <p:spPr>
+          <a:xfrm>
+            <a:off x="952500" y="2679700"/>
+            <a:ext cx="11099800" cy="6286500"/>
+          </a:xfrm>
+          <a:prstGeom prst="rect">
+            <a:avLst/>
+          </a:prstGeom>
+        </p:spPr>
+        <p:txBody>
+          <a:bodyPr anchor="t"/>
+          <a:lstStyle/>
+          <a:p>
+            <a:pPr/>
+            <a:r>
+              <a:t>Multiple transition- settings</a:t>
+            </a:r>
+          </a:p>
+          <a:p>
+            <a:pPr/>
+            <a:r>
+              <a:t>-property: the CSS property to transition</a:t>
+            </a:r>
+          </a:p>
+          <a:p>
+            <a:pPr/>
+            <a:r>
+              <a:t>-duration: elapsed time to complete transition</a:t>
+            </a:r>
+          </a:p>
+          <a:p>
+            <a:pPr/>
+            <a:r>
+              <a:t>-timing-function: bezier, defaults to linear</a:t>
+            </a:r>
+          </a:p>
+          <a:p>
+            <a:pPr/>
+            <a:r>
+              <a:t>-delay: wait before transition starts</a:t>
             </a:r>
           </a:p>
         </p:txBody>
@@ -3309,7 +5941,7 @@
       </p:grpSpPr>
       <p:sp>
         <p:nvSpPr>
-          <p:cNvPr id="134" name="Foundation"/>
+          <p:cNvPr id="134" name="Responsive"/>
           <p:cNvSpPr txBox="1"/>
           <p:nvPr>
             <p:ph type="title"/>
@@ -3326,14 +5958,14 @@
           <a:p>
             <a:pPr/>
             <a:r>
-              <a:t>Foundation</a:t>
-            </a:r>
-          </a:p>
-        </p:txBody>
-      </p:sp>
-      <p:sp>
-        <p:nvSpPr>
-          <p:cNvPr id="135" name="From ZURB, a design company…"/>
+              <a:t>Responsive</a:t>
+            </a:r>
+          </a:p>
+        </p:txBody>
+      </p:sp>
+      <p:sp>
+        <p:nvSpPr>
+          <p:cNvPr id="135" name="General Principles…"/>
           <p:cNvSpPr txBox="1"/>
           <p:nvPr>
             <p:ph type="body" idx="1"/>
@@ -3348,39 +5980,1763 @@
           <a:bodyPr anchor="t"/>
           <a:lstStyle/>
           <a:p>
-            <a:pPr/>
-            <a:r>
-              <a:t>From ZURB, a design company</a:t>
-            </a:r>
-          </a:p>
-          <a:p>
-            <a:pPr/>
-            <a:r>
-              <a:t>A Swiss Army Knife / framework</a:t>
+            <a:pPr marL="0" indent="0">
+              <a:buSzTx/>
+              <a:buNone/>
+            </a:pPr>
+            <a:r>
+              <a:t>General Principles</a:t>
+            </a:r>
+          </a:p>
+          <a:p>
+            <a:pPr/>
+            <a:r>
+              <a:t>Responsive means responding to client</a:t>
             </a:r>
           </a:p>
           <a:p>
             <a:pPr lvl="1"/>
             <a:r>
-              <a:t>Flexible grid, MQ breakpoints, resets</a:t>
+              <a:t>Too many clients to customize for each</a:t>
             </a:r>
           </a:p>
           <a:p>
             <a:pPr lvl="1"/>
             <a:r>
-              <a:t>UI Widgets</a:t>
+              <a:t>Clients may not be visual or even human</a:t>
             </a:r>
           </a:p>
           <a:p>
             <a:pPr lvl="1"/>
             <a:r>
-              <a:t>SASS mixins</a:t>
+              <a:t>All clients can't have the </a:t>
+            </a:r>
+            <a:r>
+              <a:rPr i="1">
+                <a:latin typeface="Helvetica"/>
+                <a:ea typeface="Helvetica"/>
+                <a:cs typeface="Helvetica"/>
+                <a:sym typeface="Helvetica"/>
+              </a:rPr>
+              <a:t>same</a:t>
+            </a:r>
+            <a:r>
+              <a:t> experience</a:t>
             </a:r>
           </a:p>
           <a:p>
             <a:pPr lvl="1"/>
             <a:r>
-              <a:t>JS plugin API</a:t>
+              <a:t>…but, all clients can have a </a:t>
+            </a:r>
+            <a:r>
+              <a:rPr i="1">
+                <a:latin typeface="Helvetica"/>
+                <a:ea typeface="Helvetica"/>
+                <a:cs typeface="Helvetica"/>
+                <a:sym typeface="Helvetica"/>
+              </a:rPr>
+              <a:t>good</a:t>
+            </a:r>
+            <a:r>
+              <a:t> experience</a:t>
+            </a:r>
+          </a:p>
+        </p:txBody>
+      </p:sp>
+    </p:spTree>
+  </p:cSld>
+  <p:clrMapOvr>
+    <a:masterClrMapping/>
+  </p:clrMapOvr>
+  <p:transition xmlns:p14="http://schemas.microsoft.com/office/powerpoint/2010/main" spd="med" advClick="1"/>
+</p:sld>
+</file>
+
+<file path=ppt/slides/slide30.xml><?xml version="1.0" encoding="utf-8"?>
+<p:sld xmlns:a="http://schemas.openxmlformats.org/drawingml/2006/main" xmlns:r="http://schemas.openxmlformats.org/officeDocument/2006/relationships" xmlns:p="http://schemas.openxmlformats.org/presentationml/2006/main" showMasterSp="1" showMasterPhAnim="1">
+  <p:cSld>
+    <p:spTree>
+      <p:nvGrpSpPr>
+        <p:cNvPr id="1" name=""/>
+        <p:cNvGrpSpPr/>
+        <p:nvPr/>
+      </p:nvGrpSpPr>
+      <p:grpSpPr>
+        <a:xfrm>
+          <a:off x="0" y="0"/>
+          <a:ext cx="0" cy="0"/>
+          <a:chOff x="0" y="0"/>
+          <a:chExt cx="0" cy="0"/>
+        </a:xfrm>
+      </p:grpSpPr>
+      <p:sp>
+        <p:nvSpPr>
+          <p:cNvPr id="224" name="Transitions"/>
+          <p:cNvSpPr txBox="1"/>
+          <p:nvPr>
+            <p:ph type="title"/>
+          </p:nvPr>
+        </p:nvSpPr>
+        <p:spPr>
+          <a:prstGeom prst="rect">
+            <a:avLst/>
+          </a:prstGeom>
+        </p:spPr>
+        <p:txBody>
+          <a:bodyPr/>
+          <a:lstStyle/>
+          <a:p>
+            <a:pPr/>
+            <a:r>
+              <a:t>Transitions</a:t>
+            </a:r>
+          </a:p>
+        </p:txBody>
+      </p:sp>
+      <p:sp>
+        <p:nvSpPr>
+          <p:cNvPr id="225" name="Shorthand syntax…"/>
+          <p:cNvSpPr txBox="1"/>
+          <p:nvPr>
+            <p:ph type="body" idx="1"/>
+          </p:nvPr>
+        </p:nvSpPr>
+        <p:spPr>
+          <a:xfrm>
+            <a:off x="952500" y="2679700"/>
+            <a:ext cx="11796663" cy="6286500"/>
+          </a:xfrm>
+          <a:prstGeom prst="rect">
+            <a:avLst/>
+          </a:prstGeom>
+        </p:spPr>
+        <p:txBody>
+          <a:bodyPr anchor="t"/>
+          <a:lstStyle/>
+          <a:p>
+            <a:pPr/>
+            <a:r>
+              <a:t>Shorthand syntax</a:t>
+            </a:r>
+          </a:p>
+          <a:p>
+            <a:pPr/>
+            <a:r>
+              <a:t>transition: &lt;property&gt; &lt;duration&gt; &lt;timing-function&gt; &lt;delay&gt; [, repeat… ]</a:t>
+            </a:r>
+          </a:p>
+          <a:p>
+            <a:pPr/>
+            <a:r>
+              <a:t>Shorthand is recommended for multiple properties</a:t>
+            </a:r>
+          </a:p>
+          <a:p>
+            <a:pPr/>
+            <a:r>
+              <a:t>Otherwise very important to verify # of arguments</a:t>
+            </a:r>
+          </a:p>
+        </p:txBody>
+      </p:sp>
+    </p:spTree>
+  </p:cSld>
+  <p:clrMapOvr>
+    <a:masterClrMapping/>
+  </p:clrMapOvr>
+  <p:transition xmlns:p14="http://schemas.microsoft.com/office/powerpoint/2010/main" spd="med" advClick="1"/>
+</p:sld>
+</file>
+
+<file path=ppt/slides/slide31.xml><?xml version="1.0" encoding="utf-8"?>
+<p:sld xmlns:a="http://schemas.openxmlformats.org/drawingml/2006/main" xmlns:r="http://schemas.openxmlformats.org/officeDocument/2006/relationships" xmlns:p="http://schemas.openxmlformats.org/presentationml/2006/main" showMasterSp="1" showMasterPhAnim="1">
+  <p:cSld>
+    <p:spTree>
+      <p:nvGrpSpPr>
+        <p:cNvPr id="1" name=""/>
+        <p:cNvGrpSpPr/>
+        <p:nvPr/>
+      </p:nvGrpSpPr>
+      <p:grpSpPr>
+        <a:xfrm>
+          <a:off x="0" y="0"/>
+          <a:ext cx="0" cy="0"/>
+          <a:chOff x="0" y="0"/>
+          <a:chExt cx="0" cy="0"/>
+        </a:xfrm>
+      </p:grpSpPr>
+      <p:sp>
+        <p:nvSpPr>
+          <p:cNvPr id="227" name="Transitions"/>
+          <p:cNvSpPr txBox="1"/>
+          <p:nvPr>
+            <p:ph type="title"/>
+          </p:nvPr>
+        </p:nvSpPr>
+        <p:spPr>
+          <a:prstGeom prst="rect">
+            <a:avLst/>
+          </a:prstGeom>
+        </p:spPr>
+        <p:txBody>
+          <a:bodyPr/>
+          <a:lstStyle/>
+          <a:p>
+            <a:pPr/>
+            <a:r>
+              <a:t>Transitions</a:t>
+            </a:r>
+          </a:p>
+        </p:txBody>
+      </p:sp>
+      <p:sp>
+        <p:nvSpPr>
+          <p:cNvPr id="228" name="Single transition"/>
+          <p:cNvSpPr txBox="1"/>
+          <p:nvPr>
+            <p:ph type="body" idx="1"/>
+          </p:nvPr>
+        </p:nvSpPr>
+        <p:spPr>
+          <a:xfrm>
+            <a:off x="952500" y="2679700"/>
+            <a:ext cx="11099800" cy="6286500"/>
+          </a:xfrm>
+          <a:prstGeom prst="rect">
+            <a:avLst/>
+          </a:prstGeom>
+        </p:spPr>
+        <p:txBody>
+          <a:bodyPr anchor="t"/>
+          <a:lstStyle>
+            <a:lvl1pPr marL="0" indent="0">
+              <a:buSzTx/>
+              <a:buNone/>
+            </a:lvl1pPr>
+          </a:lstStyle>
+          <a:p>
+            <a:pPr/>
+            <a:r>
+              <a:t>Single transition</a:t>
+            </a:r>
+          </a:p>
+        </p:txBody>
+      </p:sp>
+      <p:sp>
+        <p:nvSpPr>
+          <p:cNvPr id="229" name=".delay {…"/>
+          <p:cNvSpPr txBox="1"/>
+          <p:nvPr/>
+        </p:nvSpPr>
+        <p:spPr>
+          <a:xfrm>
+            <a:off x="1041499" y="3894658"/>
+            <a:ext cx="9105801" cy="3856584"/>
+          </a:xfrm>
+          <a:prstGeom prst="rect">
+            <a:avLst/>
+          </a:prstGeom>
+          <a:ln w="12700">
+            <a:miter lim="400000"/>
+          </a:ln>
+          <a:extLst>
+            <a:ext uri="{C572A759-6A51-4108-AA02-DFA0A04FC94B}">
+              <ma14:wrappingTextBoxFlag xmlns:ma14="http://schemas.microsoft.com/office/mac/drawingml/2011/main" val="1"/>
+            </a:ext>
+          </a:extLst>
+        </p:spPr>
+        <p:txBody>
+          <a:bodyPr lIns="50800" tIns="50800" rIns="50800" bIns="50800">
+            <a:normAutofit fontScale="100000" lnSpcReduction="0"/>
+          </a:bodyPr>
+          <a:lstStyle/>
+          <a:p>
+            <a:pPr algn="l" defTabSz="332993">
+              <a:spcBef>
+                <a:spcPts val="2300"/>
+              </a:spcBef>
+              <a:defRPr sz="2166">
+                <a:latin typeface="Monaco"/>
+                <a:ea typeface="Monaco"/>
+                <a:cs typeface="Monaco"/>
+                <a:sym typeface="Monaco"/>
+              </a:defRPr>
+            </a:pPr>
+            <a:r>
+              <a:t>.delay {</a:t>
+            </a:r>
+          </a:p>
+          <a:p>
+            <a:pPr algn="l" defTabSz="332993">
+              <a:spcBef>
+                <a:spcPts val="2300"/>
+              </a:spcBef>
+              <a:defRPr sz="2166">
+                <a:latin typeface="Monaco"/>
+                <a:ea typeface="Monaco"/>
+                <a:cs typeface="Monaco"/>
+                <a:sym typeface="Monaco"/>
+              </a:defRPr>
+            </a:pPr>
+            <a:r>
+              <a:t>  font-size: 14px;</a:t>
+            </a:r>
+          </a:p>
+          <a:p>
+            <a:pPr algn="l" defTabSz="332993">
+              <a:spcBef>
+                <a:spcPts val="2300"/>
+              </a:spcBef>
+              <a:defRPr sz="2166">
+                <a:latin typeface="Monaco"/>
+                <a:ea typeface="Monaco"/>
+                <a:cs typeface="Monaco"/>
+                <a:sym typeface="Monaco"/>
+              </a:defRPr>
+            </a:pPr>
+            <a:r>
+              <a:t>  transition-property: font-size;</a:t>
+            </a:r>
+          </a:p>
+          <a:p>
+            <a:pPr algn="l" defTabSz="332993">
+              <a:spcBef>
+                <a:spcPts val="2300"/>
+              </a:spcBef>
+              <a:defRPr sz="2166">
+                <a:latin typeface="Monaco"/>
+                <a:ea typeface="Monaco"/>
+                <a:cs typeface="Monaco"/>
+                <a:sym typeface="Monaco"/>
+              </a:defRPr>
+            </a:pPr>
+            <a:r>
+              <a:t>  transition-duration: 4s;</a:t>
+            </a:r>
+          </a:p>
+          <a:p>
+            <a:pPr algn="l" defTabSz="332993">
+              <a:spcBef>
+                <a:spcPts val="2300"/>
+              </a:spcBef>
+              <a:defRPr sz="2166">
+                <a:latin typeface="Monaco"/>
+                <a:ea typeface="Monaco"/>
+                <a:cs typeface="Monaco"/>
+                <a:sym typeface="Monaco"/>
+              </a:defRPr>
+            </a:pPr>
+            <a:r>
+              <a:t>  transition-delay: 2s;</a:t>
+            </a:r>
+          </a:p>
+          <a:p>
+            <a:pPr algn="l" defTabSz="332993">
+              <a:spcBef>
+                <a:spcPts val="2300"/>
+              </a:spcBef>
+              <a:defRPr sz="2166">
+                <a:latin typeface="Monaco"/>
+                <a:ea typeface="Monaco"/>
+                <a:cs typeface="Monaco"/>
+                <a:sym typeface="Monaco"/>
+              </a:defRPr>
+            </a:pPr>
+            <a:r>
+              <a:t>}</a:t>
+            </a:r>
+          </a:p>
+        </p:txBody>
+      </p:sp>
+      <p:sp>
+        <p:nvSpPr>
+          <p:cNvPr id="230" name=".delay:hover {…"/>
+          <p:cNvSpPr txBox="1"/>
+          <p:nvPr/>
+        </p:nvSpPr>
+        <p:spPr>
+          <a:xfrm>
+            <a:off x="7918797" y="3834680"/>
+            <a:ext cx="6000403" cy="1855640"/>
+          </a:xfrm>
+          <a:prstGeom prst="rect">
+            <a:avLst/>
+          </a:prstGeom>
+          <a:ln w="12700">
+            <a:miter lim="400000"/>
+          </a:ln>
+          <a:extLst>
+            <a:ext uri="{C572A759-6A51-4108-AA02-DFA0A04FC94B}">
+              <ma14:wrappingTextBoxFlag xmlns:ma14="http://schemas.microsoft.com/office/mac/drawingml/2011/main" val="1"/>
+            </a:ext>
+          </a:extLst>
+        </p:spPr>
+        <p:txBody>
+          <a:bodyPr lIns="50800" tIns="50800" rIns="50800" bIns="50800">
+            <a:normAutofit fontScale="100000" lnSpcReduction="0"/>
+          </a:bodyPr>
+          <a:lstStyle/>
+          <a:p>
+            <a:pPr algn="l" defTabSz="344677">
+              <a:spcBef>
+                <a:spcPts val="2400"/>
+              </a:spcBef>
+              <a:defRPr sz="2241">
+                <a:latin typeface="Monaco"/>
+                <a:ea typeface="Monaco"/>
+                <a:cs typeface="Monaco"/>
+                <a:sym typeface="Monaco"/>
+              </a:defRPr>
+            </a:pPr>
+            <a:r>
+              <a:t>.delay:hover {</a:t>
+            </a:r>
+          </a:p>
+          <a:p>
+            <a:pPr algn="l" defTabSz="344677">
+              <a:spcBef>
+                <a:spcPts val="2400"/>
+              </a:spcBef>
+              <a:defRPr sz="2241">
+                <a:latin typeface="Monaco"/>
+                <a:ea typeface="Monaco"/>
+                <a:cs typeface="Monaco"/>
+                <a:sym typeface="Monaco"/>
+              </a:defRPr>
+            </a:pPr>
+            <a:r>
+              <a:t>  font-size: 36px;</a:t>
+            </a:r>
+          </a:p>
+          <a:p>
+            <a:pPr algn="l" defTabSz="344677">
+              <a:spcBef>
+                <a:spcPts val="2400"/>
+              </a:spcBef>
+              <a:defRPr sz="2241">
+                <a:latin typeface="Monaco"/>
+                <a:ea typeface="Monaco"/>
+                <a:cs typeface="Monaco"/>
+                <a:sym typeface="Monaco"/>
+              </a:defRPr>
+            </a:pPr>
+            <a:r>
+              <a:t>}</a:t>
+            </a:r>
+          </a:p>
+        </p:txBody>
+      </p:sp>
+    </p:spTree>
+  </p:cSld>
+  <p:clrMapOvr>
+    <a:masterClrMapping/>
+  </p:clrMapOvr>
+  <p:transition xmlns:p14="http://schemas.microsoft.com/office/powerpoint/2010/main" spd="med" advClick="1"/>
+</p:sld>
+</file>
+
+<file path=ppt/slides/slide32.xml><?xml version="1.0" encoding="utf-8"?>
+<p:sld xmlns:a="http://schemas.openxmlformats.org/drawingml/2006/main" xmlns:r="http://schemas.openxmlformats.org/officeDocument/2006/relationships" xmlns:p="http://schemas.openxmlformats.org/presentationml/2006/main" showMasterSp="1" showMasterPhAnim="1">
+  <p:cSld>
+    <p:spTree>
+      <p:nvGrpSpPr>
+        <p:cNvPr id="1" name=""/>
+        <p:cNvGrpSpPr/>
+        <p:nvPr/>
+      </p:nvGrpSpPr>
+      <p:grpSpPr>
+        <a:xfrm>
+          <a:off x="0" y="0"/>
+          <a:ext cx="0" cy="0"/>
+          <a:chOff x="0" y="0"/>
+          <a:chExt cx="0" cy="0"/>
+        </a:xfrm>
+      </p:grpSpPr>
+      <p:sp>
+        <p:nvSpPr>
+          <p:cNvPr id="232" name="Transitions"/>
+          <p:cNvSpPr txBox="1"/>
+          <p:nvPr>
+            <p:ph type="title"/>
+          </p:nvPr>
+        </p:nvSpPr>
+        <p:spPr>
+          <a:prstGeom prst="rect">
+            <a:avLst/>
+          </a:prstGeom>
+        </p:spPr>
+        <p:txBody>
+          <a:bodyPr/>
+          <a:lstStyle/>
+          <a:p>
+            <a:pPr/>
+            <a:r>
+              <a:t>Transitions</a:t>
+            </a:r>
+          </a:p>
+        </p:txBody>
+      </p:sp>
+      <p:sp>
+        <p:nvSpPr>
+          <p:cNvPr id="233" name="Multiple transition…"/>
+          <p:cNvSpPr txBox="1"/>
+          <p:nvPr>
+            <p:ph type="body" idx="1"/>
+          </p:nvPr>
+        </p:nvSpPr>
+        <p:spPr>
+          <a:xfrm>
+            <a:off x="952500" y="2679700"/>
+            <a:ext cx="11099800" cy="6286500"/>
+          </a:xfrm>
+          <a:prstGeom prst="rect">
+            <a:avLst/>
+          </a:prstGeom>
+        </p:spPr>
+        <p:txBody>
+          <a:bodyPr anchor="t"/>
+          <a:lstStyle/>
+          <a:p>
+            <a:pPr marL="0" indent="0">
+              <a:buSzTx/>
+              <a:buNone/>
+            </a:pPr>
+            <a:r>
+              <a:t>Multiple transition</a:t>
+            </a:r>
+          </a:p>
+          <a:p>
+            <a:pPr marL="0" indent="0">
+              <a:buSzTx/>
+              <a:buNone/>
+            </a:pPr>
+          </a:p>
+          <a:p>
+            <a:pPr marL="0" indent="0">
+              <a:buSzTx/>
+              <a:buNone/>
+            </a:pPr>
+          </a:p>
+          <a:p>
+            <a:pPr marL="0" indent="0">
+              <a:buSzTx/>
+              <a:buNone/>
+            </a:pPr>
+          </a:p>
+          <a:p>
+            <a:pPr marL="0" indent="0">
+              <a:buSzTx/>
+              <a:buNone/>
+            </a:pPr>
+            <a:r>
+              <a:t>Duration repeated to match # of properties (treated like '3s, 5s, 3s, 5s')</a:t>
+            </a:r>
+          </a:p>
+        </p:txBody>
+      </p:sp>
+      <p:sp>
+        <p:nvSpPr>
+          <p:cNvPr id="234" name="div {…"/>
+          <p:cNvSpPr txBox="1"/>
+          <p:nvPr/>
+        </p:nvSpPr>
+        <p:spPr>
+          <a:xfrm>
+            <a:off x="1041499" y="3894658"/>
+            <a:ext cx="10145416" cy="3856584"/>
+          </a:xfrm>
+          <a:prstGeom prst="rect">
+            <a:avLst/>
+          </a:prstGeom>
+          <a:ln w="12700">
+            <a:miter lim="400000"/>
+          </a:ln>
+          <a:extLst>
+            <a:ext uri="{C572A759-6A51-4108-AA02-DFA0A04FC94B}">
+              <ma14:wrappingTextBoxFlag xmlns:ma14="http://schemas.microsoft.com/office/mac/drawingml/2011/main" val="1"/>
+            </a:ext>
+          </a:extLst>
+        </p:spPr>
+        <p:txBody>
+          <a:bodyPr lIns="50800" tIns="50800" rIns="50800" bIns="50800">
+            <a:normAutofit fontScale="100000" lnSpcReduction="0"/>
+          </a:bodyPr>
+          <a:lstStyle/>
+          <a:p>
+            <a:pPr algn="l" defTabSz="403097">
+              <a:spcBef>
+                <a:spcPts val="2800"/>
+              </a:spcBef>
+              <a:defRPr sz="2622">
+                <a:latin typeface="Monaco"/>
+                <a:ea typeface="Monaco"/>
+                <a:cs typeface="Monaco"/>
+                <a:sym typeface="Monaco"/>
+              </a:defRPr>
+            </a:pPr>
+            <a:r>
+              <a:t>div {</a:t>
+            </a:r>
+          </a:p>
+          <a:p>
+            <a:pPr algn="l" defTabSz="403097">
+              <a:spcBef>
+                <a:spcPts val="2800"/>
+              </a:spcBef>
+              <a:defRPr sz="2622">
+                <a:latin typeface="Monaco"/>
+                <a:ea typeface="Monaco"/>
+                <a:cs typeface="Monaco"/>
+                <a:sym typeface="Monaco"/>
+              </a:defRPr>
+            </a:pPr>
+            <a:r>
+              <a:t>  transition-property: opacity, left, top, height;</a:t>
+            </a:r>
+          </a:p>
+          <a:p>
+            <a:pPr algn="l" defTabSz="403097">
+              <a:spcBef>
+                <a:spcPts val="2800"/>
+              </a:spcBef>
+              <a:defRPr sz="2622">
+                <a:latin typeface="Monaco"/>
+                <a:ea typeface="Monaco"/>
+                <a:cs typeface="Monaco"/>
+                <a:sym typeface="Monaco"/>
+              </a:defRPr>
+            </a:pPr>
+            <a:r>
+              <a:t>  transition-duration: 3s, 5s;</a:t>
+            </a:r>
+          </a:p>
+          <a:p>
+            <a:pPr algn="l" defTabSz="403097">
+              <a:spcBef>
+                <a:spcPts val="2800"/>
+              </a:spcBef>
+              <a:defRPr sz="2622">
+                <a:latin typeface="Monaco"/>
+                <a:ea typeface="Monaco"/>
+                <a:cs typeface="Monaco"/>
+                <a:sym typeface="Monaco"/>
+              </a:defRPr>
+            </a:pPr>
+            <a:r>
+              <a:t>}</a:t>
+            </a:r>
+          </a:p>
+        </p:txBody>
+      </p:sp>
+    </p:spTree>
+  </p:cSld>
+  <p:clrMapOvr>
+    <a:masterClrMapping/>
+  </p:clrMapOvr>
+  <p:transition xmlns:p14="http://schemas.microsoft.com/office/powerpoint/2010/main" spd="med" advClick="1"/>
+</p:sld>
+</file>
+
+<file path=ppt/slides/slide33.xml><?xml version="1.0" encoding="utf-8"?>
+<p:sld xmlns:a="http://schemas.openxmlformats.org/drawingml/2006/main" xmlns:r="http://schemas.openxmlformats.org/officeDocument/2006/relationships" xmlns:p="http://schemas.openxmlformats.org/presentationml/2006/main" showMasterSp="1" showMasterPhAnim="1">
+  <p:cSld>
+    <p:spTree>
+      <p:nvGrpSpPr>
+        <p:cNvPr id="1" name=""/>
+        <p:cNvGrpSpPr/>
+        <p:nvPr/>
+      </p:nvGrpSpPr>
+      <p:grpSpPr>
+        <a:xfrm>
+          <a:off x="0" y="0"/>
+          <a:ext cx="0" cy="0"/>
+          <a:chOff x="0" y="0"/>
+          <a:chExt cx="0" cy="0"/>
+        </a:xfrm>
+      </p:grpSpPr>
+      <p:sp>
+        <p:nvSpPr>
+          <p:cNvPr id="236" name="Lab: Transitions"/>
+          <p:cNvSpPr txBox="1"/>
+          <p:nvPr>
+            <p:ph type="title"/>
+          </p:nvPr>
+        </p:nvSpPr>
+        <p:spPr>
+          <a:prstGeom prst="rect">
+            <a:avLst/>
+          </a:prstGeom>
+        </p:spPr>
+        <p:txBody>
+          <a:bodyPr/>
+          <a:lstStyle/>
+          <a:p>
+            <a:pPr/>
+            <a:r>
+              <a:t>Lab: Transitions</a:t>
+            </a:r>
+          </a:p>
+        </p:txBody>
+      </p:sp>
+      <p:sp>
+        <p:nvSpPr>
+          <p:cNvPr id="237" name="examples/day3/am-responsive/04-transitions/03-single-column.html…"/>
+          <p:cNvSpPr txBox="1"/>
+          <p:nvPr>
+            <p:ph type="body" idx="1"/>
+          </p:nvPr>
+        </p:nvSpPr>
+        <p:spPr>
+          <a:xfrm>
+            <a:off x="952500" y="2679700"/>
+            <a:ext cx="11099800" cy="6286500"/>
+          </a:xfrm>
+          <a:prstGeom prst="rect">
+            <a:avLst/>
+          </a:prstGeom>
+        </p:spPr>
+        <p:txBody>
+          <a:bodyPr anchor="t"/>
+          <a:lstStyle/>
+          <a:p>
+            <a:pPr/>
+            <a:r>
+              <a:t>examples/day3/am-responsive/04-transitions/03-single-column.html</a:t>
+            </a:r>
+          </a:p>
+          <a:p>
+            <a:pPr/>
+            <a:r>
+              <a:t>Ease some changes between breakpoints </a:t>
+            </a:r>
+          </a:p>
+          <a:p>
+            <a:pPr/>
+            <a:r>
+              <a:t>Create CSS transitions to ease the changes</a:t>
+            </a:r>
+          </a:p>
+          <a:p>
+            <a:pPr/>
+            <a:r>
+              <a:t>Compare individual rules to transition: all</a:t>
+            </a:r>
+          </a:p>
+        </p:txBody>
+      </p:sp>
+    </p:spTree>
+  </p:cSld>
+  <p:clrMapOvr>
+    <a:masterClrMapping/>
+  </p:clrMapOvr>
+  <p:transition xmlns:p14="http://schemas.microsoft.com/office/powerpoint/2010/main" spd="med" advClick="1"/>
+</p:sld>
+</file>
+
+<file path=ppt/slides/slide34.xml><?xml version="1.0" encoding="utf-8"?>
+<p:sld xmlns:a="http://schemas.openxmlformats.org/drawingml/2006/main" xmlns:r="http://schemas.openxmlformats.org/officeDocument/2006/relationships" xmlns:p="http://schemas.openxmlformats.org/presentationml/2006/main" showMasterSp="1" showMasterPhAnim="1">
+  <p:cSld>
+    <p:spTree>
+      <p:nvGrpSpPr>
+        <p:cNvPr id="1" name=""/>
+        <p:cNvGrpSpPr/>
+        <p:nvPr/>
+      </p:nvGrpSpPr>
+      <p:grpSpPr>
+        <a:xfrm>
+          <a:off x="0" y="0"/>
+          <a:ext cx="0" cy="0"/>
+          <a:chOff x="0" y="0"/>
+          <a:chExt cx="0" cy="0"/>
+        </a:xfrm>
+      </p:grpSpPr>
+      <p:sp>
+        <p:nvSpPr>
+          <p:cNvPr id="239" name="Flexbox"/>
+          <p:cNvSpPr txBox="1"/>
+          <p:nvPr>
+            <p:ph type="title"/>
+          </p:nvPr>
+        </p:nvSpPr>
+        <p:spPr>
+          <a:prstGeom prst="rect">
+            <a:avLst/>
+          </a:prstGeom>
+        </p:spPr>
+        <p:txBody>
+          <a:bodyPr/>
+          <a:lstStyle/>
+          <a:p>
+            <a:pPr/>
+            <a:r>
+              <a:t>Flexbox</a:t>
+            </a:r>
+          </a:p>
+        </p:txBody>
+      </p:sp>
+      <p:sp>
+        <p:nvSpPr>
+          <p:cNvPr id="240" name="Next-gen improvement on float…"/>
+          <p:cNvSpPr txBox="1"/>
+          <p:nvPr>
+            <p:ph type="body" idx="1"/>
+          </p:nvPr>
+        </p:nvSpPr>
+        <p:spPr>
+          <a:prstGeom prst="rect">
+            <a:avLst/>
+          </a:prstGeom>
+        </p:spPr>
+        <p:txBody>
+          <a:bodyPr anchor="t"/>
+          <a:lstStyle/>
+          <a:p>
+            <a:pPr/>
+            <a:r>
+              <a:t>Next-gen improvement on float</a:t>
+            </a:r>
+          </a:p>
+          <a:p>
+            <a:pPr lvl="1"/>
+            <a:r>
+              <a:t>Declare flex container </a:t>
+            </a:r>
+          </a:p>
+          <a:p>
+            <a:pPr lvl="1"/>
+            <a:r>
+              <a:t>Declare flex direction </a:t>
+            </a:r>
+          </a:p>
+          <a:p>
+            <a:pPr lvl="1"/>
+            <a:r>
+              <a:t>Add items to container</a:t>
+            </a:r>
+          </a:p>
+        </p:txBody>
+      </p:sp>
+    </p:spTree>
+  </p:cSld>
+  <p:clrMapOvr>
+    <a:masterClrMapping/>
+  </p:clrMapOvr>
+  <p:transition xmlns:p14="http://schemas.microsoft.com/office/powerpoint/2010/main" spd="med" advClick="1"/>
+</p:sld>
+</file>
+
+<file path=ppt/slides/slide35.xml><?xml version="1.0" encoding="utf-8"?>
+<p:sld xmlns:a="http://schemas.openxmlformats.org/drawingml/2006/main" xmlns:r="http://schemas.openxmlformats.org/officeDocument/2006/relationships" xmlns:p="http://schemas.openxmlformats.org/presentationml/2006/main" showMasterSp="1" showMasterPhAnim="1">
+  <p:cSld>
+    <p:spTree>
+      <p:nvGrpSpPr>
+        <p:cNvPr id="1" name=""/>
+        <p:cNvGrpSpPr/>
+        <p:nvPr/>
+      </p:nvGrpSpPr>
+      <p:grpSpPr>
+        <a:xfrm>
+          <a:off x="0" y="0"/>
+          <a:ext cx="0" cy="0"/>
+          <a:chOff x="0" y="0"/>
+          <a:chExt cx="0" cy="0"/>
+        </a:xfrm>
+      </p:grpSpPr>
+      <p:sp>
+        <p:nvSpPr>
+          <p:cNvPr id="242" name="Flexbox"/>
+          <p:cNvSpPr txBox="1"/>
+          <p:nvPr>
+            <p:ph type="title"/>
+          </p:nvPr>
+        </p:nvSpPr>
+        <p:spPr>
+          <a:prstGeom prst="rect">
+            <a:avLst/>
+          </a:prstGeom>
+        </p:spPr>
+        <p:txBody>
+          <a:bodyPr/>
+          <a:lstStyle/>
+          <a:p>
+            <a:pPr/>
+            <a:r>
+              <a:t>Flexbox</a:t>
+            </a:r>
+          </a:p>
+        </p:txBody>
+      </p:sp>
+      <p:sp>
+        <p:nvSpPr>
+          <p:cNvPr id="243" name=".flex-container {…"/>
+          <p:cNvSpPr txBox="1"/>
+          <p:nvPr>
+            <p:ph type="body" idx="1"/>
+          </p:nvPr>
+        </p:nvSpPr>
+        <p:spPr>
+          <a:prstGeom prst="rect">
+            <a:avLst/>
+          </a:prstGeom>
+          <a:solidFill>
+            <a:srgbClr val="232323"/>
+          </a:solidFill>
+        </p:spPr>
+        <p:txBody>
+          <a:bodyPr anchor="t"/>
+          <a:lstStyle/>
+          <a:p>
+            <a:pPr marL="0" indent="0" defTabSz="457200">
+              <a:spcBef>
+                <a:spcPts val="0"/>
+              </a:spcBef>
+              <a:buSzTx/>
+              <a:buNone/>
+              <a:tabLst>
+                <a:tab pos="355600" algn="l"/>
+                <a:tab pos="711200" algn="l"/>
+                <a:tab pos="1066800" algn="l"/>
+                <a:tab pos="1422400" algn="l"/>
+                <a:tab pos="1778000" algn="l"/>
+                <a:tab pos="2133600" algn="l"/>
+                <a:tab pos="2489200" algn="l"/>
+                <a:tab pos="2844800" algn="l"/>
+                <a:tab pos="3200400" algn="l"/>
+                <a:tab pos="3556000" algn="l"/>
+                <a:tab pos="3911600" algn="l"/>
+                <a:tab pos="4267200" algn="l"/>
+              </a:tabLst>
+              <a:defRPr sz="1800">
+                <a:solidFill>
+                  <a:srgbClr val="34BBC8"/>
+                </a:solidFill>
+                <a:latin typeface="Monaco"/>
+                <a:ea typeface="Monaco"/>
+                <a:cs typeface="Monaco"/>
+                <a:sym typeface="Monaco"/>
+              </a:defRPr>
+            </a:pPr>
+            <a:r>
+              <a:t>.flex-container</a:t>
+            </a:r>
+            <a:r>
+              <a:rPr>
+                <a:solidFill>
+                  <a:srgbClr val="F4F4F4"/>
+                </a:solidFill>
+              </a:rPr>
+              <a:t> </a:t>
+            </a:r>
+            <a:r>
+              <a:t>{</a:t>
+            </a:r>
+            <a:endParaRPr>
+              <a:solidFill>
+                <a:srgbClr val="F4F4F4"/>
+              </a:solidFill>
+            </a:endParaRPr>
+          </a:p>
+          <a:p>
+            <a:pPr marL="0" indent="0" defTabSz="457200">
+              <a:spcBef>
+                <a:spcPts val="0"/>
+              </a:spcBef>
+              <a:buSzTx/>
+              <a:buNone/>
+              <a:tabLst>
+                <a:tab pos="355600" algn="l"/>
+                <a:tab pos="711200" algn="l"/>
+                <a:tab pos="1066800" algn="l"/>
+                <a:tab pos="1422400" algn="l"/>
+                <a:tab pos="1778000" algn="l"/>
+                <a:tab pos="2133600" algn="l"/>
+                <a:tab pos="2489200" algn="l"/>
+                <a:tab pos="2844800" algn="l"/>
+                <a:tab pos="3200400" algn="l"/>
+                <a:tab pos="3556000" algn="l"/>
+                <a:tab pos="3911600" algn="l"/>
+                <a:tab pos="4267200" algn="l"/>
+              </a:tabLst>
+              <a:defRPr sz="1800">
+                <a:solidFill>
+                  <a:srgbClr val="F4F4F4"/>
+                </a:solidFill>
+                <a:latin typeface="Monaco"/>
+                <a:ea typeface="Monaco"/>
+                <a:cs typeface="Monaco"/>
+                <a:sym typeface="Monaco"/>
+              </a:defRPr>
+            </a:pPr>
+            <a:r>
+              <a:t>  </a:t>
+            </a:r>
+            <a:r>
+              <a:rPr>
+                <a:solidFill>
+                  <a:srgbClr val="34BC26"/>
+                </a:solidFill>
+              </a:rPr>
+              <a:t>display</a:t>
+            </a:r>
+            <a:r>
+              <a:t>: flex;</a:t>
+            </a:r>
+          </a:p>
+          <a:p>
+            <a:pPr marL="0" indent="0" defTabSz="457200">
+              <a:spcBef>
+                <a:spcPts val="0"/>
+              </a:spcBef>
+              <a:buSzTx/>
+              <a:buNone/>
+              <a:tabLst>
+                <a:tab pos="355600" algn="l"/>
+                <a:tab pos="711200" algn="l"/>
+                <a:tab pos="1066800" algn="l"/>
+                <a:tab pos="1422400" algn="l"/>
+                <a:tab pos="1778000" algn="l"/>
+                <a:tab pos="2133600" algn="l"/>
+                <a:tab pos="2489200" algn="l"/>
+                <a:tab pos="2844800" algn="l"/>
+                <a:tab pos="3200400" algn="l"/>
+                <a:tab pos="3556000" algn="l"/>
+                <a:tab pos="3911600" algn="l"/>
+                <a:tab pos="4267200" algn="l"/>
+              </a:tabLst>
+              <a:defRPr sz="1800">
+                <a:solidFill>
+                  <a:srgbClr val="34BBC8"/>
+                </a:solidFill>
+                <a:latin typeface="Monaco"/>
+                <a:ea typeface="Monaco"/>
+                <a:cs typeface="Monaco"/>
+                <a:sym typeface="Monaco"/>
+              </a:defRPr>
+            </a:pPr>
+            <a:r>
+              <a:t>}</a:t>
+            </a:r>
+          </a:p>
+          <a:p>
+            <a:pPr marL="0" indent="0" defTabSz="457200">
+              <a:spcBef>
+                <a:spcPts val="0"/>
+              </a:spcBef>
+              <a:buSzTx/>
+              <a:buNone/>
+              <a:tabLst>
+                <a:tab pos="355600" algn="l"/>
+                <a:tab pos="711200" algn="l"/>
+                <a:tab pos="1066800" algn="l"/>
+                <a:tab pos="1422400" algn="l"/>
+                <a:tab pos="1778000" algn="l"/>
+                <a:tab pos="2133600" algn="l"/>
+                <a:tab pos="2489200" algn="l"/>
+                <a:tab pos="2844800" algn="l"/>
+                <a:tab pos="3200400" algn="l"/>
+                <a:tab pos="3556000" algn="l"/>
+                <a:tab pos="3911600" algn="l"/>
+                <a:tab pos="4267200" algn="l"/>
+              </a:tabLst>
+              <a:defRPr sz="1800">
+                <a:solidFill>
+                  <a:srgbClr val="34BBC8"/>
+                </a:solidFill>
+                <a:latin typeface="Monaco"/>
+                <a:ea typeface="Monaco"/>
+                <a:cs typeface="Monaco"/>
+                <a:sym typeface="Monaco"/>
+              </a:defRPr>
+            </a:pPr>
+          </a:p>
+          <a:p>
+            <a:pPr marL="0" indent="0" defTabSz="457200">
+              <a:spcBef>
+                <a:spcPts val="0"/>
+              </a:spcBef>
+              <a:buSzTx/>
+              <a:buNone/>
+              <a:tabLst>
+                <a:tab pos="355600" algn="l"/>
+                <a:tab pos="711200" algn="l"/>
+                <a:tab pos="1066800" algn="l"/>
+                <a:tab pos="1422400" algn="l"/>
+                <a:tab pos="1778000" algn="l"/>
+                <a:tab pos="2133600" algn="l"/>
+                <a:tab pos="2489200" algn="l"/>
+                <a:tab pos="2844800" algn="l"/>
+                <a:tab pos="3200400" algn="l"/>
+                <a:tab pos="3556000" algn="l"/>
+                <a:tab pos="3911600" algn="l"/>
+                <a:tab pos="4267200" algn="l"/>
+              </a:tabLst>
+              <a:defRPr sz="1800">
+                <a:solidFill>
+                  <a:srgbClr val="34BBC8"/>
+                </a:solidFill>
+                <a:latin typeface="Monaco"/>
+                <a:ea typeface="Monaco"/>
+                <a:cs typeface="Monaco"/>
+                <a:sym typeface="Monaco"/>
+              </a:defRPr>
+            </a:pPr>
+            <a:r>
+              <a:t>.flex-direction</a:t>
+            </a:r>
+            <a:r>
+              <a:rPr>
+                <a:solidFill>
+                  <a:srgbClr val="F4F4F4"/>
+                </a:solidFill>
+              </a:rPr>
+              <a:t> </a:t>
+            </a:r>
+            <a:r>
+              <a:t>.flex-container</a:t>
+            </a:r>
+            <a:r>
+              <a:rPr>
+                <a:solidFill>
+                  <a:srgbClr val="F4F4F4"/>
+                </a:solidFill>
+              </a:rPr>
+              <a:t> </a:t>
+            </a:r>
+            <a:r>
+              <a:t>{</a:t>
+            </a:r>
+            <a:endParaRPr>
+              <a:solidFill>
+                <a:srgbClr val="F4F4F4"/>
+              </a:solidFill>
+            </a:endParaRPr>
+          </a:p>
+          <a:p>
+            <a:pPr marL="0" indent="0" defTabSz="457200">
+              <a:spcBef>
+                <a:spcPts val="0"/>
+              </a:spcBef>
+              <a:buSzTx/>
+              <a:buNone/>
+              <a:tabLst>
+                <a:tab pos="355600" algn="l"/>
+                <a:tab pos="711200" algn="l"/>
+                <a:tab pos="1066800" algn="l"/>
+                <a:tab pos="1422400" algn="l"/>
+                <a:tab pos="1778000" algn="l"/>
+                <a:tab pos="2133600" algn="l"/>
+                <a:tab pos="2489200" algn="l"/>
+                <a:tab pos="2844800" algn="l"/>
+                <a:tab pos="3200400" algn="l"/>
+                <a:tab pos="3556000" algn="l"/>
+                <a:tab pos="3911600" algn="l"/>
+                <a:tab pos="4267200" algn="l"/>
+              </a:tabLst>
+              <a:defRPr sz="1800">
+                <a:solidFill>
+                  <a:srgbClr val="34BC26"/>
+                </a:solidFill>
+                <a:latin typeface="Monaco"/>
+                <a:ea typeface="Monaco"/>
+                <a:cs typeface="Monaco"/>
+                <a:sym typeface="Monaco"/>
+              </a:defRPr>
+            </a:pPr>
+            <a:r>
+              <a:rPr>
+                <a:solidFill>
+                  <a:srgbClr val="F4F4F4"/>
+                </a:solidFill>
+              </a:rPr>
+              <a:t>  flex-</a:t>
+            </a:r>
+            <a:r>
+              <a:t>direction</a:t>
+            </a:r>
+            <a:r>
+              <a:rPr>
+                <a:solidFill>
+                  <a:srgbClr val="F4F4F4"/>
+                </a:solidFill>
+              </a:rPr>
+              <a:t>: row;</a:t>
+            </a:r>
+            <a:endParaRPr>
+              <a:solidFill>
+                <a:srgbClr val="F4F4F4"/>
+              </a:solidFill>
+            </a:endParaRPr>
+          </a:p>
+          <a:p>
+            <a:pPr marL="0" indent="0" defTabSz="457200">
+              <a:spcBef>
+                <a:spcPts val="0"/>
+              </a:spcBef>
+              <a:buSzTx/>
+              <a:buNone/>
+              <a:tabLst>
+                <a:tab pos="355600" algn="l"/>
+                <a:tab pos="711200" algn="l"/>
+                <a:tab pos="1066800" algn="l"/>
+                <a:tab pos="1422400" algn="l"/>
+                <a:tab pos="1778000" algn="l"/>
+                <a:tab pos="2133600" algn="l"/>
+                <a:tab pos="2489200" algn="l"/>
+                <a:tab pos="2844800" algn="l"/>
+                <a:tab pos="3200400" algn="l"/>
+                <a:tab pos="3556000" algn="l"/>
+                <a:tab pos="3911600" algn="l"/>
+                <a:tab pos="4267200" algn="l"/>
+              </a:tabLst>
+              <a:defRPr sz="1800">
+                <a:solidFill>
+                  <a:srgbClr val="34BBC8"/>
+                </a:solidFill>
+                <a:latin typeface="Monaco"/>
+                <a:ea typeface="Monaco"/>
+                <a:cs typeface="Monaco"/>
+                <a:sym typeface="Monaco"/>
+              </a:defRPr>
+            </a:pPr>
+            <a:r>
+              <a:t>}</a:t>
+            </a:r>
+          </a:p>
+        </p:txBody>
+      </p:sp>
+    </p:spTree>
+  </p:cSld>
+  <p:clrMapOvr>
+    <a:masterClrMapping/>
+  </p:clrMapOvr>
+  <p:transition xmlns:p14="http://schemas.microsoft.com/office/powerpoint/2010/main" spd="med" advClick="1"/>
+</p:sld>
+</file>
+
+<file path=ppt/slides/slide36.xml><?xml version="1.0" encoding="utf-8"?>
+<p:sld xmlns:a="http://schemas.openxmlformats.org/drawingml/2006/main" xmlns:r="http://schemas.openxmlformats.org/officeDocument/2006/relationships" xmlns:p="http://schemas.openxmlformats.org/presentationml/2006/main" showMasterSp="1" showMasterPhAnim="1">
+  <p:cSld>
+    <p:spTree>
+      <p:nvGrpSpPr>
+        <p:cNvPr id="1" name=""/>
+        <p:cNvGrpSpPr/>
+        <p:nvPr/>
+      </p:nvGrpSpPr>
+      <p:grpSpPr>
+        <a:xfrm>
+          <a:off x="0" y="0"/>
+          <a:ext cx="0" cy="0"/>
+          <a:chOff x="0" y="0"/>
+          <a:chExt cx="0" cy="0"/>
+        </a:xfrm>
+      </p:grpSpPr>
+      <p:sp>
+        <p:nvSpPr>
+          <p:cNvPr id="245" name="Flexbox"/>
+          <p:cNvSpPr txBox="1"/>
+          <p:nvPr>
+            <p:ph type="title"/>
+          </p:nvPr>
+        </p:nvSpPr>
+        <p:spPr>
+          <a:prstGeom prst="rect">
+            <a:avLst/>
+          </a:prstGeom>
+        </p:spPr>
+        <p:txBody>
+          <a:bodyPr/>
+          <a:lstStyle/>
+          <a:p>
+            <a:pPr/>
+            <a:r>
+              <a:t>Flexbox</a:t>
+            </a:r>
+          </a:p>
+        </p:txBody>
+      </p:sp>
+      <p:sp>
+        <p:nvSpPr>
+          <p:cNvPr id="246" name="Other properties…"/>
+          <p:cNvSpPr txBox="1"/>
+          <p:nvPr>
+            <p:ph type="body" idx="1"/>
+          </p:nvPr>
+        </p:nvSpPr>
+        <p:spPr>
+          <a:prstGeom prst="rect">
+            <a:avLst/>
+          </a:prstGeom>
+        </p:spPr>
+        <p:txBody>
+          <a:bodyPr anchor="t"/>
+          <a:lstStyle/>
+          <a:p>
+            <a:pPr/>
+            <a:r>
+              <a:t>Other properties</a:t>
+            </a:r>
+          </a:p>
+          <a:p>
+            <a:pPr lvl="1"/>
+            <a:r>
+              <a:t>flex-grow / flex-shrink</a:t>
+            </a:r>
+          </a:p>
+          <a:p>
+            <a:pPr lvl="1"/>
+            <a:r>
+              <a:t>flex-wrap</a:t>
+            </a:r>
+          </a:p>
+          <a:p>
+            <a:pPr lvl="1"/>
+            <a:r>
+              <a:t>justify-content / align-items</a:t>
+            </a:r>
+          </a:p>
+          <a:p>
+            <a:pPr lvl="1"/>
+            <a:r>
+              <a:t>align-content</a:t>
+            </a:r>
+          </a:p>
+          <a:p>
+            <a:pPr lvl="1"/>
+            <a:r>
+              <a:t>order</a:t>
+            </a:r>
+          </a:p>
+        </p:txBody>
+      </p:sp>
+    </p:spTree>
+  </p:cSld>
+  <p:clrMapOvr>
+    <a:masterClrMapping/>
+  </p:clrMapOvr>
+  <p:transition xmlns:p14="http://schemas.microsoft.com/office/powerpoint/2010/main" spd="med" advClick="1"/>
+</p:sld>
+</file>
+
+<file path=ppt/slides/slide37.xml><?xml version="1.0" encoding="utf-8"?>
+<p:sld xmlns:a="http://schemas.openxmlformats.org/drawingml/2006/main" xmlns:r="http://schemas.openxmlformats.org/officeDocument/2006/relationships" xmlns:p="http://schemas.openxmlformats.org/presentationml/2006/main" showMasterSp="1" showMasterPhAnim="1">
+  <p:cSld>
+    <p:spTree>
+      <p:nvGrpSpPr>
+        <p:cNvPr id="1" name=""/>
+        <p:cNvGrpSpPr/>
+        <p:nvPr/>
+      </p:nvGrpSpPr>
+      <p:grpSpPr>
+        <a:xfrm>
+          <a:off x="0" y="0"/>
+          <a:ext cx="0" cy="0"/>
+          <a:chOff x="0" y="0"/>
+          <a:chExt cx="0" cy="0"/>
+        </a:xfrm>
+      </p:grpSpPr>
+      <p:sp>
+        <p:nvSpPr>
+          <p:cNvPr id="248" name="Lab: Flexbox"/>
+          <p:cNvSpPr txBox="1"/>
+          <p:nvPr>
+            <p:ph type="title"/>
+          </p:nvPr>
+        </p:nvSpPr>
+        <p:spPr>
+          <a:prstGeom prst="rect">
+            <a:avLst/>
+          </a:prstGeom>
+        </p:spPr>
+        <p:txBody>
+          <a:bodyPr/>
+          <a:lstStyle/>
+          <a:p>
+            <a:pPr/>
+            <a:r>
+              <a:t>Lab: Flexbox</a:t>
+            </a:r>
+          </a:p>
+        </p:txBody>
+      </p:sp>
+      <p:sp>
+        <p:nvSpPr>
+          <p:cNvPr id="249" name="Start with examples/05-flexbox…"/>
+          <p:cNvSpPr txBox="1"/>
+          <p:nvPr>
+            <p:ph type="body" idx="1"/>
+          </p:nvPr>
+        </p:nvSpPr>
+        <p:spPr>
+          <a:prstGeom prst="rect">
+            <a:avLst/>
+          </a:prstGeom>
+        </p:spPr>
+        <p:txBody>
+          <a:bodyPr anchor="t"/>
+          <a:lstStyle/>
+          <a:p>
+            <a:pPr marL="0" indent="0">
+              <a:buSzTx/>
+              <a:buNone/>
+            </a:pPr>
+            <a:r>
+              <a:t>Start with examples/05-flexbox</a:t>
+            </a:r>
+          </a:p>
+          <a:p>
+            <a:pPr marL="508000" indent="-508000">
+              <a:buSzPct val="100000"/>
+              <a:buAutoNum type="arabicPeriod" startAt="1"/>
+            </a:pPr>
+            <a:r>
+              <a:t>Center one flex-item vertically</a:t>
+            </a:r>
+          </a:p>
+          <a:p>
+            <a:pPr marL="508000" indent="-508000">
+              <a:buSzPct val="100000"/>
+              <a:buAutoNum type="arabicPeriod" startAt="1"/>
+            </a:pPr>
+            <a:r>
+              <a:t>Explore align-items</a:t>
+            </a:r>
+          </a:p>
+          <a:p>
+            <a:pPr marL="508000" indent="-508000">
+              <a:buSzPct val="100000"/>
+              <a:buAutoNum type="arabicPeriod" startAt="1"/>
+            </a:pPr>
+            <a:r>
+              <a:t>Nest #2 within #1</a:t>
+            </a:r>
+          </a:p>
+          <a:p>
+            <a:pPr marL="508000" indent="-508000">
+              <a:buSzPct val="100000"/>
+              <a:buAutoNum type="arabicPeriod" startAt="1"/>
+            </a:pPr>
+            <a:r>
+              <a:t>Create a flex-row with enough items to wrap</a:t>
+            </a:r>
+          </a:p>
+          <a:p>
+            <a:pPr marL="508000" indent="-508000">
+              <a:buSzPct val="100000"/>
+              <a:buAutoNum type="arabicPeriod" startAt="1"/>
+            </a:pPr>
+            <a:r>
+              <a:t>Use #4 to explore align-content</a:t>
+            </a:r>
+          </a:p>
+        </p:txBody>
+      </p:sp>
+    </p:spTree>
+  </p:cSld>
+  <p:clrMapOvr>
+    <a:masterClrMapping/>
+  </p:clrMapOvr>
+  <p:transition xmlns:p14="http://schemas.microsoft.com/office/powerpoint/2010/main" spd="med" advClick="1"/>
+</p:sld>
+</file>
+
+<file path=ppt/slides/slide38.xml><?xml version="1.0" encoding="utf-8"?>
+<p:sld xmlns:a="http://schemas.openxmlformats.org/drawingml/2006/main" xmlns:r="http://schemas.openxmlformats.org/officeDocument/2006/relationships" xmlns:p="http://schemas.openxmlformats.org/presentationml/2006/main" showMasterSp="1" showMasterPhAnim="1">
+  <p:cSld>
+    <p:spTree>
+      <p:nvGrpSpPr>
+        <p:cNvPr id="1" name=""/>
+        <p:cNvGrpSpPr/>
+        <p:nvPr/>
+      </p:nvGrpSpPr>
+      <p:grpSpPr>
+        <a:xfrm>
+          <a:off x="0" y="0"/>
+          <a:ext cx="0" cy="0"/>
+          <a:chOff x="0" y="0"/>
+          <a:chExt cx="0" cy="0"/>
+        </a:xfrm>
+      </p:grpSpPr>
+      <p:sp>
+        <p:nvSpPr>
+          <p:cNvPr id="251" name="Web Fonts"/>
+          <p:cNvSpPr txBox="1"/>
+          <p:nvPr>
+            <p:ph type="title"/>
+          </p:nvPr>
+        </p:nvSpPr>
+        <p:spPr>
+          <a:prstGeom prst="rect">
+            <a:avLst/>
+          </a:prstGeom>
+        </p:spPr>
+        <p:txBody>
+          <a:bodyPr/>
+          <a:lstStyle/>
+          <a:p>
+            <a:pPr/>
+            <a:r>
+              <a:t>Web Fonts</a:t>
+            </a:r>
+          </a:p>
+        </p:txBody>
+      </p:sp>
+      <p:sp>
+        <p:nvSpPr>
+          <p:cNvPr id="252" name="CSS feature allows loading font from web…"/>
+          <p:cNvSpPr txBox="1"/>
+          <p:nvPr>
+            <p:ph type="body" idx="1"/>
+          </p:nvPr>
+        </p:nvSpPr>
+        <p:spPr>
+          <a:prstGeom prst="rect">
+            <a:avLst/>
+          </a:prstGeom>
+        </p:spPr>
+        <p:txBody>
+          <a:bodyPr anchor="t"/>
+          <a:lstStyle/>
+          <a:p>
+            <a:pPr/>
+            <a:r>
+              <a:t>CSS feature allows loading font from web</a:t>
+            </a:r>
+          </a:p>
+          <a:p>
+            <a:pPr/>
+            <a:r>
+              <a:t>Declare / describe / name via @font-face</a:t>
+            </a:r>
+          </a:p>
+          <a:p>
+            <a:pPr/>
+            <a:r>
+              <a:t>Then apply as a regular font-family property</a:t>
+            </a:r>
+          </a:p>
+        </p:txBody>
+      </p:sp>
+    </p:spTree>
+  </p:cSld>
+  <p:clrMapOvr>
+    <a:masterClrMapping/>
+  </p:clrMapOvr>
+  <p:transition xmlns:p14="http://schemas.microsoft.com/office/powerpoint/2010/main" spd="med" advClick="1"/>
+</p:sld>
+</file>
+
+<file path=ppt/slides/slide39.xml><?xml version="1.0" encoding="utf-8"?>
+<p:sld xmlns:a="http://schemas.openxmlformats.org/drawingml/2006/main" xmlns:r="http://schemas.openxmlformats.org/officeDocument/2006/relationships" xmlns:p="http://schemas.openxmlformats.org/presentationml/2006/main" showMasterSp="1" showMasterPhAnim="1">
+  <p:cSld>
+    <p:spTree>
+      <p:nvGrpSpPr>
+        <p:cNvPr id="1" name=""/>
+        <p:cNvGrpSpPr/>
+        <p:nvPr/>
+      </p:nvGrpSpPr>
+      <p:grpSpPr>
+        <a:xfrm>
+          <a:off x="0" y="0"/>
+          <a:ext cx="0" cy="0"/>
+          <a:chOff x="0" y="0"/>
+          <a:chExt cx="0" cy="0"/>
+        </a:xfrm>
+      </p:grpSpPr>
+      <p:sp>
+        <p:nvSpPr>
+          <p:cNvPr id="254" name="Web Fonts"/>
+          <p:cNvSpPr txBox="1"/>
+          <p:nvPr>
+            <p:ph type="title"/>
+          </p:nvPr>
+        </p:nvSpPr>
+        <p:spPr>
+          <a:prstGeom prst="rect">
+            <a:avLst/>
+          </a:prstGeom>
+        </p:spPr>
+        <p:txBody>
+          <a:bodyPr/>
+          <a:lstStyle/>
+          <a:p>
+            <a:pPr/>
+            <a:r>
+              <a:t>Web Fonts</a:t>
+            </a:r>
+          </a:p>
+        </p:txBody>
+      </p:sp>
+      <p:sp>
+        <p:nvSpPr>
+          <p:cNvPr id="255" name="@font-face {…"/>
+          <p:cNvSpPr txBox="1"/>
+          <p:nvPr>
+            <p:ph type="body" idx="1"/>
+          </p:nvPr>
+        </p:nvSpPr>
+        <p:spPr>
+          <a:prstGeom prst="rect">
+            <a:avLst/>
+          </a:prstGeom>
+        </p:spPr>
+        <p:txBody>
+          <a:bodyPr anchor="t"/>
+          <a:lstStyle/>
+          <a:p>
+            <a:pPr marL="0" indent="0" defTabSz="280415">
+              <a:spcBef>
+                <a:spcPts val="2000"/>
+              </a:spcBef>
+              <a:buSzTx/>
+              <a:buNone/>
+              <a:defRPr sz="1824"/>
+            </a:pPr>
+            <a:r>
+              <a:t>@font-face {</a:t>
+            </a:r>
+          </a:p>
+          <a:p>
+            <a:pPr marL="0" indent="0" defTabSz="280415">
+              <a:spcBef>
+                <a:spcPts val="2000"/>
+              </a:spcBef>
+              <a:buSzTx/>
+              <a:buNone/>
+              <a:defRPr sz="1824"/>
+            </a:pPr>
+            <a:r>
+              <a:t>  font-family: 'MyWebFont';</a:t>
+            </a:r>
+          </a:p>
+          <a:p>
+            <a:pPr marL="0" indent="0" defTabSz="280415">
+              <a:spcBef>
+                <a:spcPts val="2000"/>
+              </a:spcBef>
+              <a:buSzTx/>
+              <a:buNone/>
+              <a:defRPr sz="1824"/>
+            </a:pPr>
+            <a:r>
+              <a:t>  src: url('webfont.eot'); /* IE9 Compat Modes */</a:t>
+            </a:r>
+          </a:p>
+          <a:p>
+            <a:pPr marL="0" indent="0" defTabSz="280415">
+              <a:spcBef>
+                <a:spcPts val="2000"/>
+              </a:spcBef>
+              <a:buSzTx/>
+              <a:buNone/>
+              <a:defRPr sz="1824"/>
+            </a:pPr>
+            <a:r>
+              <a:t>  src: url('webfont.eot?#iefix') format('embedded-opentype'), /* IE6-IE8 */</a:t>
+            </a:r>
+          </a:p>
+          <a:p>
+            <a:pPr marL="0" indent="0" defTabSz="280415">
+              <a:spcBef>
+                <a:spcPts val="2000"/>
+              </a:spcBef>
+              <a:buSzTx/>
+              <a:buNone/>
+              <a:defRPr sz="1824"/>
+            </a:pPr>
+            <a:r>
+              <a:t>       url('webfont.woff2') format('woff2'), /* Super Modern Browsers */</a:t>
+            </a:r>
+          </a:p>
+          <a:p>
+            <a:pPr marL="0" indent="0" defTabSz="280415">
+              <a:spcBef>
+                <a:spcPts val="2000"/>
+              </a:spcBef>
+              <a:buSzTx/>
+              <a:buNone/>
+              <a:defRPr sz="1824"/>
+            </a:pPr>
+            <a:r>
+              <a:t>       url('webfont.woff') format('woff'), /* Pretty Modern Browsers */</a:t>
+            </a:r>
+          </a:p>
+          <a:p>
+            <a:pPr marL="0" indent="0" defTabSz="280415">
+              <a:spcBef>
+                <a:spcPts val="2000"/>
+              </a:spcBef>
+              <a:buSzTx/>
+              <a:buNone/>
+              <a:defRPr sz="1824"/>
+            </a:pPr>
+            <a:r>
+              <a:t>       url('webfont.ttf')  format('truetype'), /* Safari, Android, iOS */</a:t>
+            </a:r>
+          </a:p>
+          <a:p>
+            <a:pPr marL="0" indent="0" defTabSz="280415">
+              <a:spcBef>
+                <a:spcPts val="2000"/>
+              </a:spcBef>
+              <a:buSzTx/>
+              <a:buNone/>
+              <a:defRPr sz="1824"/>
+            </a:pPr>
+            <a:r>
+              <a:t>       url('webfont.svg#svgFontName') format('svg'); /* Legacy iOS */</a:t>
+            </a:r>
+          </a:p>
+          <a:p>
+            <a:pPr marL="0" indent="0" defTabSz="280415">
+              <a:spcBef>
+                <a:spcPts val="2000"/>
+              </a:spcBef>
+              <a:buSzTx/>
+              <a:buNone/>
+              <a:defRPr sz="1824"/>
+            </a:pPr>
+            <a:r>
+              <a:t>}</a:t>
+            </a:r>
+          </a:p>
+          <a:p>
+            <a:pPr marL="0" indent="0" defTabSz="280415">
+              <a:spcBef>
+                <a:spcPts val="2000"/>
+              </a:spcBef>
+              <a:buSzTx/>
+              <a:buNone/>
+              <a:defRPr sz="1824"/>
+            </a:pPr>
+            <a:r>
+              <a:t>body {</a:t>
+            </a:r>
+          </a:p>
+          <a:p>
+            <a:pPr marL="0" indent="0" defTabSz="280415">
+              <a:spcBef>
+                <a:spcPts val="2000"/>
+              </a:spcBef>
+              <a:buSzTx/>
+              <a:buNone/>
+              <a:defRPr sz="1824"/>
+            </a:pPr>
+            <a:r>
+              <a:t>  font-family: 'MyWebFont', Fallback, sans-serif;</a:t>
+            </a:r>
+          </a:p>
+          <a:p>
+            <a:pPr marL="0" indent="0" defTabSz="280415">
+              <a:spcBef>
+                <a:spcPts val="2000"/>
+              </a:spcBef>
+              <a:buSzTx/>
+              <a:buNone/>
+              <a:defRPr sz="1824"/>
+            </a:pPr>
+            <a:r>
+              <a:t>}</a:t>
             </a:r>
           </a:p>
         </p:txBody>
@@ -3413,7 +7769,7 @@
       </p:grpSpPr>
       <p:sp>
         <p:nvSpPr>
-          <p:cNvPr id="137" name="Foundation"/>
+          <p:cNvPr id="137" name="Responsive"/>
           <p:cNvSpPr txBox="1"/>
           <p:nvPr>
             <p:ph type="title"/>
@@ -3430,6 +7786,423 @@
           <a:p>
             <a:pPr/>
             <a:r>
+              <a:t>Responsive</a:t>
+            </a:r>
+          </a:p>
+        </p:txBody>
+      </p:sp>
+      <p:sp>
+        <p:nvSpPr>
+          <p:cNvPr id="138" name="General Principles…"/>
+          <p:cNvSpPr txBox="1"/>
+          <p:nvPr>
+            <p:ph type="body" idx="1"/>
+          </p:nvPr>
+        </p:nvSpPr>
+        <p:spPr>
+          <a:prstGeom prst="rect">
+            <a:avLst/>
+          </a:prstGeom>
+        </p:spPr>
+        <p:txBody>
+          <a:bodyPr anchor="t"/>
+          <a:lstStyle/>
+          <a:p>
+            <a:pPr marL="0" indent="0">
+              <a:buSzTx/>
+              <a:buNone/>
+            </a:pPr>
+            <a:r>
+              <a:t>General Principles</a:t>
+            </a:r>
+          </a:p>
+          <a:p>
+            <a:pPr/>
+            <a:r>
+              <a:t>Recommended approaches</a:t>
+            </a:r>
+          </a:p>
+          <a:p>
+            <a:pPr lvl="1"/>
+            <a:r>
+              <a:t>Content first</a:t>
+            </a:r>
+          </a:p>
+          <a:p>
+            <a:pPr lvl="1"/>
+            <a:r>
+              <a:t>Mobile first</a:t>
+            </a:r>
+          </a:p>
+          <a:p>
+            <a:pPr lvl="1"/>
+            <a:r>
+              <a:t>Offline first</a:t>
+            </a:r>
+          </a:p>
+        </p:txBody>
+      </p:sp>
+    </p:spTree>
+  </p:cSld>
+  <p:clrMapOvr>
+    <a:masterClrMapping/>
+  </p:clrMapOvr>
+  <p:transition xmlns:p14="http://schemas.microsoft.com/office/powerpoint/2010/main" spd="med" advClick="1"/>
+</p:sld>
+</file>
+
+<file path=ppt/slides/slide40.xml><?xml version="1.0" encoding="utf-8"?>
+<p:sld xmlns:a="http://schemas.openxmlformats.org/drawingml/2006/main" xmlns:r="http://schemas.openxmlformats.org/officeDocument/2006/relationships" xmlns:p="http://schemas.openxmlformats.org/presentationml/2006/main" showMasterSp="1" showMasterPhAnim="1">
+  <p:cSld>
+    <p:spTree>
+      <p:nvGrpSpPr>
+        <p:cNvPr id="1" name=""/>
+        <p:cNvGrpSpPr/>
+        <p:nvPr/>
+      </p:nvGrpSpPr>
+      <p:grpSpPr>
+        <a:xfrm>
+          <a:off x="0" y="0"/>
+          <a:ext cx="0" cy="0"/>
+          <a:chOff x="0" y="0"/>
+          <a:chExt cx="0" cy="0"/>
+        </a:xfrm>
+      </p:grpSpPr>
+      <p:sp>
+        <p:nvSpPr>
+          <p:cNvPr id="257" name="Icons"/>
+          <p:cNvSpPr txBox="1"/>
+          <p:nvPr>
+            <p:ph type="title"/>
+          </p:nvPr>
+        </p:nvSpPr>
+        <p:spPr>
+          <a:prstGeom prst="rect">
+            <a:avLst/>
+          </a:prstGeom>
+        </p:spPr>
+        <p:txBody>
+          <a:bodyPr/>
+          <a:lstStyle/>
+          <a:p>
+            <a:pPr/>
+            <a:r>
+              <a:t>Icons</a:t>
+            </a:r>
+          </a:p>
+        </p:txBody>
+      </p:sp>
+      <p:sp>
+        <p:nvSpPr>
+          <p:cNvPr id="258" name="Icons are libraries of images…"/>
+          <p:cNvSpPr txBox="1"/>
+          <p:nvPr>
+            <p:ph type="body" idx="1"/>
+          </p:nvPr>
+        </p:nvSpPr>
+        <p:spPr>
+          <a:prstGeom prst="rect">
+            <a:avLst/>
+          </a:prstGeom>
+        </p:spPr>
+        <p:txBody>
+          <a:bodyPr anchor="t"/>
+          <a:lstStyle/>
+          <a:p>
+            <a:pPr/>
+            <a:r>
+              <a:t>Icons are libraries of images</a:t>
+            </a:r>
+          </a:p>
+          <a:p>
+            <a:pPr/>
+            <a:r>
+              <a:t>Useful for UI like settings gear, mail envelope</a:t>
+            </a:r>
+          </a:p>
+          <a:p>
+            <a:pPr/>
+            <a:r>
+              <a:t>Foundation offers icons via web font</a:t>
+            </a:r>
+          </a:p>
+          <a:p>
+            <a:pPr/>
+            <a:r>
+              <a:t>add @font-face</a:t>
+            </a:r>
+          </a:p>
+          <a:p>
+            <a:pPr/>
+            <a:r>
+              <a:t>http://zurb.com/playground/foundation-icons</a:t>
+            </a:r>
+          </a:p>
+          <a:p>
+            <a:pPr/>
+            <a:r>
+              <a:t>Add class "general foundicon-[icon name]"</a:t>
+            </a:r>
+          </a:p>
+        </p:txBody>
+      </p:sp>
+    </p:spTree>
+  </p:cSld>
+  <p:clrMapOvr>
+    <a:masterClrMapping/>
+  </p:clrMapOvr>
+  <p:transition xmlns:p14="http://schemas.microsoft.com/office/powerpoint/2010/main" spd="med" advClick="1"/>
+</p:sld>
+</file>
+
+<file path=ppt/slides/slide41.xml><?xml version="1.0" encoding="utf-8"?>
+<p:sld xmlns:a="http://schemas.openxmlformats.org/drawingml/2006/main" xmlns:r="http://schemas.openxmlformats.org/officeDocument/2006/relationships" xmlns:p="http://schemas.openxmlformats.org/presentationml/2006/main" showMasterSp="1" showMasterPhAnim="1">
+  <p:cSld>
+    <p:spTree>
+      <p:nvGrpSpPr>
+        <p:cNvPr id="1" name=""/>
+        <p:cNvGrpSpPr/>
+        <p:nvPr/>
+      </p:nvGrpSpPr>
+      <p:grpSpPr>
+        <a:xfrm>
+          <a:off x="0" y="0"/>
+          <a:ext cx="0" cy="0"/>
+          <a:chOff x="0" y="0"/>
+          <a:chExt cx="0" cy="0"/>
+        </a:xfrm>
+      </p:grpSpPr>
+      <p:sp>
+        <p:nvSpPr>
+          <p:cNvPr id="260" name="SVG"/>
+          <p:cNvSpPr txBox="1"/>
+          <p:nvPr>
+            <p:ph type="title"/>
+          </p:nvPr>
+        </p:nvSpPr>
+        <p:spPr>
+          <a:prstGeom prst="rect">
+            <a:avLst/>
+          </a:prstGeom>
+        </p:spPr>
+        <p:txBody>
+          <a:bodyPr/>
+          <a:lstStyle/>
+          <a:p>
+            <a:pPr/>
+            <a:r>
+              <a:t>SVG</a:t>
+            </a:r>
+          </a:p>
+        </p:txBody>
+      </p:sp>
+      <p:sp>
+        <p:nvSpPr>
+          <p:cNvPr id="261" name="Scalable Vector Graphics…"/>
+          <p:cNvSpPr txBox="1"/>
+          <p:nvPr>
+            <p:ph type="body" idx="1"/>
+          </p:nvPr>
+        </p:nvSpPr>
+        <p:spPr>
+          <a:prstGeom prst="rect">
+            <a:avLst/>
+          </a:prstGeom>
+        </p:spPr>
+        <p:txBody>
+          <a:bodyPr anchor="t"/>
+          <a:lstStyle/>
+          <a:p>
+            <a:pPr marL="0" indent="0">
+              <a:buSzTx/>
+              <a:buNone/>
+            </a:pPr>
+            <a:r>
+              <a:t>Scalable Vector Graphics</a:t>
+            </a:r>
+          </a:p>
+          <a:p>
+            <a:pPr marL="381000" indent="-381000">
+              <a:buSzPct val="100000"/>
+            </a:pPr>
+            <a:r>
+              <a:t>Creates graphic through calculation / drawing</a:t>
+            </a:r>
+          </a:p>
+          <a:p>
+            <a:pPr marL="381000" indent="-381000">
+              <a:buSzPct val="100000"/>
+            </a:pPr>
+            <a:r>
+              <a:t>As opposed to static "raster" or bitmap approach</a:t>
+            </a:r>
+          </a:p>
+          <a:p>
+            <a:pPr marL="381000" indent="-381000">
+              <a:buSzPct val="100000"/>
+            </a:pPr>
+            <a:r>
+              <a:t>Con: larger file size for small images</a:t>
+            </a:r>
+          </a:p>
+          <a:p>
+            <a:pPr marL="381000" indent="-381000">
+              <a:buSzPct val="100000"/>
+            </a:pPr>
+            <a:r>
+              <a:t>Pro: scales to any size</a:t>
+            </a:r>
+          </a:p>
+          <a:p>
+            <a:pPr marL="381000" indent="-381000">
+              <a:buSzPct val="100000"/>
+            </a:pPr>
+            <a:r>
+              <a:t>Pro: can be changed programmatically</a:t>
+            </a:r>
+          </a:p>
+        </p:txBody>
+      </p:sp>
+    </p:spTree>
+  </p:cSld>
+  <p:clrMapOvr>
+    <a:masterClrMapping/>
+  </p:clrMapOvr>
+  <p:transition xmlns:p14="http://schemas.microsoft.com/office/powerpoint/2010/main" spd="med" advClick="1"/>
+</p:sld>
+</file>
+
+<file path=ppt/slides/slide42.xml><?xml version="1.0" encoding="utf-8"?>
+<p:sld xmlns:a="http://schemas.openxmlformats.org/drawingml/2006/main" xmlns:r="http://schemas.openxmlformats.org/officeDocument/2006/relationships" xmlns:p="http://schemas.openxmlformats.org/presentationml/2006/main" showMasterSp="1" showMasterPhAnim="1">
+  <p:cSld>
+    <p:spTree>
+      <p:nvGrpSpPr>
+        <p:cNvPr id="1" name=""/>
+        <p:cNvGrpSpPr/>
+        <p:nvPr/>
+      </p:nvGrpSpPr>
+      <p:grpSpPr>
+        <a:xfrm>
+          <a:off x="0" y="0"/>
+          <a:ext cx="0" cy="0"/>
+          <a:chOff x="0" y="0"/>
+          <a:chExt cx="0" cy="0"/>
+        </a:xfrm>
+      </p:grpSpPr>
+      <p:sp>
+        <p:nvSpPr>
+          <p:cNvPr id="263" name="SVG"/>
+          <p:cNvSpPr txBox="1"/>
+          <p:nvPr>
+            <p:ph type="title"/>
+          </p:nvPr>
+        </p:nvSpPr>
+        <p:spPr>
+          <a:prstGeom prst="rect">
+            <a:avLst/>
+          </a:prstGeom>
+        </p:spPr>
+        <p:txBody>
+          <a:bodyPr/>
+          <a:lstStyle/>
+          <a:p>
+            <a:pPr/>
+            <a:r>
+              <a:t>SVG</a:t>
+            </a:r>
+          </a:p>
+        </p:txBody>
+      </p:sp>
+      <p:sp>
+        <p:nvSpPr>
+          <p:cNvPr id="264" name="&lt;svg width=&quot;100&quot; height=&quot;100&quot;&gt;…"/>
+          <p:cNvSpPr txBox="1"/>
+          <p:nvPr>
+            <p:ph type="body" idx="1"/>
+          </p:nvPr>
+        </p:nvSpPr>
+        <p:spPr>
+          <a:prstGeom prst="rect">
+            <a:avLst/>
+          </a:prstGeom>
+        </p:spPr>
+        <p:txBody>
+          <a:bodyPr anchor="t"/>
+          <a:lstStyle/>
+          <a:p>
+            <a:pPr marL="0" indent="0">
+              <a:buSzTx/>
+              <a:buNone/>
+            </a:pPr>
+            <a:r>
+              <a:t>&lt;svg width="100" height="100"&gt;</a:t>
+            </a:r>
+          </a:p>
+          <a:p>
+            <a:pPr marL="0" indent="0">
+              <a:buSzTx/>
+              <a:buNone/>
+            </a:pPr>
+            <a:r>
+              <a:t>  &lt;circle cx="50" cy="50" r="40" stroke="green" stroke-width="4" fill="yellow" /&gt;</a:t>
+            </a:r>
+          </a:p>
+          <a:p>
+            <a:pPr marL="0" indent="0">
+              <a:buSzTx/>
+              <a:buNone/>
+            </a:pPr>
+            <a:r>
+              <a:t>&lt;/svg&gt;</a:t>
+            </a:r>
+          </a:p>
+        </p:txBody>
+      </p:sp>
+    </p:spTree>
+  </p:cSld>
+  <p:clrMapOvr>
+    <a:masterClrMapping/>
+  </p:clrMapOvr>
+  <p:transition xmlns:p14="http://schemas.microsoft.com/office/powerpoint/2010/main" spd="med" advClick="1"/>
+</p:sld>
+</file>
+
+<file path=ppt/slides/slide43.xml><?xml version="1.0" encoding="utf-8"?>
+<p:sld xmlns:a="http://schemas.openxmlformats.org/drawingml/2006/main" xmlns:r="http://schemas.openxmlformats.org/officeDocument/2006/relationships" xmlns:p="http://schemas.openxmlformats.org/presentationml/2006/main" showMasterSp="1" showMasterPhAnim="1">
+  <p:cSld>
+    <p:spTree>
+      <p:nvGrpSpPr>
+        <p:cNvPr id="1" name=""/>
+        <p:cNvGrpSpPr/>
+        <p:nvPr/>
+      </p:nvGrpSpPr>
+      <p:grpSpPr>
+        <a:xfrm>
+          <a:off x="0" y="0"/>
+          <a:ext cx="0" cy="0"/>
+          <a:chOff x="0" y="0"/>
+          <a:chExt cx="0" cy="0"/>
+        </a:xfrm>
+      </p:grpSpPr>
+      <p:sp>
+        <p:nvSpPr>
+          <p:cNvPr id="266" name="Foundation"/>
+          <p:cNvSpPr txBox="1"/>
+          <p:nvPr>
+            <p:ph type="title"/>
+          </p:nvPr>
+        </p:nvSpPr>
+        <p:spPr>
+          <a:prstGeom prst="rect">
+            <a:avLst/>
+          </a:prstGeom>
+        </p:spPr>
+        <p:txBody>
+          <a:bodyPr/>
+          <a:lstStyle/>
+          <a:p>
+            <a:pPr/>
+            <a:r>
               <a:t>Foundation</a:t>
             </a:r>
           </a:p>
@@ -3437,7 +8210,111 @@
       </p:sp>
       <p:sp>
         <p:nvSpPr>
-          <p:cNvPr id="138" name="The Grid…"/>
+          <p:cNvPr id="267" name="From ZURB, a design company…"/>
+          <p:cNvSpPr txBox="1"/>
+          <p:nvPr>
+            <p:ph type="body" idx="1"/>
+          </p:nvPr>
+        </p:nvSpPr>
+        <p:spPr>
+          <a:prstGeom prst="rect">
+            <a:avLst/>
+          </a:prstGeom>
+        </p:spPr>
+        <p:txBody>
+          <a:bodyPr anchor="t"/>
+          <a:lstStyle/>
+          <a:p>
+            <a:pPr/>
+            <a:r>
+              <a:t>From ZURB, a design company</a:t>
+            </a:r>
+          </a:p>
+          <a:p>
+            <a:pPr/>
+            <a:r>
+              <a:t>A Swiss Army Knife / framework</a:t>
+            </a:r>
+          </a:p>
+          <a:p>
+            <a:pPr lvl="1"/>
+            <a:r>
+              <a:t>Flexible grid, MQ breakpoints, resets</a:t>
+            </a:r>
+          </a:p>
+          <a:p>
+            <a:pPr lvl="1"/>
+            <a:r>
+              <a:t>UI Widgets</a:t>
+            </a:r>
+          </a:p>
+          <a:p>
+            <a:pPr lvl="1"/>
+            <a:r>
+              <a:t>SASS mixins</a:t>
+            </a:r>
+          </a:p>
+          <a:p>
+            <a:pPr lvl="1"/>
+            <a:r>
+              <a:t>JS plugin API</a:t>
+            </a:r>
+          </a:p>
+        </p:txBody>
+      </p:sp>
+    </p:spTree>
+  </p:cSld>
+  <p:clrMapOvr>
+    <a:masterClrMapping/>
+  </p:clrMapOvr>
+  <p:transition xmlns:p14="http://schemas.microsoft.com/office/powerpoint/2010/main" spd="med" advClick="1"/>
+</p:sld>
+</file>
+
+<file path=ppt/slides/slide44.xml><?xml version="1.0" encoding="utf-8"?>
+<p:sld xmlns:a="http://schemas.openxmlformats.org/drawingml/2006/main" xmlns:r="http://schemas.openxmlformats.org/officeDocument/2006/relationships" xmlns:p="http://schemas.openxmlformats.org/presentationml/2006/main" showMasterSp="1" showMasterPhAnim="1">
+  <p:cSld>
+    <p:spTree>
+      <p:nvGrpSpPr>
+        <p:cNvPr id="1" name=""/>
+        <p:cNvGrpSpPr/>
+        <p:nvPr/>
+      </p:nvGrpSpPr>
+      <p:grpSpPr>
+        <a:xfrm>
+          <a:off x="0" y="0"/>
+          <a:ext cx="0" cy="0"/>
+          <a:chOff x="0" y="0"/>
+          <a:chExt cx="0" cy="0"/>
+        </a:xfrm>
+      </p:grpSpPr>
+      <p:sp>
+        <p:nvSpPr>
+          <p:cNvPr id="269" name="Foundation"/>
+          <p:cNvSpPr txBox="1"/>
+          <p:nvPr>
+            <p:ph type="title"/>
+          </p:nvPr>
+        </p:nvSpPr>
+        <p:spPr>
+          <a:prstGeom prst="rect">
+            <a:avLst/>
+          </a:prstGeom>
+        </p:spPr>
+        <p:txBody>
+          <a:bodyPr/>
+          <a:lstStyle/>
+          <a:p>
+            <a:pPr/>
+            <a:r>
+              <a:t>Foundation</a:t>
+            </a:r>
+          </a:p>
+        </p:txBody>
+      </p:sp>
+      <p:sp>
+        <p:nvSpPr>
+          <p:cNvPr id="270" name="The Grid…"/>
           <p:cNvSpPr txBox="1"/>
           <p:nvPr>
             <p:ph type="body" sz="quarter" idx="1"/>
@@ -3516,7 +8393,7 @@
       </p:sp>
       <p:pic>
         <p:nvPicPr>
-          <p:cNvPr id="139" name="Screen Shot 2017-03-15 at 1.40.14 PM.png" descr="Screen Shot 2017-03-15 at 1.40.14 PM.png"/>
+          <p:cNvPr id="271" name="Screen Shot 2017-03-15 at 1.40.14 PM.png" descr="Screen Shot 2017-03-15 at 1.40.14 PM.png"/>
           <p:cNvPicPr>
             <a:picLocks noChangeAspect="1"/>
           </p:cNvPicPr>
@@ -3543,6 +8420,474 @@
           </a:ln>
         </p:spPr>
       </p:pic>
+    </p:spTree>
+  </p:cSld>
+  <p:clrMapOvr>
+    <a:masterClrMapping/>
+  </p:clrMapOvr>
+  <p:transition xmlns:p14="http://schemas.microsoft.com/office/powerpoint/2010/main" spd="med" advClick="1"/>
+</p:sld>
+</file>
+
+<file path=ppt/slides/slide45.xml><?xml version="1.0" encoding="utf-8"?>
+<p:sld xmlns:a="http://schemas.openxmlformats.org/drawingml/2006/main" xmlns:r="http://schemas.openxmlformats.org/officeDocument/2006/relationships" xmlns:p="http://schemas.openxmlformats.org/presentationml/2006/main" showMasterSp="1" showMasterPhAnim="1">
+  <p:cSld>
+    <p:spTree>
+      <p:nvGrpSpPr>
+        <p:cNvPr id="1" name=""/>
+        <p:cNvGrpSpPr/>
+        <p:nvPr/>
+      </p:nvGrpSpPr>
+      <p:grpSpPr>
+        <a:xfrm>
+          <a:off x="0" y="0"/>
+          <a:ext cx="0" cy="0"/>
+          <a:chOff x="0" y="0"/>
+          <a:chExt cx="0" cy="0"/>
+        </a:xfrm>
+      </p:grpSpPr>
+      <p:sp>
+        <p:nvSpPr>
+          <p:cNvPr id="273" name="Foundation"/>
+          <p:cNvSpPr txBox="1"/>
+          <p:nvPr>
+            <p:ph type="title"/>
+          </p:nvPr>
+        </p:nvSpPr>
+        <p:spPr>
+          <a:prstGeom prst="rect">
+            <a:avLst/>
+          </a:prstGeom>
+        </p:spPr>
+        <p:txBody>
+          <a:bodyPr/>
+          <a:lstStyle/>
+          <a:p>
+            <a:pPr/>
+            <a:r>
+              <a:t>Foundation</a:t>
+            </a:r>
+          </a:p>
+        </p:txBody>
+      </p:sp>
+      <p:sp>
+        <p:nvSpPr>
+          <p:cNvPr id="274" name="Simpler UI Widgets…"/>
+          <p:cNvSpPr txBox="1"/>
+          <p:nvPr>
+            <p:ph type="body" idx="1"/>
+          </p:nvPr>
+        </p:nvSpPr>
+        <p:spPr>
+          <a:prstGeom prst="rect">
+            <a:avLst/>
+          </a:prstGeom>
+        </p:spPr>
+        <p:txBody>
+          <a:bodyPr anchor="t"/>
+          <a:lstStyle/>
+          <a:p>
+            <a:pPr marL="0" indent="0" defTabSz="332993">
+              <a:spcBef>
+                <a:spcPts val="2300"/>
+              </a:spcBef>
+              <a:buSzTx/>
+              <a:buNone/>
+              <a:defRPr sz="3135"/>
+            </a:pPr>
+            <a:r>
+              <a:t>Simpler UI Widgets</a:t>
+            </a:r>
+          </a:p>
+          <a:p>
+            <a:pPr marL="0" indent="0" defTabSz="332993">
+              <a:spcBef>
+                <a:spcPts val="2300"/>
+              </a:spcBef>
+              <a:buSzTx/>
+              <a:buNone/>
+              <a:defRPr sz="2166"/>
+            </a:pPr>
+            <a:r>
+              <a:t>&lt;ul class="accordion" data-accordion&gt;</a:t>
+            </a:r>
+          </a:p>
+          <a:p>
+            <a:pPr marL="0" indent="0" defTabSz="332993">
+              <a:spcBef>
+                <a:spcPts val="2300"/>
+              </a:spcBef>
+              <a:buSzTx/>
+              <a:buNone/>
+              <a:defRPr sz="2166"/>
+            </a:pPr>
+            <a:r>
+              <a:t>  &lt;li class="accordion-item is-active" data-accordion-item&gt;</a:t>
+            </a:r>
+          </a:p>
+          <a:p>
+            <a:pPr marL="0" indent="0" defTabSz="332993">
+              <a:spcBef>
+                <a:spcPts val="2300"/>
+              </a:spcBef>
+              <a:buSzTx/>
+              <a:buNone/>
+              <a:defRPr sz="2166"/>
+            </a:pPr>
+            <a:r>
+              <a:t>    &lt;a href="#" class="accordion-title"&gt;Accordion 1&lt;/a&gt;</a:t>
+            </a:r>
+          </a:p>
+          <a:p>
+            <a:pPr marL="0" indent="0" defTabSz="332993">
+              <a:spcBef>
+                <a:spcPts val="2300"/>
+              </a:spcBef>
+              <a:buSzTx/>
+              <a:buNone/>
+              <a:defRPr sz="2166"/>
+            </a:pPr>
+            <a:r>
+              <a:t>    &lt;div class="accordion-content" data-tab-content&gt;</a:t>
+            </a:r>
+          </a:p>
+          <a:p>
+            <a:pPr marL="0" indent="0" defTabSz="332993">
+              <a:spcBef>
+                <a:spcPts val="2300"/>
+              </a:spcBef>
+              <a:buSzTx/>
+              <a:buNone/>
+              <a:defRPr sz="2166"/>
+            </a:pPr>
+            <a:r>
+              <a:t>      I would start in the open state, due to using the `is-active` state class.</a:t>
+            </a:r>
+          </a:p>
+          <a:p>
+            <a:pPr marL="0" indent="0" defTabSz="332993">
+              <a:spcBef>
+                <a:spcPts val="2300"/>
+              </a:spcBef>
+              <a:buSzTx/>
+              <a:buNone/>
+              <a:defRPr sz="2166"/>
+            </a:pPr>
+            <a:r>
+              <a:t>    &lt;/div&gt;</a:t>
+            </a:r>
+          </a:p>
+          <a:p>
+            <a:pPr marL="0" indent="0" defTabSz="332993">
+              <a:spcBef>
+                <a:spcPts val="2300"/>
+              </a:spcBef>
+              <a:buSzTx/>
+              <a:buNone/>
+              <a:defRPr sz="2166"/>
+            </a:pPr>
+            <a:r>
+              <a:t>  &lt;/li&gt;</a:t>
+            </a:r>
+          </a:p>
+          <a:p>
+            <a:pPr marL="0" indent="0" defTabSz="332993">
+              <a:spcBef>
+                <a:spcPts val="2300"/>
+              </a:spcBef>
+              <a:buSzTx/>
+              <a:buNone/>
+              <a:defRPr sz="2166"/>
+            </a:pPr>
+            <a:r>
+              <a:t>  &lt;!-- ... --&gt;</a:t>
+            </a:r>
+          </a:p>
+          <a:p>
+            <a:pPr marL="0" indent="0" defTabSz="332993">
+              <a:spcBef>
+                <a:spcPts val="2300"/>
+              </a:spcBef>
+              <a:buSzTx/>
+              <a:buNone/>
+              <a:defRPr sz="2166"/>
+            </a:pPr>
+            <a:r>
+              <a:t>&lt;/ul&gt;</a:t>
+            </a:r>
+          </a:p>
+        </p:txBody>
+      </p:sp>
+    </p:spTree>
+  </p:cSld>
+  <p:clrMapOvr>
+    <a:masterClrMapping/>
+  </p:clrMapOvr>
+  <p:transition xmlns:p14="http://schemas.microsoft.com/office/powerpoint/2010/main" spd="med" advClick="1"/>
+</p:sld>
+</file>
+
+<file path=ppt/slides/slide46.xml><?xml version="1.0" encoding="utf-8"?>
+<p:sld xmlns:a="http://schemas.openxmlformats.org/drawingml/2006/main" xmlns:r="http://schemas.openxmlformats.org/officeDocument/2006/relationships" xmlns:p="http://schemas.openxmlformats.org/presentationml/2006/main" showMasterSp="1" showMasterPhAnim="1">
+  <p:cSld>
+    <p:spTree>
+      <p:nvGrpSpPr>
+        <p:cNvPr id="1" name=""/>
+        <p:cNvGrpSpPr/>
+        <p:nvPr/>
+      </p:nvGrpSpPr>
+      <p:grpSpPr>
+        <a:xfrm>
+          <a:off x="0" y="0"/>
+          <a:ext cx="0" cy="0"/>
+          <a:chOff x="0" y="0"/>
+          <a:chExt cx="0" cy="0"/>
+        </a:xfrm>
+      </p:grpSpPr>
+      <p:sp>
+        <p:nvSpPr>
+          <p:cNvPr id="276" name="Foundation"/>
+          <p:cNvSpPr txBox="1"/>
+          <p:nvPr>
+            <p:ph type="title"/>
+          </p:nvPr>
+        </p:nvSpPr>
+        <p:spPr>
+          <a:prstGeom prst="rect">
+            <a:avLst/>
+          </a:prstGeom>
+        </p:spPr>
+        <p:txBody>
+          <a:bodyPr/>
+          <a:lstStyle/>
+          <a:p>
+            <a:pPr/>
+            <a:r>
+              <a:t>Foundation</a:t>
+            </a:r>
+          </a:p>
+        </p:txBody>
+      </p:sp>
+      <p:sp>
+        <p:nvSpPr>
+          <p:cNvPr id="277" name="Several ways to get Foundation…"/>
+          <p:cNvSpPr txBox="1"/>
+          <p:nvPr>
+            <p:ph type="body" idx="1"/>
+          </p:nvPr>
+        </p:nvSpPr>
+        <p:spPr>
+          <a:prstGeom prst="rect">
+            <a:avLst/>
+          </a:prstGeom>
+        </p:spPr>
+        <p:txBody>
+          <a:bodyPr anchor="t"/>
+          <a:lstStyle/>
+          <a:p>
+            <a:pPr/>
+            <a:r>
+              <a:t>Several ways to get Foundation</a:t>
+            </a:r>
+          </a:p>
+          <a:p>
+            <a:pPr lvl="1"/>
+            <a:r>
+              <a:t>Straight download from </a:t>
+            </a:r>
+            <a:r>
+              <a:rPr u="sng">
+                <a:hlinkClick r:id="rId2" invalidUrl="" action="" tgtFrame="" tooltip="" history="1" highlightClick="0" endSnd="0"/>
+              </a:rPr>
+              <a:t>foundation.zurb.com</a:t>
+            </a:r>
+          </a:p>
+          <a:p>
+            <a:pPr lvl="1"/>
+            <a:r>
+              <a:t>npm i &amp;&amp; build from SASS</a:t>
+            </a:r>
+          </a:p>
+        </p:txBody>
+      </p:sp>
+    </p:spTree>
+  </p:cSld>
+  <p:clrMapOvr>
+    <a:masterClrMapping/>
+  </p:clrMapOvr>
+  <p:transition xmlns:p14="http://schemas.microsoft.com/office/powerpoint/2010/main" spd="med" advClick="1"/>
+</p:sld>
+</file>
+
+<file path=ppt/slides/slide47.xml><?xml version="1.0" encoding="utf-8"?>
+<p:sld xmlns:a="http://schemas.openxmlformats.org/drawingml/2006/main" xmlns:r="http://schemas.openxmlformats.org/officeDocument/2006/relationships" xmlns:p="http://schemas.openxmlformats.org/presentationml/2006/main" showMasterSp="1" showMasterPhAnim="1">
+  <p:cSld>
+    <p:spTree>
+      <p:nvGrpSpPr>
+        <p:cNvPr id="1" name=""/>
+        <p:cNvGrpSpPr/>
+        <p:nvPr/>
+      </p:nvGrpSpPr>
+      <p:grpSpPr>
+        <a:xfrm>
+          <a:off x="0" y="0"/>
+          <a:ext cx="0" cy="0"/>
+          <a:chOff x="0" y="0"/>
+          <a:chExt cx="0" cy="0"/>
+        </a:xfrm>
+      </p:grpSpPr>
+      <p:sp>
+        <p:nvSpPr>
+          <p:cNvPr id="279" name="Lab: Foundation d/l"/>
+          <p:cNvSpPr txBox="1"/>
+          <p:nvPr>
+            <p:ph type="title"/>
+          </p:nvPr>
+        </p:nvSpPr>
+        <p:spPr>
+          <a:prstGeom prst="rect">
+            <a:avLst/>
+          </a:prstGeom>
+        </p:spPr>
+        <p:txBody>
+          <a:bodyPr/>
+          <a:lstStyle/>
+          <a:p>
+            <a:pPr/>
+            <a:r>
+              <a:t>Lab: Foundation d/l</a:t>
+            </a:r>
+          </a:p>
+        </p:txBody>
+      </p:sp>
+      <p:sp>
+        <p:nvSpPr>
+          <p:cNvPr id="280" name="examples/day3/pm-foundation/00-foundation…"/>
+          <p:cNvSpPr txBox="1"/>
+          <p:nvPr>
+            <p:ph type="body" idx="1"/>
+          </p:nvPr>
+        </p:nvSpPr>
+        <p:spPr>
+          <a:prstGeom prst="rect">
+            <a:avLst/>
+          </a:prstGeom>
+        </p:spPr>
+        <p:txBody>
+          <a:bodyPr anchor="t"/>
+          <a:lstStyle/>
+          <a:p>
+            <a:pPr/>
+            <a:r>
+              <a:t>examples/day3/pm-foundation/00-foundation</a:t>
+            </a:r>
+          </a:p>
+          <a:p>
+            <a:pPr/>
+            <a:r>
+              <a:t>Open index.html</a:t>
+            </a:r>
+          </a:p>
+          <a:p>
+            <a:pPr/>
+            <a:r>
+              <a:t>Examine default styles</a:t>
+            </a:r>
+          </a:p>
+        </p:txBody>
+      </p:sp>
+    </p:spTree>
+  </p:cSld>
+  <p:clrMapOvr>
+    <a:masterClrMapping/>
+  </p:clrMapOvr>
+  <p:transition xmlns:p14="http://schemas.microsoft.com/office/powerpoint/2010/main" spd="med" advClick="1"/>
+</p:sld>
+</file>
+
+<file path=ppt/slides/slide48.xml><?xml version="1.0" encoding="utf-8"?>
+<p:sld xmlns:a="http://schemas.openxmlformats.org/drawingml/2006/main" xmlns:r="http://schemas.openxmlformats.org/officeDocument/2006/relationships" xmlns:p="http://schemas.openxmlformats.org/presentationml/2006/main" showMasterSp="1" showMasterPhAnim="1">
+  <p:cSld>
+    <p:spTree>
+      <p:nvGrpSpPr>
+        <p:cNvPr id="1" name=""/>
+        <p:cNvGrpSpPr/>
+        <p:nvPr/>
+      </p:nvGrpSpPr>
+      <p:grpSpPr>
+        <a:xfrm>
+          <a:off x="0" y="0"/>
+          <a:ext cx="0" cy="0"/>
+          <a:chOff x="0" y="0"/>
+          <a:chExt cx="0" cy="0"/>
+        </a:xfrm>
+      </p:grpSpPr>
+      <p:sp>
+        <p:nvSpPr>
+          <p:cNvPr id="282" name="Lab: Foundation build"/>
+          <p:cNvSpPr txBox="1"/>
+          <p:nvPr>
+            <p:ph type="title"/>
+          </p:nvPr>
+        </p:nvSpPr>
+        <p:spPr>
+          <a:prstGeom prst="rect">
+            <a:avLst/>
+          </a:prstGeom>
+        </p:spPr>
+        <p:txBody>
+          <a:bodyPr/>
+          <a:lstStyle/>
+          <a:p>
+            <a:pPr/>
+            <a:r>
+              <a:t>Lab: Foundation build</a:t>
+            </a:r>
+          </a:p>
+        </p:txBody>
+      </p:sp>
+      <p:sp>
+        <p:nvSpPr>
+          <p:cNvPr id="283" name="examples/day3/pm-foundation/01-foundation…"/>
+          <p:cNvSpPr txBox="1"/>
+          <p:nvPr>
+            <p:ph type="body" idx="1"/>
+          </p:nvPr>
+        </p:nvSpPr>
+        <p:spPr>
+          <a:prstGeom prst="rect">
+            <a:avLst/>
+          </a:prstGeom>
+        </p:spPr>
+        <p:txBody>
+          <a:bodyPr anchor="t"/>
+          <a:lstStyle/>
+          <a:p>
+            <a:pPr/>
+            <a:r>
+              <a:t>examples/day3/pm-foundation/01-foundation</a:t>
+            </a:r>
+          </a:p>
+          <a:p>
+            <a:pPr/>
+            <a:r>
+              <a:t>npm install</a:t>
+            </a:r>
+          </a:p>
+          <a:p>
+            <a:pPr/>
+            <a:r>
+              <a:t>Run grunt</a:t>
+            </a:r>
+          </a:p>
+          <a:p>
+            <a:pPr/>
+            <a:r>
+              <a:t>Add link to main.css to html</a:t>
+            </a:r>
+          </a:p>
+        </p:txBody>
+      </p:sp>
     </p:spTree>
   </p:cSld>
   <p:clrMapOvr>
@@ -3571,7 +8916,7 @@
       </p:grpSpPr>
       <p:sp>
         <p:nvSpPr>
-          <p:cNvPr id="141" name="Foundation"/>
+          <p:cNvPr id="140" name="Responsive"/>
           <p:cNvSpPr txBox="1"/>
           <p:nvPr>
             <p:ph type="title"/>
@@ -3588,14 +8933,14 @@
           <a:p>
             <a:pPr/>
             <a:r>
-              <a:t>Foundation</a:t>
-            </a:r>
-          </a:p>
-        </p:txBody>
-      </p:sp>
-      <p:sp>
-        <p:nvSpPr>
-          <p:cNvPr id="142" name="Simpler UI Widgets…"/>
+              <a:t>Responsive</a:t>
+            </a:r>
+          </a:p>
+        </p:txBody>
+      </p:sp>
+      <p:sp>
+        <p:nvSpPr>
+          <p:cNvPr id="141" name="General Principles…"/>
           <p:cNvSpPr txBox="1"/>
           <p:nvPr>
             <p:ph type="body" idx="1"/>
@@ -3610,133 +8955,42 @@
           <a:bodyPr anchor="t"/>
           <a:lstStyle/>
           <a:p>
-            <a:pPr marL="0" indent="0" defTabSz="332993">
-              <a:spcBef>
-                <a:spcPts val="2300"/>
-              </a:spcBef>
+            <a:pPr marL="0" indent="0">
               <a:buSzTx/>
               <a:buNone/>
-              <a:defRPr sz="3135"/>
             </a:pPr>
             <a:r>
-              <a:t>Simpler UI Widgets</a:t>
-            </a:r>
-          </a:p>
-          <a:p>
-            <a:pPr marL="0" indent="0" defTabSz="332993">
-              <a:spcBef>
-                <a:spcPts val="2300"/>
-              </a:spcBef>
-              <a:buSzTx/>
-              <a:buNone/>
-              <a:defRPr sz="2166"/>
-            </a:pPr>
-            <a:r>
-              <a:t>&lt;ul class="accordion" data-accordion&gt;</a:t>
-            </a:r>
-          </a:p>
-          <a:p>
-            <a:pPr marL="0" indent="0" defTabSz="332993">
-              <a:spcBef>
-                <a:spcPts val="2300"/>
-              </a:spcBef>
-              <a:buSzTx/>
-              <a:buNone/>
-              <a:defRPr sz="2166"/>
-            </a:pPr>
-            <a:r>
-              <a:t>  &lt;li class="accordion-item is-active" data-accordion-item&gt;</a:t>
-            </a:r>
-          </a:p>
-          <a:p>
-            <a:pPr marL="0" indent="0" defTabSz="332993">
-              <a:spcBef>
-                <a:spcPts val="2300"/>
-              </a:spcBef>
-              <a:buSzTx/>
-              <a:buNone/>
-              <a:defRPr sz="2166"/>
-            </a:pPr>
-            <a:r>
-              <a:t>    &lt;a href="#" class="accordion-title"&gt;Accordion 1&lt;/a&gt;</a:t>
-            </a:r>
-          </a:p>
-          <a:p>
-            <a:pPr marL="0" indent="0" defTabSz="332993">
-              <a:spcBef>
-                <a:spcPts val="2300"/>
-              </a:spcBef>
-              <a:buSzTx/>
-              <a:buNone/>
-              <a:defRPr sz="2166"/>
-            </a:pPr>
-            <a:r>
-              <a:t>    &lt;div class="accordion-content" data-tab-content&gt;</a:t>
-            </a:r>
-          </a:p>
-          <a:p>
-            <a:pPr marL="0" indent="0" defTabSz="332993">
-              <a:spcBef>
-                <a:spcPts val="2300"/>
-              </a:spcBef>
-              <a:buSzTx/>
-              <a:buNone/>
-              <a:defRPr sz="2166"/>
-            </a:pPr>
-            <a:r>
-              <a:t>      I would start in the open state, due to using the `is-active` state class.</a:t>
-            </a:r>
-          </a:p>
-          <a:p>
-            <a:pPr marL="0" indent="0" defTabSz="332993">
-              <a:spcBef>
-                <a:spcPts val="2300"/>
-              </a:spcBef>
-              <a:buSzTx/>
-              <a:buNone/>
-              <a:defRPr sz="2166"/>
-            </a:pPr>
-            <a:r>
-              <a:t>    &lt;/div&gt;</a:t>
-            </a:r>
-          </a:p>
-          <a:p>
-            <a:pPr marL="0" indent="0" defTabSz="332993">
-              <a:spcBef>
-                <a:spcPts val="2300"/>
-              </a:spcBef>
-              <a:buSzTx/>
-              <a:buNone/>
-              <a:defRPr sz="2166"/>
-            </a:pPr>
-            <a:r>
-              <a:t>  &lt;/li&gt;</a:t>
-            </a:r>
-          </a:p>
-          <a:p>
-            <a:pPr marL="0" indent="0" defTabSz="332993">
-              <a:spcBef>
-                <a:spcPts val="2300"/>
-              </a:spcBef>
-              <a:buSzTx/>
-              <a:buNone/>
-              <a:defRPr sz="2166"/>
-            </a:pPr>
-            <a:r>
-              <a:t>  &lt;!-- ... --&gt;</a:t>
-            </a:r>
-          </a:p>
-          <a:p>
-            <a:pPr marL="0" indent="0" defTabSz="332993">
-              <a:spcBef>
-                <a:spcPts val="2300"/>
-              </a:spcBef>
-              <a:buSzTx/>
-              <a:buNone/>
-              <a:defRPr sz="2166"/>
-            </a:pPr>
-            <a:r>
-              <a:t>&lt;/ul&gt;</a:t>
+              <a:t>General Principles</a:t>
+            </a:r>
+          </a:p>
+          <a:p>
+            <a:pPr/>
+            <a:r>
+              <a:t>Minimalism</a:t>
+            </a:r>
+          </a:p>
+          <a:p>
+            <a:pPr lvl="1"/>
+            <a:r>
+              <a:t>Support a few cases really well</a:t>
+            </a:r>
+          </a:p>
+          <a:p>
+            <a:pPr lvl="1"/>
+            <a:r>
+              <a:t>Use as little CSS as possible</a:t>
+            </a:r>
+          </a:p>
+          <a:p>
+            <a:pPr lvl="1"/>
+            <a:r>
+              <a:t>Less to maintain, less to debug</a:t>
+            </a:r>
+          </a:p>
+          <a:p>
+            <a:pPr lvl="1"/>
+            <a:r>
+              <a:t>Remove unused styles</a:t>
             </a:r>
           </a:p>
         </p:txBody>
@@ -3769,7 +9023,7 @@
       </p:grpSpPr>
       <p:sp>
         <p:nvSpPr>
-          <p:cNvPr id="144" name="SVG"/>
+          <p:cNvPr id="143" name="Responsive"/>
           <p:cNvSpPr txBox="1"/>
           <p:nvPr>
             <p:ph type="title"/>
@@ -3786,14 +9040,14 @@
           <a:p>
             <a:pPr/>
             <a:r>
-              <a:t>SVG</a:t>
-            </a:r>
-          </a:p>
-        </p:txBody>
-      </p:sp>
-      <p:sp>
-        <p:nvSpPr>
-          <p:cNvPr id="145" name="Scalable Vector Graphics…"/>
+              <a:t>Responsive</a:t>
+            </a:r>
+          </a:p>
+        </p:txBody>
+      </p:sp>
+      <p:sp>
+        <p:nvSpPr>
+          <p:cNvPr id="144" name="Responsive means responding to client"/>
           <p:cNvSpPr txBox="1"/>
           <p:nvPr>
             <p:ph type="body" idx="1"/>
@@ -3808,52 +9062,9 @@
           <a:bodyPr anchor="t"/>
           <a:lstStyle/>
           <a:p>
-            <a:pPr marL="0" indent="0">
-              <a:buSzTx/>
-              <a:buNone/>
-            </a:pPr>
-            <a:r>
-              <a:t>Scalable Vector Graphics</a:t>
-            </a:r>
-          </a:p>
-          <a:p>
-            <a:pPr marL="381000" indent="-381000">
-              <a:buSzPct val="100000"/>
-            </a:pPr>
-            <a:r>
-              <a:t>Creates graphic through calculation / drawing</a:t>
-            </a:r>
-          </a:p>
-          <a:p>
-            <a:pPr marL="381000" indent="-381000">
-              <a:buSzPct val="100000"/>
-            </a:pPr>
-            <a:r>
-              <a:t>As opposed to static "raster" or bitmap approach</a:t>
-            </a:r>
-          </a:p>
-          <a:p>
-            <a:pPr marL="381000" indent="-381000">
-              <a:buSzPct val="100000"/>
-            </a:pPr>
-            <a:r>
-              <a:t>Con: larger file size for small images</a:t>
-            </a:r>
-          </a:p>
-          <a:p>
-            <a:pPr marL="381000" indent="-381000">
-              <a:buSzPct val="100000"/>
-            </a:pPr>
-            <a:r>
-              <a:t>Pro: scales to any size</a:t>
-            </a:r>
-          </a:p>
-          <a:p>
-            <a:pPr marL="381000" indent="-381000">
-              <a:buSzPct val="100000"/>
-            </a:pPr>
-            <a:r>
-              <a:t>Pro: can be changed programmatically</a:t>
+            <a:pPr/>
+            <a:r>
+              <a:t>Responsive means responding to client</a:t>
             </a:r>
           </a:p>
         </p:txBody>
@@ -3886,7 +9097,7 @@
       </p:grpSpPr>
       <p:sp>
         <p:nvSpPr>
-          <p:cNvPr id="147" name="SVG"/>
+          <p:cNvPr id="146" name="Responsive"/>
           <p:cNvSpPr txBox="1"/>
           <p:nvPr>
             <p:ph type="title"/>
@@ -3903,14 +9114,14 @@
           <a:p>
             <a:pPr/>
             <a:r>
-              <a:t>SVG</a:t>
-            </a:r>
-          </a:p>
-        </p:txBody>
-      </p:sp>
-      <p:sp>
-        <p:nvSpPr>
-          <p:cNvPr id="148" name="&lt;svg width=&quot;100&quot; height=&quot;100&quot;&gt;…"/>
+              <a:t>Responsive</a:t>
+            </a:r>
+          </a:p>
+        </p:txBody>
+      </p:sp>
+      <p:sp>
+        <p:nvSpPr>
+          <p:cNvPr id="147" name="But how to respond to a client you don't know?"/>
           <p:cNvSpPr txBox="1"/>
           <p:nvPr>
             <p:ph type="body" idx="1"/>
@@ -3923,36 +9134,49 @@
         </p:spPr>
         <p:txBody>
           <a:bodyPr anchor="t"/>
-          <a:lstStyle/>
-          <a:p>
-            <a:pPr marL="0" indent="0">
+          <a:lstStyle>
+            <a:lvl1pPr marL="0" indent="0" algn="ctr">
               <a:buSzTx/>
               <a:buNone/>
-            </a:pPr>
-            <a:r>
-              <a:t>&lt;svg width="100" height="100"&gt;</a:t>
-            </a:r>
-          </a:p>
-          <a:p>
-            <a:pPr marL="0" indent="0">
-              <a:buSzTx/>
-              <a:buNone/>
-            </a:pPr>
-            <a:r>
-              <a:t>  &lt;circle cx="50" cy="50" r="40" stroke="green" stroke-width="4" fill="yellow" /&gt;</a:t>
-            </a:r>
-          </a:p>
-          <a:p>
-            <a:pPr marL="0" indent="0">
-              <a:buSzTx/>
-              <a:buNone/>
-            </a:pPr>
-            <a:r>
-              <a:t>&lt;/svg&gt;</a:t>
-            </a:r>
-          </a:p>
-        </p:txBody>
-      </p:sp>
+            </a:lvl1pPr>
+          </a:lstStyle>
+          <a:p>
+            <a:pPr/>
+            <a:r>
+              <a:t>But how to respond to a client you don't know?</a:t>
+            </a:r>
+          </a:p>
+        </p:txBody>
+      </p:sp>
+      <p:pic>
+        <p:nvPicPr>
+          <p:cNvPr id="148" name="devices.jpg" descr="devices.jpg"/>
+          <p:cNvPicPr>
+            <a:picLocks noChangeAspect="1"/>
+          </p:cNvPicPr>
+          <p:nvPr/>
+        </p:nvPicPr>
+        <p:blipFill>
+          <a:blip r:embed="rId2">
+            <a:extLst/>
+          </a:blip>
+          <a:stretch>
+            <a:fillRect/>
+          </a:stretch>
+        </p:blipFill>
+        <p:spPr>
+          <a:xfrm>
+            <a:off x="2910676" y="3570585"/>
+            <a:ext cx="7183448" cy="6524030"/>
+          </a:xfrm>
+          <a:prstGeom prst="rect">
+            <a:avLst/>
+          </a:prstGeom>
+          <a:ln w="12700">
+            <a:miter lim="400000"/>
+          </a:ln>
+        </p:spPr>
+      </p:pic>
     </p:spTree>
   </p:cSld>
   <p:clrMapOvr>
@@ -3981,7 +9205,7 @@
       </p:grpSpPr>
       <p:sp>
         <p:nvSpPr>
-          <p:cNvPr id="150" name="Web Fonts"/>
+          <p:cNvPr id="150" name="Responsive"/>
           <p:cNvSpPr txBox="1"/>
           <p:nvPr>
             <p:ph type="title"/>
@@ -3998,14 +9222,14 @@
           <a:p>
             <a:pPr/>
             <a:r>
-              <a:t>Web Fonts</a:t>
-            </a:r>
-          </a:p>
-        </p:txBody>
-      </p:sp>
-      <p:sp>
-        <p:nvSpPr>
-          <p:cNvPr id="151" name="@font-face {…"/>
+              <a:t>Responsive</a:t>
+            </a:r>
+          </a:p>
+        </p:txBody>
+      </p:sp>
+      <p:sp>
+        <p:nvSpPr>
+          <p:cNvPr id="151" name="But how to respond to a client you don't know?"/>
           <p:cNvSpPr txBox="1"/>
           <p:nvPr>
             <p:ph type="body" idx="1"/>
@@ -4018,161 +9242,85 @@
         </p:spPr>
         <p:txBody>
           <a:bodyPr anchor="t"/>
-          <a:lstStyle/>
-          <a:p>
-            <a:pPr marL="0" indent="0" defTabSz="280415">
-              <a:spcBef>
-                <a:spcPts val="2000"/>
-              </a:spcBef>
+          <a:lstStyle>
+            <a:lvl1pPr marL="0" indent="0" algn="ctr">
               <a:buSzTx/>
               <a:buNone/>
-              <a:defRPr sz="1824"/>
-            </a:pPr>
-            <a:r>
-              <a:t>@font-face {</a:t>
-            </a:r>
-          </a:p>
-          <a:p>
-            <a:pPr marL="0" indent="0" defTabSz="280415">
-              <a:spcBef>
-                <a:spcPts val="2000"/>
-              </a:spcBef>
-              <a:buSzTx/>
-              <a:buNone/>
-              <a:defRPr sz="1824"/>
-            </a:pPr>
-            <a:r>
-              <a:t>  font-family: 'MyWebFont';</a:t>
-            </a:r>
-          </a:p>
-          <a:p>
-            <a:pPr marL="0" indent="0" defTabSz="280415">
-              <a:spcBef>
-                <a:spcPts val="2000"/>
-              </a:spcBef>
-              <a:buSzTx/>
-              <a:buNone/>
-              <a:defRPr sz="1824"/>
-            </a:pPr>
-            <a:r>
-              <a:t>  src: url('webfont.eot'); /* IE9 Compat Modes */</a:t>
-            </a:r>
-          </a:p>
-          <a:p>
-            <a:pPr marL="0" indent="0" defTabSz="280415">
-              <a:spcBef>
-                <a:spcPts val="2000"/>
-              </a:spcBef>
-              <a:buSzTx/>
-              <a:buNone/>
-              <a:defRPr sz="1824"/>
-            </a:pPr>
-            <a:r>
-              <a:t>  src: url('webfont.eot?#iefix') format('embedded-opentype'), /* IE6-IE8 */</a:t>
-            </a:r>
-          </a:p>
-          <a:p>
-            <a:pPr marL="0" indent="0" defTabSz="280415">
-              <a:spcBef>
-                <a:spcPts val="2000"/>
-              </a:spcBef>
-              <a:buSzTx/>
-              <a:buNone/>
-              <a:defRPr sz="1824"/>
-            </a:pPr>
-            <a:r>
-              <a:t>       url('webfont.woff2') format('woff2'), /* Super Modern Browsers */</a:t>
-            </a:r>
-          </a:p>
-          <a:p>
-            <a:pPr marL="0" indent="0" defTabSz="280415">
-              <a:spcBef>
-                <a:spcPts val="2000"/>
-              </a:spcBef>
-              <a:buSzTx/>
-              <a:buNone/>
-              <a:defRPr sz="1824"/>
-            </a:pPr>
-            <a:r>
-              <a:t>       url('webfont.woff') format('woff'), /* Pretty Modern Browsers */</a:t>
-            </a:r>
-          </a:p>
-          <a:p>
-            <a:pPr marL="0" indent="0" defTabSz="280415">
-              <a:spcBef>
-                <a:spcPts val="2000"/>
-              </a:spcBef>
-              <a:buSzTx/>
-              <a:buNone/>
-              <a:defRPr sz="1824"/>
-            </a:pPr>
-            <a:r>
-              <a:t>       url('webfont.ttf')  format('truetype'), /* Safari, Android, iOS */</a:t>
-            </a:r>
-          </a:p>
-          <a:p>
-            <a:pPr marL="0" indent="0" defTabSz="280415">
-              <a:spcBef>
-                <a:spcPts val="2000"/>
-              </a:spcBef>
-              <a:buSzTx/>
-              <a:buNone/>
-              <a:defRPr sz="1824"/>
-            </a:pPr>
-            <a:r>
-              <a:t>       url('webfont.svg#svgFontName') format('svg'); /* Legacy iOS */</a:t>
-            </a:r>
-          </a:p>
-          <a:p>
-            <a:pPr marL="0" indent="0" defTabSz="280415">
-              <a:spcBef>
-                <a:spcPts val="2000"/>
-              </a:spcBef>
-              <a:buSzTx/>
-              <a:buNone/>
-              <a:defRPr sz="1824"/>
-            </a:pPr>
-            <a:r>
-              <a:t>}</a:t>
-            </a:r>
-          </a:p>
-          <a:p>
-            <a:pPr marL="0" indent="0" defTabSz="280415">
-              <a:spcBef>
-                <a:spcPts val="2000"/>
-              </a:spcBef>
-              <a:buSzTx/>
-              <a:buNone/>
-              <a:defRPr sz="1824"/>
-            </a:pPr>
-            <a:r>
-              <a:t>body {</a:t>
-            </a:r>
-          </a:p>
-          <a:p>
-            <a:pPr marL="0" indent="0" defTabSz="280415">
-              <a:spcBef>
-                <a:spcPts val="2000"/>
-              </a:spcBef>
-              <a:buSzTx/>
-              <a:buNone/>
-              <a:defRPr sz="1824"/>
-            </a:pPr>
-            <a:r>
-              <a:t>  font-family: 'MyWebFont', Fallback, sans-serif;</a:t>
-            </a:r>
-          </a:p>
-          <a:p>
-            <a:pPr marL="0" indent="0" defTabSz="280415">
-              <a:spcBef>
-                <a:spcPts val="2000"/>
-              </a:spcBef>
-              <a:buSzTx/>
-              <a:buNone/>
-              <a:defRPr sz="1824"/>
-            </a:pPr>
-            <a:r>
-              <a:t>}</a:t>
+            </a:lvl1pPr>
+          </a:lstStyle>
+          <a:p>
+            <a:pPr/>
+            <a:r>
+              <a:t>But how to respond to a client you don't know?</a:t>
+            </a:r>
+          </a:p>
+        </p:txBody>
+      </p:sp>
+      <p:pic>
+        <p:nvPicPr>
+          <p:cNvPr id="152" name="fullsizeoutput_4a.jpeg" descr="fullsizeoutput_4a.jpeg"/>
+          <p:cNvPicPr>
+            <a:picLocks noChangeAspect="1"/>
+          </p:cNvPicPr>
+          <p:nvPr/>
+        </p:nvPicPr>
+        <p:blipFill>
+          <a:blip r:embed="rId2">
+            <a:extLst/>
+          </a:blip>
+          <a:stretch>
+            <a:fillRect/>
+          </a:stretch>
+        </p:blipFill>
+        <p:spPr>
+          <a:xfrm>
+            <a:off x="1498600" y="1981200"/>
+            <a:ext cx="10007600" cy="7505700"/>
+          </a:xfrm>
+          <a:prstGeom prst="rect">
+            <a:avLst/>
+          </a:prstGeom>
+          <a:ln w="12700">
+            <a:miter lim="400000"/>
+          </a:ln>
+        </p:spPr>
+      </p:pic>
+      <p:sp>
+        <p:nvSpPr>
+          <p:cNvPr id="153" name="source: mightyminnow.com"/>
+          <p:cNvSpPr txBox="1"/>
+          <p:nvPr/>
+        </p:nvSpPr>
+        <p:spPr>
+          <a:xfrm>
+            <a:off x="10104475" y="9410699"/>
+            <a:ext cx="2905050" cy="381001"/>
+          </a:xfrm>
+          <a:prstGeom prst="rect">
+            <a:avLst/>
+          </a:prstGeom>
+          <a:ln w="12700">
+            <a:miter lim="400000"/>
+          </a:ln>
+          <a:extLst>
+            <a:ext uri="{C572A759-6A51-4108-AA02-DFA0A04FC94B}">
+              <ma14:wrappingTextBoxFlag xmlns:ma14="http://schemas.microsoft.com/office/mac/drawingml/2011/main" val="1"/>
+            </a:ext>
+          </a:extLst>
+        </p:spPr>
+        <p:txBody>
+          <a:bodyPr wrap="none" lIns="50800" tIns="50800" rIns="50800" bIns="50800" anchor="ctr">
+            <a:spAutoFit/>
+          </a:bodyPr>
+          <a:lstStyle>
+            <a:lvl1pPr>
+              <a:defRPr sz="1800"/>
+            </a:lvl1pPr>
+          </a:lstStyle>
+          <a:p>
+            <a:pPr/>
+            <a:r>
+              <a:t>source: mightyminnow.com</a:t>
             </a:r>
           </a:p>
         </p:txBody>
@@ -4205,7 +9353,7 @@
       </p:grpSpPr>
       <p:sp>
         <p:nvSpPr>
-          <p:cNvPr id="153" name="Icons"/>
+          <p:cNvPr id="155" name="Responsive Design"/>
           <p:cNvSpPr txBox="1"/>
           <p:nvPr>
             <p:ph type="title"/>
@@ -4222,61 +9370,129 @@
           <a:p>
             <a:pPr/>
             <a:r>
-              <a:t>Icons</a:t>
-            </a:r>
-          </a:p>
-        </p:txBody>
-      </p:sp>
-      <p:sp>
-        <p:nvSpPr>
-          <p:cNvPr id="154" name="Icons are libraries of images…"/>
-          <p:cNvSpPr txBox="1"/>
-          <p:nvPr>
-            <p:ph type="body" idx="1"/>
-          </p:nvPr>
-        </p:nvSpPr>
-        <p:spPr>
-          <a:prstGeom prst="rect">
-            <a:avLst/>
-          </a:prstGeom>
-        </p:spPr>
-        <p:txBody>
-          <a:bodyPr anchor="t"/>
-          <a:lstStyle/>
-          <a:p>
-            <a:pPr/>
-            <a:r>
-              <a:t>Icons are libraries of images</a:t>
-            </a:r>
-          </a:p>
-          <a:p>
-            <a:pPr/>
-            <a:r>
-              <a:t>Useful for UI like settings gear, mail envelope</a:t>
-            </a:r>
-          </a:p>
-          <a:p>
-            <a:pPr/>
-            <a:r>
-              <a:t>Foundation offers icons via web font</a:t>
-            </a:r>
-          </a:p>
-          <a:p>
-            <a:pPr/>
-            <a:r>
-              <a:t>add @font-face</a:t>
-            </a:r>
-          </a:p>
-          <a:p>
-            <a:pPr/>
-            <a:r>
-              <a:t>http://zurb.com/playground/foundation-icons</a:t>
-            </a:r>
-          </a:p>
-          <a:p>
-            <a:pPr/>
-            <a:r>
-              <a:t>Add class "general foundicon-[icon name]"</a:t>
+              <a:t>Responsive Design</a:t>
+            </a:r>
+          </a:p>
+        </p:txBody>
+      </p:sp>
+      <p:pic>
+        <p:nvPicPr>
+          <p:cNvPr id="156" name="POET.jpeg" descr="POET.jpeg"/>
+          <p:cNvPicPr>
+            <a:picLocks noChangeAspect="1"/>
+          </p:cNvPicPr>
+          <p:nvPr/>
+        </p:nvPicPr>
+        <p:blipFill>
+          <a:blip r:embed="rId2">
+            <a:extLst/>
+          </a:blip>
+          <a:stretch>
+            <a:fillRect/>
+          </a:stretch>
+        </p:blipFill>
+        <p:spPr>
+          <a:xfrm>
+            <a:off x="1308100" y="2559050"/>
+            <a:ext cx="4165600" cy="6350000"/>
+          </a:xfrm>
+          <a:prstGeom prst="rect">
+            <a:avLst/>
+          </a:prstGeom>
+          <a:ln w="12700">
+            <a:miter lim="400000"/>
+          </a:ln>
+        </p:spPr>
+      </p:pic>
+      <p:sp>
+        <p:nvSpPr>
+          <p:cNvPr id="157" name="Affordance…"/>
+          <p:cNvSpPr txBox="1"/>
+          <p:nvPr/>
+        </p:nvSpPr>
+        <p:spPr>
+          <a:xfrm>
+            <a:off x="5995818" y="2679700"/>
+            <a:ext cx="6080017" cy="6108701"/>
+          </a:xfrm>
+          <a:prstGeom prst="rect">
+            <a:avLst/>
+          </a:prstGeom>
+          <a:ln w="12700">
+            <a:miter lim="400000"/>
+          </a:ln>
+          <a:extLst>
+            <a:ext uri="{C572A759-6A51-4108-AA02-DFA0A04FC94B}">
+              <ma14:wrappingTextBoxFlag xmlns:ma14="http://schemas.microsoft.com/office/mac/drawingml/2011/main" val="1"/>
+            </a:ext>
+          </a:extLst>
+        </p:spPr>
+        <p:txBody>
+          <a:bodyPr lIns="50800" tIns="50800" rIns="50800" bIns="50800" anchor="ctr">
+            <a:spAutoFit/>
+          </a:bodyPr>
+          <a:lstStyle/>
+          <a:p>
+            <a:pPr algn="l">
+              <a:defRPr b="1">
+                <a:latin typeface="Helvetica"/>
+                <a:ea typeface="Helvetica"/>
+                <a:cs typeface="Helvetica"/>
+                <a:sym typeface="Helvetica"/>
+              </a:defRPr>
+            </a:pPr>
+            <a:r>
+              <a:t>Affordance</a:t>
+            </a:r>
+          </a:p>
+          <a:p>
+            <a:pPr algn="l"/>
+            <a:r>
+              <a:t>The possibility of an action on an object or environment.</a:t>
+            </a:r>
+          </a:p>
+          <a:p>
+            <a:pPr algn="l"/>
+          </a:p>
+          <a:p>
+            <a:pPr algn="l">
+              <a:defRPr b="1">
+                <a:latin typeface="Helvetica"/>
+                <a:ea typeface="Helvetica"/>
+                <a:cs typeface="Helvetica"/>
+                <a:sym typeface="Helvetica"/>
+              </a:defRPr>
+            </a:pPr>
+            <a:r>
+              <a:t>Mapping</a:t>
+            </a:r>
+          </a:p>
+          <a:p>
+            <a:pPr algn="l"/>
+            <a:r>
+              <a:t>Correspondence between possibility and action</a:t>
+            </a:r>
+          </a:p>
+          <a:p>
+            <a:pPr algn="l"/>
+          </a:p>
+          <a:p>
+            <a:pPr algn="l">
+              <a:defRPr b="1">
+                <a:latin typeface="Helvetica"/>
+                <a:ea typeface="Helvetica"/>
+                <a:cs typeface="Helvetica"/>
+                <a:sym typeface="Helvetica"/>
+              </a:defRPr>
+            </a:pPr>
+            <a:r>
+              <a:t>Feedback</a:t>
+            </a:r>
+          </a:p>
+          <a:p>
+            <a:pPr algn="l"/>
+            <a:r>
+              <a:t>Signal that indicates effectiveness of action</a:t>
             </a:r>
           </a:p>
         </p:txBody>
